--- a/presentation/PPTExiasaver.pptx
+++ b/presentation/PPTExiasaver.pptx
@@ -12,10 +12,12 @@
     <p:sldId id="261" r:id="rId6"/>
     <p:sldId id="262" r:id="rId7"/>
     <p:sldId id="263" r:id="rId8"/>
-    <p:sldId id="268" r:id="rId9"/>
-    <p:sldId id="264" r:id="rId10"/>
-    <p:sldId id="265" r:id="rId11"/>
-    <p:sldId id="266" r:id="rId12"/>
+    <p:sldId id="270" r:id="rId9"/>
+    <p:sldId id="269" r:id="rId10"/>
+    <p:sldId id="268" r:id="rId11"/>
+    <p:sldId id="264" r:id="rId12"/>
+    <p:sldId id="265" r:id="rId13"/>
+    <p:sldId id="266" r:id="rId14"/>
   </p:sldIdLst>
   <p:sldSz cx="12192000" cy="6858000"/>
   <p:notesSz cx="6858000" cy="9144000"/>
@@ -7436,6 +7438,13 @@
         </dgm:presLayoutVars>
       </dgm:prSet>
       <dgm:spPr/>
+      <dgm:t>
+        <a:bodyPr/>
+        <a:lstStyle/>
+        <a:p>
+          <a:endParaRPr lang="fr-FR"/>
+        </a:p>
+      </dgm:t>
     </dgm:pt>
     <dgm:pt modelId="{02300EC7-89AD-4EC2-AAD3-61533B1545ED}" type="pres">
       <dgm:prSet presAssocID="{B62D00D8-24AC-4914-A54C-98A47A7E5F5F}" presName="composite" presStyleCnt="0"/>
@@ -7449,6 +7458,13 @@
         </dgm:presLayoutVars>
       </dgm:prSet>
       <dgm:spPr/>
+      <dgm:t>
+        <a:bodyPr/>
+        <a:lstStyle/>
+        <a:p>
+          <a:endParaRPr lang="fr-FR"/>
+        </a:p>
+      </dgm:t>
     </dgm:pt>
     <dgm:pt modelId="{15843F94-EBEB-47EA-86B1-0E28C41F8939}" type="pres">
       <dgm:prSet presAssocID="{B62D00D8-24AC-4914-A54C-98A47A7E5F5F}" presName="descendantText" presStyleLbl="alignAcc1" presStyleIdx="0" presStyleCnt="8" custLinFactX="100000" custLinFactNeighborX="121477" custLinFactNeighborY="-40403">
@@ -7457,6 +7473,13 @@
         </dgm:presLayoutVars>
       </dgm:prSet>
       <dgm:spPr/>
+      <dgm:t>
+        <a:bodyPr/>
+        <a:lstStyle/>
+        <a:p>
+          <a:endParaRPr lang="fr-FR"/>
+        </a:p>
+      </dgm:t>
     </dgm:pt>
     <dgm:pt modelId="{D8AF216C-842A-45DF-AA17-782E65429C9B}" type="pres">
       <dgm:prSet presAssocID="{AA00C1A5-7EE2-4708-B9BE-2B2DC0A76911}" presName="sp" presStyleCnt="0"/>
@@ -7474,6 +7497,13 @@
         </dgm:presLayoutVars>
       </dgm:prSet>
       <dgm:spPr/>
+      <dgm:t>
+        <a:bodyPr/>
+        <a:lstStyle/>
+        <a:p>
+          <a:endParaRPr lang="fr-FR"/>
+        </a:p>
+      </dgm:t>
     </dgm:pt>
     <dgm:pt modelId="{AD8E1CB4-76A5-4C73-93E7-AEEAD8CC5A28}" type="pres">
       <dgm:prSet presAssocID="{F3A04191-D404-487B-893D-D2DED7523AF0}" presName="descendantText" presStyleLbl="alignAcc1" presStyleIdx="1" presStyleCnt="8">
@@ -7482,6 +7512,13 @@
         </dgm:presLayoutVars>
       </dgm:prSet>
       <dgm:spPr/>
+      <dgm:t>
+        <a:bodyPr/>
+        <a:lstStyle/>
+        <a:p>
+          <a:endParaRPr lang="fr-FR"/>
+        </a:p>
+      </dgm:t>
     </dgm:pt>
     <dgm:pt modelId="{F8F229A8-968D-4F79-92B8-F3FBEA8013CF}" type="pres">
       <dgm:prSet presAssocID="{C9C29C4A-B08B-4B0F-BAE3-0329EFC627EA}" presName="sp" presStyleCnt="0"/>
@@ -7499,6 +7536,13 @@
         </dgm:presLayoutVars>
       </dgm:prSet>
       <dgm:spPr/>
+      <dgm:t>
+        <a:bodyPr/>
+        <a:lstStyle/>
+        <a:p>
+          <a:endParaRPr lang="fr-FR"/>
+        </a:p>
+      </dgm:t>
     </dgm:pt>
     <dgm:pt modelId="{6359ED9D-F310-46D6-9F22-9970B56BF87A}" type="pres">
       <dgm:prSet presAssocID="{67097B12-815B-47C3-A620-4965B9EB26E1}" presName="descendantText" presStyleLbl="alignAcc1" presStyleIdx="2" presStyleCnt="8">
@@ -7507,6 +7551,13 @@
         </dgm:presLayoutVars>
       </dgm:prSet>
       <dgm:spPr/>
+      <dgm:t>
+        <a:bodyPr/>
+        <a:lstStyle/>
+        <a:p>
+          <a:endParaRPr lang="fr-FR"/>
+        </a:p>
+      </dgm:t>
     </dgm:pt>
     <dgm:pt modelId="{19BA2841-F1D6-4790-88D2-4C144E30232B}" type="pres">
       <dgm:prSet presAssocID="{DEF6D10E-7B31-4234-B9D9-8400D4D0BAD8}" presName="sp" presStyleCnt="0"/>
@@ -7524,6 +7575,13 @@
         </dgm:presLayoutVars>
       </dgm:prSet>
       <dgm:spPr/>
+      <dgm:t>
+        <a:bodyPr/>
+        <a:lstStyle/>
+        <a:p>
+          <a:endParaRPr lang="fr-FR"/>
+        </a:p>
+      </dgm:t>
     </dgm:pt>
     <dgm:pt modelId="{6BB0528B-EA12-4048-BC41-038054AD1460}" type="pres">
       <dgm:prSet presAssocID="{83585ACD-07B4-462B-916A-715A714725E2}" presName="descendantText" presStyleLbl="alignAcc1" presStyleIdx="3" presStyleCnt="8">
@@ -7532,6 +7590,13 @@
         </dgm:presLayoutVars>
       </dgm:prSet>
       <dgm:spPr/>
+      <dgm:t>
+        <a:bodyPr/>
+        <a:lstStyle/>
+        <a:p>
+          <a:endParaRPr lang="fr-FR"/>
+        </a:p>
+      </dgm:t>
     </dgm:pt>
     <dgm:pt modelId="{B6CB193D-EE0A-4938-9102-8B37F37ED9E5}" type="pres">
       <dgm:prSet presAssocID="{6EC771CC-4BB9-4712-8B14-1745DE76C2E3}" presName="sp" presStyleCnt="0"/>
@@ -7549,6 +7614,13 @@
         </dgm:presLayoutVars>
       </dgm:prSet>
       <dgm:spPr/>
+      <dgm:t>
+        <a:bodyPr/>
+        <a:lstStyle/>
+        <a:p>
+          <a:endParaRPr lang="fr-FR"/>
+        </a:p>
+      </dgm:t>
     </dgm:pt>
     <dgm:pt modelId="{36907F87-8D2E-4979-9AAE-2F674D150113}" type="pres">
       <dgm:prSet presAssocID="{B2DD79F4-6E48-4F04-A4C8-7B773A8DDB5C}" presName="descendantText" presStyleLbl="alignAcc1" presStyleIdx="4" presStyleCnt="8">
@@ -7557,6 +7629,13 @@
         </dgm:presLayoutVars>
       </dgm:prSet>
       <dgm:spPr/>
+      <dgm:t>
+        <a:bodyPr/>
+        <a:lstStyle/>
+        <a:p>
+          <a:endParaRPr lang="fr-FR"/>
+        </a:p>
+      </dgm:t>
     </dgm:pt>
     <dgm:pt modelId="{6063EB18-FEE1-4FA9-8731-2A60DB3B448E}" type="pres">
       <dgm:prSet presAssocID="{3E29CBB9-0910-4B64-A46B-A13AC9209571}" presName="sp" presStyleCnt="0"/>
@@ -7574,6 +7653,13 @@
         </dgm:presLayoutVars>
       </dgm:prSet>
       <dgm:spPr/>
+      <dgm:t>
+        <a:bodyPr/>
+        <a:lstStyle/>
+        <a:p>
+          <a:endParaRPr lang="fr-FR"/>
+        </a:p>
+      </dgm:t>
     </dgm:pt>
     <dgm:pt modelId="{7B1CBA74-BE69-4BA0-9841-E471C4418616}" type="pres">
       <dgm:prSet presAssocID="{74C85C0E-53AA-4D7E-BAD7-DE2CF865ED9B}" presName="descendantText" presStyleLbl="alignAcc1" presStyleIdx="5" presStyleCnt="8">
@@ -7582,6 +7668,13 @@
         </dgm:presLayoutVars>
       </dgm:prSet>
       <dgm:spPr/>
+      <dgm:t>
+        <a:bodyPr/>
+        <a:lstStyle/>
+        <a:p>
+          <a:endParaRPr lang="fr-FR"/>
+        </a:p>
+      </dgm:t>
     </dgm:pt>
     <dgm:pt modelId="{C33DFC28-BA21-4946-9E26-1F9B96915F9D}" type="pres">
       <dgm:prSet presAssocID="{94333C3D-DC22-46B4-926B-141F3CCCEB9B}" presName="sp" presStyleCnt="0"/>
@@ -7599,6 +7692,13 @@
         </dgm:presLayoutVars>
       </dgm:prSet>
       <dgm:spPr/>
+      <dgm:t>
+        <a:bodyPr/>
+        <a:lstStyle/>
+        <a:p>
+          <a:endParaRPr lang="fr-FR"/>
+        </a:p>
+      </dgm:t>
     </dgm:pt>
     <dgm:pt modelId="{C1280A5D-26D7-448E-A3E1-E17FE1FAFECE}" type="pres">
       <dgm:prSet presAssocID="{B687FB7D-7055-41E3-9B94-9D6FA3D269D8}" presName="descendantText" presStyleLbl="alignAcc1" presStyleIdx="6" presStyleCnt="8">
@@ -7607,6 +7707,13 @@
         </dgm:presLayoutVars>
       </dgm:prSet>
       <dgm:spPr/>
+      <dgm:t>
+        <a:bodyPr/>
+        <a:lstStyle/>
+        <a:p>
+          <a:endParaRPr lang="fr-FR"/>
+        </a:p>
+      </dgm:t>
     </dgm:pt>
     <dgm:pt modelId="{FABE24FC-56CC-402E-98E7-095C3D42498F}" type="pres">
       <dgm:prSet presAssocID="{2DF51CEA-382C-49D5-98F1-CF6D71460B3B}" presName="sp" presStyleCnt="0"/>
@@ -7624,6 +7731,13 @@
         </dgm:presLayoutVars>
       </dgm:prSet>
       <dgm:spPr/>
+      <dgm:t>
+        <a:bodyPr/>
+        <a:lstStyle/>
+        <a:p>
+          <a:endParaRPr lang="fr-FR"/>
+        </a:p>
+      </dgm:t>
     </dgm:pt>
     <dgm:pt modelId="{0B521773-2D00-4703-AF27-1A80B1EACE9F}" type="pres">
       <dgm:prSet presAssocID="{00ECBB96-E0F1-466F-BEA7-32085291A496}" presName="descendantText" presStyleLbl="alignAcc1" presStyleIdx="7" presStyleCnt="8">
@@ -7632,6 +7746,13 @@
         </dgm:presLayoutVars>
       </dgm:prSet>
       <dgm:spPr/>
+      <dgm:t>
+        <a:bodyPr/>
+        <a:lstStyle/>
+        <a:p>
+          <a:endParaRPr lang="fr-FR"/>
+        </a:p>
+      </dgm:t>
     </dgm:pt>
   </dgm:ptLst>
   <dgm:cxnLst>
@@ -8301,6 +8422,13 @@
         </dgm:presLayoutVars>
       </dgm:prSet>
       <dgm:spPr/>
+      <dgm:t>
+        <a:bodyPr/>
+        <a:lstStyle/>
+        <a:p>
+          <a:endParaRPr lang="fr-FR"/>
+        </a:p>
+      </dgm:t>
     </dgm:pt>
     <dgm:pt modelId="{02300EC7-89AD-4EC2-AAD3-61533B1545ED}" type="pres">
       <dgm:prSet presAssocID="{B62D00D8-24AC-4914-A54C-98A47A7E5F5F}" presName="composite" presStyleCnt="0"/>
@@ -8314,6 +8442,13 @@
         </dgm:presLayoutVars>
       </dgm:prSet>
       <dgm:spPr/>
+      <dgm:t>
+        <a:bodyPr/>
+        <a:lstStyle/>
+        <a:p>
+          <a:endParaRPr lang="fr-FR"/>
+        </a:p>
+      </dgm:t>
     </dgm:pt>
     <dgm:pt modelId="{15843F94-EBEB-47EA-86B1-0E28C41F8939}" type="pres">
       <dgm:prSet presAssocID="{B62D00D8-24AC-4914-A54C-98A47A7E5F5F}" presName="descendantText" presStyleLbl="alignAcc1" presStyleIdx="0" presStyleCnt="8" custLinFactX="100000" custLinFactNeighborX="121477" custLinFactNeighborY="-40403">
@@ -8322,6 +8457,13 @@
         </dgm:presLayoutVars>
       </dgm:prSet>
       <dgm:spPr/>
+      <dgm:t>
+        <a:bodyPr/>
+        <a:lstStyle/>
+        <a:p>
+          <a:endParaRPr lang="fr-FR"/>
+        </a:p>
+      </dgm:t>
     </dgm:pt>
     <dgm:pt modelId="{D8AF216C-842A-45DF-AA17-782E65429C9B}" type="pres">
       <dgm:prSet presAssocID="{AA00C1A5-7EE2-4708-B9BE-2B2DC0A76911}" presName="sp" presStyleCnt="0"/>
@@ -8339,6 +8481,13 @@
         </dgm:presLayoutVars>
       </dgm:prSet>
       <dgm:spPr/>
+      <dgm:t>
+        <a:bodyPr/>
+        <a:lstStyle/>
+        <a:p>
+          <a:endParaRPr lang="fr-FR"/>
+        </a:p>
+      </dgm:t>
     </dgm:pt>
     <dgm:pt modelId="{AD8E1CB4-76A5-4C73-93E7-AEEAD8CC5A28}" type="pres">
       <dgm:prSet presAssocID="{F3A04191-D404-487B-893D-D2DED7523AF0}" presName="descendantText" presStyleLbl="alignAcc1" presStyleIdx="1" presStyleCnt="8">
@@ -8347,6 +8496,13 @@
         </dgm:presLayoutVars>
       </dgm:prSet>
       <dgm:spPr/>
+      <dgm:t>
+        <a:bodyPr/>
+        <a:lstStyle/>
+        <a:p>
+          <a:endParaRPr lang="fr-FR"/>
+        </a:p>
+      </dgm:t>
     </dgm:pt>
     <dgm:pt modelId="{F8F229A8-968D-4F79-92B8-F3FBEA8013CF}" type="pres">
       <dgm:prSet presAssocID="{C9C29C4A-B08B-4B0F-BAE3-0329EFC627EA}" presName="sp" presStyleCnt="0"/>
@@ -8364,6 +8520,13 @@
         </dgm:presLayoutVars>
       </dgm:prSet>
       <dgm:spPr/>
+      <dgm:t>
+        <a:bodyPr/>
+        <a:lstStyle/>
+        <a:p>
+          <a:endParaRPr lang="fr-FR"/>
+        </a:p>
+      </dgm:t>
     </dgm:pt>
     <dgm:pt modelId="{6359ED9D-F310-46D6-9F22-9970B56BF87A}" type="pres">
       <dgm:prSet presAssocID="{67097B12-815B-47C3-A620-4965B9EB26E1}" presName="descendantText" presStyleLbl="alignAcc1" presStyleIdx="2" presStyleCnt="8">
@@ -8372,6 +8535,13 @@
         </dgm:presLayoutVars>
       </dgm:prSet>
       <dgm:spPr/>
+      <dgm:t>
+        <a:bodyPr/>
+        <a:lstStyle/>
+        <a:p>
+          <a:endParaRPr lang="fr-FR"/>
+        </a:p>
+      </dgm:t>
     </dgm:pt>
     <dgm:pt modelId="{19BA2841-F1D6-4790-88D2-4C144E30232B}" type="pres">
       <dgm:prSet presAssocID="{DEF6D10E-7B31-4234-B9D9-8400D4D0BAD8}" presName="sp" presStyleCnt="0"/>
@@ -8389,6 +8559,13 @@
         </dgm:presLayoutVars>
       </dgm:prSet>
       <dgm:spPr/>
+      <dgm:t>
+        <a:bodyPr/>
+        <a:lstStyle/>
+        <a:p>
+          <a:endParaRPr lang="fr-FR"/>
+        </a:p>
+      </dgm:t>
     </dgm:pt>
     <dgm:pt modelId="{6BB0528B-EA12-4048-BC41-038054AD1460}" type="pres">
       <dgm:prSet presAssocID="{83585ACD-07B4-462B-916A-715A714725E2}" presName="descendantText" presStyleLbl="alignAcc1" presStyleIdx="3" presStyleCnt="8">
@@ -8397,6 +8574,13 @@
         </dgm:presLayoutVars>
       </dgm:prSet>
       <dgm:spPr/>
+      <dgm:t>
+        <a:bodyPr/>
+        <a:lstStyle/>
+        <a:p>
+          <a:endParaRPr lang="fr-FR"/>
+        </a:p>
+      </dgm:t>
     </dgm:pt>
     <dgm:pt modelId="{B6CB193D-EE0A-4938-9102-8B37F37ED9E5}" type="pres">
       <dgm:prSet presAssocID="{6EC771CC-4BB9-4712-8B14-1745DE76C2E3}" presName="sp" presStyleCnt="0"/>
@@ -8414,6 +8598,13 @@
         </dgm:presLayoutVars>
       </dgm:prSet>
       <dgm:spPr/>
+      <dgm:t>
+        <a:bodyPr/>
+        <a:lstStyle/>
+        <a:p>
+          <a:endParaRPr lang="fr-FR"/>
+        </a:p>
+      </dgm:t>
     </dgm:pt>
     <dgm:pt modelId="{36907F87-8D2E-4979-9AAE-2F674D150113}" type="pres">
       <dgm:prSet presAssocID="{B2DD79F4-6E48-4F04-A4C8-7B773A8DDB5C}" presName="descendantText" presStyleLbl="alignAcc1" presStyleIdx="4" presStyleCnt="8">
@@ -8422,6 +8613,13 @@
         </dgm:presLayoutVars>
       </dgm:prSet>
       <dgm:spPr/>
+      <dgm:t>
+        <a:bodyPr/>
+        <a:lstStyle/>
+        <a:p>
+          <a:endParaRPr lang="fr-FR"/>
+        </a:p>
+      </dgm:t>
     </dgm:pt>
     <dgm:pt modelId="{6063EB18-FEE1-4FA9-8731-2A60DB3B448E}" type="pres">
       <dgm:prSet presAssocID="{3E29CBB9-0910-4B64-A46B-A13AC9209571}" presName="sp" presStyleCnt="0"/>
@@ -8439,6 +8637,13 @@
         </dgm:presLayoutVars>
       </dgm:prSet>
       <dgm:spPr/>
+      <dgm:t>
+        <a:bodyPr/>
+        <a:lstStyle/>
+        <a:p>
+          <a:endParaRPr lang="fr-FR"/>
+        </a:p>
+      </dgm:t>
     </dgm:pt>
     <dgm:pt modelId="{7B1CBA74-BE69-4BA0-9841-E471C4418616}" type="pres">
       <dgm:prSet presAssocID="{74C85C0E-53AA-4D7E-BAD7-DE2CF865ED9B}" presName="descendantText" presStyleLbl="alignAcc1" presStyleIdx="5" presStyleCnt="8">
@@ -8447,6 +8652,13 @@
         </dgm:presLayoutVars>
       </dgm:prSet>
       <dgm:spPr/>
+      <dgm:t>
+        <a:bodyPr/>
+        <a:lstStyle/>
+        <a:p>
+          <a:endParaRPr lang="fr-FR"/>
+        </a:p>
+      </dgm:t>
     </dgm:pt>
     <dgm:pt modelId="{C33DFC28-BA21-4946-9E26-1F9B96915F9D}" type="pres">
       <dgm:prSet presAssocID="{94333C3D-DC22-46B4-926B-141F3CCCEB9B}" presName="sp" presStyleCnt="0"/>
@@ -8464,6 +8676,13 @@
         </dgm:presLayoutVars>
       </dgm:prSet>
       <dgm:spPr/>
+      <dgm:t>
+        <a:bodyPr/>
+        <a:lstStyle/>
+        <a:p>
+          <a:endParaRPr lang="fr-FR"/>
+        </a:p>
+      </dgm:t>
     </dgm:pt>
     <dgm:pt modelId="{C1280A5D-26D7-448E-A3E1-E17FE1FAFECE}" type="pres">
       <dgm:prSet presAssocID="{B687FB7D-7055-41E3-9B94-9D6FA3D269D8}" presName="descendantText" presStyleLbl="alignAcc1" presStyleIdx="6" presStyleCnt="8">
@@ -8472,6 +8691,13 @@
         </dgm:presLayoutVars>
       </dgm:prSet>
       <dgm:spPr/>
+      <dgm:t>
+        <a:bodyPr/>
+        <a:lstStyle/>
+        <a:p>
+          <a:endParaRPr lang="fr-FR"/>
+        </a:p>
+      </dgm:t>
     </dgm:pt>
     <dgm:pt modelId="{FABE24FC-56CC-402E-98E7-095C3D42498F}" type="pres">
       <dgm:prSet presAssocID="{2DF51CEA-382C-49D5-98F1-CF6D71460B3B}" presName="sp" presStyleCnt="0"/>
@@ -8489,6 +8715,13 @@
         </dgm:presLayoutVars>
       </dgm:prSet>
       <dgm:spPr/>
+      <dgm:t>
+        <a:bodyPr/>
+        <a:lstStyle/>
+        <a:p>
+          <a:endParaRPr lang="fr-FR"/>
+        </a:p>
+      </dgm:t>
     </dgm:pt>
     <dgm:pt modelId="{0B521773-2D00-4703-AF27-1A80B1EACE9F}" type="pres">
       <dgm:prSet presAssocID="{00ECBB96-E0F1-466F-BEA7-32085291A496}" presName="descendantText" presStyleLbl="alignAcc1" presStyleIdx="7" presStyleCnt="8">
@@ -8497,6 +8730,13 @@
         </dgm:presLayoutVars>
       </dgm:prSet>
       <dgm:spPr/>
+      <dgm:t>
+        <a:bodyPr/>
+        <a:lstStyle/>
+        <a:p>
+          <a:endParaRPr lang="fr-FR"/>
+        </a:p>
+      </dgm:t>
     </dgm:pt>
   </dgm:ptLst>
   <dgm:cxnLst>
@@ -9166,6 +9406,13 @@
         </dgm:presLayoutVars>
       </dgm:prSet>
       <dgm:spPr/>
+      <dgm:t>
+        <a:bodyPr/>
+        <a:lstStyle/>
+        <a:p>
+          <a:endParaRPr lang="fr-FR"/>
+        </a:p>
+      </dgm:t>
     </dgm:pt>
     <dgm:pt modelId="{02300EC7-89AD-4EC2-AAD3-61533B1545ED}" type="pres">
       <dgm:prSet presAssocID="{B62D00D8-24AC-4914-A54C-98A47A7E5F5F}" presName="composite" presStyleCnt="0"/>
@@ -9179,6 +9426,13 @@
         </dgm:presLayoutVars>
       </dgm:prSet>
       <dgm:spPr/>
+      <dgm:t>
+        <a:bodyPr/>
+        <a:lstStyle/>
+        <a:p>
+          <a:endParaRPr lang="fr-FR"/>
+        </a:p>
+      </dgm:t>
     </dgm:pt>
     <dgm:pt modelId="{15843F94-EBEB-47EA-86B1-0E28C41F8939}" type="pres">
       <dgm:prSet presAssocID="{B62D00D8-24AC-4914-A54C-98A47A7E5F5F}" presName="descendantText" presStyleLbl="alignAcc1" presStyleIdx="0" presStyleCnt="8" custLinFactX="100000" custLinFactNeighborX="121477" custLinFactNeighborY="-40403">
@@ -9187,6 +9441,13 @@
         </dgm:presLayoutVars>
       </dgm:prSet>
       <dgm:spPr/>
+      <dgm:t>
+        <a:bodyPr/>
+        <a:lstStyle/>
+        <a:p>
+          <a:endParaRPr lang="fr-FR"/>
+        </a:p>
+      </dgm:t>
     </dgm:pt>
     <dgm:pt modelId="{D8AF216C-842A-45DF-AA17-782E65429C9B}" type="pres">
       <dgm:prSet presAssocID="{AA00C1A5-7EE2-4708-B9BE-2B2DC0A76911}" presName="sp" presStyleCnt="0"/>
@@ -9204,6 +9465,13 @@
         </dgm:presLayoutVars>
       </dgm:prSet>
       <dgm:spPr/>
+      <dgm:t>
+        <a:bodyPr/>
+        <a:lstStyle/>
+        <a:p>
+          <a:endParaRPr lang="fr-FR"/>
+        </a:p>
+      </dgm:t>
     </dgm:pt>
     <dgm:pt modelId="{AD8E1CB4-76A5-4C73-93E7-AEEAD8CC5A28}" type="pres">
       <dgm:prSet presAssocID="{F3A04191-D404-487B-893D-D2DED7523AF0}" presName="descendantText" presStyleLbl="alignAcc1" presStyleIdx="1" presStyleCnt="8">
@@ -9212,6 +9480,13 @@
         </dgm:presLayoutVars>
       </dgm:prSet>
       <dgm:spPr/>
+      <dgm:t>
+        <a:bodyPr/>
+        <a:lstStyle/>
+        <a:p>
+          <a:endParaRPr lang="fr-FR"/>
+        </a:p>
+      </dgm:t>
     </dgm:pt>
     <dgm:pt modelId="{F8F229A8-968D-4F79-92B8-F3FBEA8013CF}" type="pres">
       <dgm:prSet presAssocID="{C9C29C4A-B08B-4B0F-BAE3-0329EFC627EA}" presName="sp" presStyleCnt="0"/>
@@ -9229,6 +9504,13 @@
         </dgm:presLayoutVars>
       </dgm:prSet>
       <dgm:spPr/>
+      <dgm:t>
+        <a:bodyPr/>
+        <a:lstStyle/>
+        <a:p>
+          <a:endParaRPr lang="fr-FR"/>
+        </a:p>
+      </dgm:t>
     </dgm:pt>
     <dgm:pt modelId="{6359ED9D-F310-46D6-9F22-9970B56BF87A}" type="pres">
       <dgm:prSet presAssocID="{67097B12-815B-47C3-A620-4965B9EB26E1}" presName="descendantText" presStyleLbl="alignAcc1" presStyleIdx="2" presStyleCnt="8">
@@ -9237,6 +9519,13 @@
         </dgm:presLayoutVars>
       </dgm:prSet>
       <dgm:spPr/>
+      <dgm:t>
+        <a:bodyPr/>
+        <a:lstStyle/>
+        <a:p>
+          <a:endParaRPr lang="fr-FR"/>
+        </a:p>
+      </dgm:t>
     </dgm:pt>
     <dgm:pt modelId="{19BA2841-F1D6-4790-88D2-4C144E30232B}" type="pres">
       <dgm:prSet presAssocID="{DEF6D10E-7B31-4234-B9D9-8400D4D0BAD8}" presName="sp" presStyleCnt="0"/>
@@ -9254,6 +9543,13 @@
         </dgm:presLayoutVars>
       </dgm:prSet>
       <dgm:spPr/>
+      <dgm:t>
+        <a:bodyPr/>
+        <a:lstStyle/>
+        <a:p>
+          <a:endParaRPr lang="fr-FR"/>
+        </a:p>
+      </dgm:t>
     </dgm:pt>
     <dgm:pt modelId="{6BB0528B-EA12-4048-BC41-038054AD1460}" type="pres">
       <dgm:prSet presAssocID="{83585ACD-07B4-462B-916A-715A714725E2}" presName="descendantText" presStyleLbl="alignAcc1" presStyleIdx="3" presStyleCnt="8">
@@ -9262,6 +9558,13 @@
         </dgm:presLayoutVars>
       </dgm:prSet>
       <dgm:spPr/>
+      <dgm:t>
+        <a:bodyPr/>
+        <a:lstStyle/>
+        <a:p>
+          <a:endParaRPr lang="fr-FR"/>
+        </a:p>
+      </dgm:t>
     </dgm:pt>
     <dgm:pt modelId="{B6CB193D-EE0A-4938-9102-8B37F37ED9E5}" type="pres">
       <dgm:prSet presAssocID="{6EC771CC-4BB9-4712-8B14-1745DE76C2E3}" presName="sp" presStyleCnt="0"/>
@@ -9279,6 +9582,13 @@
         </dgm:presLayoutVars>
       </dgm:prSet>
       <dgm:spPr/>
+      <dgm:t>
+        <a:bodyPr/>
+        <a:lstStyle/>
+        <a:p>
+          <a:endParaRPr lang="fr-FR"/>
+        </a:p>
+      </dgm:t>
     </dgm:pt>
     <dgm:pt modelId="{36907F87-8D2E-4979-9AAE-2F674D150113}" type="pres">
       <dgm:prSet presAssocID="{B2DD79F4-6E48-4F04-A4C8-7B773A8DDB5C}" presName="descendantText" presStyleLbl="alignAcc1" presStyleIdx="4" presStyleCnt="8">
@@ -9287,6 +9597,13 @@
         </dgm:presLayoutVars>
       </dgm:prSet>
       <dgm:spPr/>
+      <dgm:t>
+        <a:bodyPr/>
+        <a:lstStyle/>
+        <a:p>
+          <a:endParaRPr lang="fr-FR"/>
+        </a:p>
+      </dgm:t>
     </dgm:pt>
     <dgm:pt modelId="{6063EB18-FEE1-4FA9-8731-2A60DB3B448E}" type="pres">
       <dgm:prSet presAssocID="{3E29CBB9-0910-4B64-A46B-A13AC9209571}" presName="sp" presStyleCnt="0"/>
@@ -9304,6 +9621,13 @@
         </dgm:presLayoutVars>
       </dgm:prSet>
       <dgm:spPr/>
+      <dgm:t>
+        <a:bodyPr/>
+        <a:lstStyle/>
+        <a:p>
+          <a:endParaRPr lang="fr-FR"/>
+        </a:p>
+      </dgm:t>
     </dgm:pt>
     <dgm:pt modelId="{7B1CBA74-BE69-4BA0-9841-E471C4418616}" type="pres">
       <dgm:prSet presAssocID="{74C85C0E-53AA-4D7E-BAD7-DE2CF865ED9B}" presName="descendantText" presStyleLbl="alignAcc1" presStyleIdx="5" presStyleCnt="8">
@@ -9312,6 +9636,13 @@
         </dgm:presLayoutVars>
       </dgm:prSet>
       <dgm:spPr/>
+      <dgm:t>
+        <a:bodyPr/>
+        <a:lstStyle/>
+        <a:p>
+          <a:endParaRPr lang="fr-FR"/>
+        </a:p>
+      </dgm:t>
     </dgm:pt>
     <dgm:pt modelId="{C33DFC28-BA21-4946-9E26-1F9B96915F9D}" type="pres">
       <dgm:prSet presAssocID="{94333C3D-DC22-46B4-926B-141F3CCCEB9B}" presName="sp" presStyleCnt="0"/>
@@ -9329,6 +9660,13 @@
         </dgm:presLayoutVars>
       </dgm:prSet>
       <dgm:spPr/>
+      <dgm:t>
+        <a:bodyPr/>
+        <a:lstStyle/>
+        <a:p>
+          <a:endParaRPr lang="fr-FR"/>
+        </a:p>
+      </dgm:t>
     </dgm:pt>
     <dgm:pt modelId="{C1280A5D-26D7-448E-A3E1-E17FE1FAFECE}" type="pres">
       <dgm:prSet presAssocID="{B687FB7D-7055-41E3-9B94-9D6FA3D269D8}" presName="descendantText" presStyleLbl="alignAcc1" presStyleIdx="6" presStyleCnt="8">
@@ -9337,6 +9675,13 @@
         </dgm:presLayoutVars>
       </dgm:prSet>
       <dgm:spPr/>
+      <dgm:t>
+        <a:bodyPr/>
+        <a:lstStyle/>
+        <a:p>
+          <a:endParaRPr lang="fr-FR"/>
+        </a:p>
+      </dgm:t>
     </dgm:pt>
     <dgm:pt modelId="{FABE24FC-56CC-402E-98E7-095C3D42498F}" type="pres">
       <dgm:prSet presAssocID="{2DF51CEA-382C-49D5-98F1-CF6D71460B3B}" presName="sp" presStyleCnt="0"/>
@@ -9354,6 +9699,13 @@
         </dgm:presLayoutVars>
       </dgm:prSet>
       <dgm:spPr/>
+      <dgm:t>
+        <a:bodyPr/>
+        <a:lstStyle/>
+        <a:p>
+          <a:endParaRPr lang="fr-FR"/>
+        </a:p>
+      </dgm:t>
     </dgm:pt>
     <dgm:pt modelId="{0B521773-2D00-4703-AF27-1A80B1EACE9F}" type="pres">
       <dgm:prSet presAssocID="{00ECBB96-E0F1-466F-BEA7-32085291A496}" presName="descendantText" presStyleLbl="alignAcc1" presStyleIdx="7" presStyleCnt="8">
@@ -9362,6 +9714,13 @@
         </dgm:presLayoutVars>
       </dgm:prSet>
       <dgm:spPr/>
+      <dgm:t>
+        <a:bodyPr/>
+        <a:lstStyle/>
+        <a:p>
+          <a:endParaRPr lang="fr-FR"/>
+        </a:p>
+      </dgm:t>
     </dgm:pt>
   </dgm:ptLst>
   <dgm:cxnLst>
@@ -10031,6 +10390,13 @@
         </dgm:presLayoutVars>
       </dgm:prSet>
       <dgm:spPr/>
+      <dgm:t>
+        <a:bodyPr/>
+        <a:lstStyle/>
+        <a:p>
+          <a:endParaRPr lang="fr-FR"/>
+        </a:p>
+      </dgm:t>
     </dgm:pt>
     <dgm:pt modelId="{02300EC7-89AD-4EC2-AAD3-61533B1545ED}" type="pres">
       <dgm:prSet presAssocID="{B62D00D8-24AC-4914-A54C-98A47A7E5F5F}" presName="composite" presStyleCnt="0"/>
@@ -10044,6 +10410,13 @@
         </dgm:presLayoutVars>
       </dgm:prSet>
       <dgm:spPr/>
+      <dgm:t>
+        <a:bodyPr/>
+        <a:lstStyle/>
+        <a:p>
+          <a:endParaRPr lang="fr-FR"/>
+        </a:p>
+      </dgm:t>
     </dgm:pt>
     <dgm:pt modelId="{15843F94-EBEB-47EA-86B1-0E28C41F8939}" type="pres">
       <dgm:prSet presAssocID="{B62D00D8-24AC-4914-A54C-98A47A7E5F5F}" presName="descendantText" presStyleLbl="alignAcc1" presStyleIdx="0" presStyleCnt="8" custLinFactX="100000" custLinFactNeighborX="121477" custLinFactNeighborY="-40403">
@@ -10052,6 +10425,13 @@
         </dgm:presLayoutVars>
       </dgm:prSet>
       <dgm:spPr/>
+      <dgm:t>
+        <a:bodyPr/>
+        <a:lstStyle/>
+        <a:p>
+          <a:endParaRPr lang="fr-FR"/>
+        </a:p>
+      </dgm:t>
     </dgm:pt>
     <dgm:pt modelId="{D8AF216C-842A-45DF-AA17-782E65429C9B}" type="pres">
       <dgm:prSet presAssocID="{AA00C1A5-7EE2-4708-B9BE-2B2DC0A76911}" presName="sp" presStyleCnt="0"/>
@@ -10069,6 +10449,13 @@
         </dgm:presLayoutVars>
       </dgm:prSet>
       <dgm:spPr/>
+      <dgm:t>
+        <a:bodyPr/>
+        <a:lstStyle/>
+        <a:p>
+          <a:endParaRPr lang="fr-FR"/>
+        </a:p>
+      </dgm:t>
     </dgm:pt>
     <dgm:pt modelId="{AD8E1CB4-76A5-4C73-93E7-AEEAD8CC5A28}" type="pres">
       <dgm:prSet presAssocID="{F3A04191-D404-487B-893D-D2DED7523AF0}" presName="descendantText" presStyleLbl="alignAcc1" presStyleIdx="1" presStyleCnt="8">
@@ -10077,6 +10464,13 @@
         </dgm:presLayoutVars>
       </dgm:prSet>
       <dgm:spPr/>
+      <dgm:t>
+        <a:bodyPr/>
+        <a:lstStyle/>
+        <a:p>
+          <a:endParaRPr lang="fr-FR"/>
+        </a:p>
+      </dgm:t>
     </dgm:pt>
     <dgm:pt modelId="{F8F229A8-968D-4F79-92B8-F3FBEA8013CF}" type="pres">
       <dgm:prSet presAssocID="{C9C29C4A-B08B-4B0F-BAE3-0329EFC627EA}" presName="sp" presStyleCnt="0"/>
@@ -10094,6 +10488,13 @@
         </dgm:presLayoutVars>
       </dgm:prSet>
       <dgm:spPr/>
+      <dgm:t>
+        <a:bodyPr/>
+        <a:lstStyle/>
+        <a:p>
+          <a:endParaRPr lang="fr-FR"/>
+        </a:p>
+      </dgm:t>
     </dgm:pt>
     <dgm:pt modelId="{6359ED9D-F310-46D6-9F22-9970B56BF87A}" type="pres">
       <dgm:prSet presAssocID="{67097B12-815B-47C3-A620-4965B9EB26E1}" presName="descendantText" presStyleLbl="alignAcc1" presStyleIdx="2" presStyleCnt="8">
@@ -10102,6 +10503,13 @@
         </dgm:presLayoutVars>
       </dgm:prSet>
       <dgm:spPr/>
+      <dgm:t>
+        <a:bodyPr/>
+        <a:lstStyle/>
+        <a:p>
+          <a:endParaRPr lang="fr-FR"/>
+        </a:p>
+      </dgm:t>
     </dgm:pt>
     <dgm:pt modelId="{19BA2841-F1D6-4790-88D2-4C144E30232B}" type="pres">
       <dgm:prSet presAssocID="{DEF6D10E-7B31-4234-B9D9-8400D4D0BAD8}" presName="sp" presStyleCnt="0"/>
@@ -10119,6 +10527,13 @@
         </dgm:presLayoutVars>
       </dgm:prSet>
       <dgm:spPr/>
+      <dgm:t>
+        <a:bodyPr/>
+        <a:lstStyle/>
+        <a:p>
+          <a:endParaRPr lang="fr-FR"/>
+        </a:p>
+      </dgm:t>
     </dgm:pt>
     <dgm:pt modelId="{6BB0528B-EA12-4048-BC41-038054AD1460}" type="pres">
       <dgm:prSet presAssocID="{83585ACD-07B4-462B-916A-715A714725E2}" presName="descendantText" presStyleLbl="alignAcc1" presStyleIdx="3" presStyleCnt="8">
@@ -10127,6 +10542,13 @@
         </dgm:presLayoutVars>
       </dgm:prSet>
       <dgm:spPr/>
+      <dgm:t>
+        <a:bodyPr/>
+        <a:lstStyle/>
+        <a:p>
+          <a:endParaRPr lang="fr-FR"/>
+        </a:p>
+      </dgm:t>
     </dgm:pt>
     <dgm:pt modelId="{B6CB193D-EE0A-4938-9102-8B37F37ED9E5}" type="pres">
       <dgm:prSet presAssocID="{6EC771CC-4BB9-4712-8B14-1745DE76C2E3}" presName="sp" presStyleCnt="0"/>
@@ -10144,6 +10566,13 @@
         </dgm:presLayoutVars>
       </dgm:prSet>
       <dgm:spPr/>
+      <dgm:t>
+        <a:bodyPr/>
+        <a:lstStyle/>
+        <a:p>
+          <a:endParaRPr lang="fr-FR"/>
+        </a:p>
+      </dgm:t>
     </dgm:pt>
     <dgm:pt modelId="{36907F87-8D2E-4979-9AAE-2F674D150113}" type="pres">
       <dgm:prSet presAssocID="{B2DD79F4-6E48-4F04-A4C8-7B773A8DDB5C}" presName="descendantText" presStyleLbl="alignAcc1" presStyleIdx="4" presStyleCnt="8">
@@ -10152,6 +10581,13 @@
         </dgm:presLayoutVars>
       </dgm:prSet>
       <dgm:spPr/>
+      <dgm:t>
+        <a:bodyPr/>
+        <a:lstStyle/>
+        <a:p>
+          <a:endParaRPr lang="fr-FR"/>
+        </a:p>
+      </dgm:t>
     </dgm:pt>
     <dgm:pt modelId="{6063EB18-FEE1-4FA9-8731-2A60DB3B448E}" type="pres">
       <dgm:prSet presAssocID="{3E29CBB9-0910-4B64-A46B-A13AC9209571}" presName="sp" presStyleCnt="0"/>
@@ -10169,6 +10605,13 @@
         </dgm:presLayoutVars>
       </dgm:prSet>
       <dgm:spPr/>
+      <dgm:t>
+        <a:bodyPr/>
+        <a:lstStyle/>
+        <a:p>
+          <a:endParaRPr lang="fr-FR"/>
+        </a:p>
+      </dgm:t>
     </dgm:pt>
     <dgm:pt modelId="{7B1CBA74-BE69-4BA0-9841-E471C4418616}" type="pres">
       <dgm:prSet presAssocID="{74C85C0E-53AA-4D7E-BAD7-DE2CF865ED9B}" presName="descendantText" presStyleLbl="alignAcc1" presStyleIdx="5" presStyleCnt="8">
@@ -10177,6 +10620,13 @@
         </dgm:presLayoutVars>
       </dgm:prSet>
       <dgm:spPr/>
+      <dgm:t>
+        <a:bodyPr/>
+        <a:lstStyle/>
+        <a:p>
+          <a:endParaRPr lang="fr-FR"/>
+        </a:p>
+      </dgm:t>
     </dgm:pt>
     <dgm:pt modelId="{C33DFC28-BA21-4946-9E26-1F9B96915F9D}" type="pres">
       <dgm:prSet presAssocID="{94333C3D-DC22-46B4-926B-141F3CCCEB9B}" presName="sp" presStyleCnt="0"/>
@@ -10194,6 +10644,13 @@
         </dgm:presLayoutVars>
       </dgm:prSet>
       <dgm:spPr/>
+      <dgm:t>
+        <a:bodyPr/>
+        <a:lstStyle/>
+        <a:p>
+          <a:endParaRPr lang="fr-FR"/>
+        </a:p>
+      </dgm:t>
     </dgm:pt>
     <dgm:pt modelId="{C1280A5D-26D7-448E-A3E1-E17FE1FAFECE}" type="pres">
       <dgm:prSet presAssocID="{B687FB7D-7055-41E3-9B94-9D6FA3D269D8}" presName="descendantText" presStyleLbl="alignAcc1" presStyleIdx="6" presStyleCnt="8">
@@ -10202,6 +10659,13 @@
         </dgm:presLayoutVars>
       </dgm:prSet>
       <dgm:spPr/>
+      <dgm:t>
+        <a:bodyPr/>
+        <a:lstStyle/>
+        <a:p>
+          <a:endParaRPr lang="fr-FR"/>
+        </a:p>
+      </dgm:t>
     </dgm:pt>
     <dgm:pt modelId="{FABE24FC-56CC-402E-98E7-095C3D42498F}" type="pres">
       <dgm:prSet presAssocID="{2DF51CEA-382C-49D5-98F1-CF6D71460B3B}" presName="sp" presStyleCnt="0"/>
@@ -10219,6 +10683,13 @@
         </dgm:presLayoutVars>
       </dgm:prSet>
       <dgm:spPr/>
+      <dgm:t>
+        <a:bodyPr/>
+        <a:lstStyle/>
+        <a:p>
+          <a:endParaRPr lang="fr-FR"/>
+        </a:p>
+      </dgm:t>
     </dgm:pt>
     <dgm:pt modelId="{0B521773-2D00-4703-AF27-1A80B1EACE9F}" type="pres">
       <dgm:prSet presAssocID="{00ECBB96-E0F1-466F-BEA7-32085291A496}" presName="descendantText" presStyleLbl="alignAcc1" presStyleIdx="7" presStyleCnt="8">
@@ -10227,42 +10698,49 @@
         </dgm:presLayoutVars>
       </dgm:prSet>
       <dgm:spPr/>
+      <dgm:t>
+        <a:bodyPr/>
+        <a:lstStyle/>
+        <a:p>
+          <a:endParaRPr lang="fr-FR"/>
+        </a:p>
+      </dgm:t>
     </dgm:pt>
   </dgm:ptLst>
   <dgm:cxnLst>
+    <dgm:cxn modelId="{5F9913A8-E367-4A2A-86C4-D603398BFAB8}" srcId="{B687FB7D-7055-41E3-9B94-9D6FA3D269D8}" destId="{3A3B51B3-D778-41B5-838C-3E9F16B2DD62}" srcOrd="0" destOrd="0" parTransId="{31B1742B-EE75-40B2-840C-47B833858E19}" sibTransId="{42A627C8-D82E-4B9B-B92F-3E9A68D794B4}"/>
+    <dgm:cxn modelId="{D70939B4-C727-4CFA-BFEB-8238C9263B26}" srcId="{00ECBB96-E0F1-466F-BEA7-32085291A496}" destId="{0500DEB6-480D-4C8C-8959-4D135DF663EE}" srcOrd="0" destOrd="0" parTransId="{B2C12148-034D-4E96-BE8A-3A67A9DCDA8C}" sibTransId="{1CB5FBEE-4900-4716-8093-87240DC72008}"/>
+    <dgm:cxn modelId="{E5C51F4C-E204-4990-9FF4-BF61809EA8C2}" type="presOf" srcId="{74C85C0E-53AA-4D7E-BAD7-DE2CF865ED9B}" destId="{96233442-0F54-46C5-8268-D02A7E6398CC}" srcOrd="0" destOrd="0" presId="urn:microsoft.com/office/officeart/2005/8/layout/chevron2"/>
+    <dgm:cxn modelId="{3984FE4B-F445-44DA-9A4C-AB2B93FA1BE7}" srcId="{42ABC835-B8F3-4922-B484-C5AFB244F747}" destId="{B687FB7D-7055-41E3-9B94-9D6FA3D269D8}" srcOrd="6" destOrd="0" parTransId="{A98D80F3-5DE7-4A50-B52A-D1B94CF4BFA0}" sibTransId="{2DF51CEA-382C-49D5-98F1-CF6D71460B3B}"/>
+    <dgm:cxn modelId="{66879AB5-8768-48C7-AF7E-788AFBA7F7DC}" type="presOf" srcId="{C961F381-0CAA-46C7-8931-4795AC8E62C7}" destId="{7B1CBA74-BE69-4BA0-9841-E471C4418616}" srcOrd="0" destOrd="0" presId="urn:microsoft.com/office/officeart/2005/8/layout/chevron2"/>
+    <dgm:cxn modelId="{059D2F69-997F-4057-A62A-0B9613845187}" srcId="{B62D00D8-24AC-4914-A54C-98A47A7E5F5F}" destId="{E07649E1-6E3A-4E8D-8C26-3698BB25C33B}" srcOrd="0" destOrd="0" parTransId="{E94CF1D3-AAFB-4363-B101-A2A8FE4CE8EE}" sibTransId="{0416036A-2467-477A-8263-77874901C21F}"/>
+    <dgm:cxn modelId="{25F30157-8C8B-421B-BE5B-B891D189B02D}" type="presOf" srcId="{D56433E8-F220-46D7-8D7B-B1249030D936}" destId="{AD8E1CB4-76A5-4C73-93E7-AEEAD8CC5A28}" srcOrd="0" destOrd="0" presId="urn:microsoft.com/office/officeart/2005/8/layout/chevron2"/>
+    <dgm:cxn modelId="{10BE46EE-9DD1-48A1-B831-CED4863E9EA7}" type="presOf" srcId="{83585ACD-07B4-462B-916A-715A714725E2}" destId="{97AC5984-C2D5-4BEA-BC8D-F261E14D193D}" srcOrd="0" destOrd="0" presId="urn:microsoft.com/office/officeart/2005/8/layout/chevron2"/>
+    <dgm:cxn modelId="{8AB7A451-FBA3-4B7D-AB3C-A75C4F8F76BD}" type="presOf" srcId="{0500DEB6-480D-4C8C-8959-4D135DF663EE}" destId="{0B521773-2D00-4703-AF27-1A80B1EACE9F}" srcOrd="0" destOrd="0" presId="urn:microsoft.com/office/officeart/2005/8/layout/chevron2"/>
+    <dgm:cxn modelId="{B55E2C5F-0F81-4DBE-9E3F-F0AA39875C01}" srcId="{42ABC835-B8F3-4922-B484-C5AFB244F747}" destId="{67097B12-815B-47C3-A620-4965B9EB26E1}" srcOrd="2" destOrd="0" parTransId="{51686D3F-8397-46DF-9602-B40C2E042D5B}" sibTransId="{DEF6D10E-7B31-4234-B9D9-8400D4D0BAD8}"/>
+    <dgm:cxn modelId="{5C6B065E-9853-40F1-94D9-B3DC275AF53A}" type="presOf" srcId="{B2DD79F4-6E48-4F04-A4C8-7B773A8DDB5C}" destId="{8C191B2E-3433-4B23-9E5A-8FFB9C776806}" srcOrd="0" destOrd="0" presId="urn:microsoft.com/office/officeart/2005/8/layout/chevron2"/>
+    <dgm:cxn modelId="{7B7FD212-E281-446E-BA0A-647773349D56}" srcId="{B2DD79F4-6E48-4F04-A4C8-7B773A8DDB5C}" destId="{F6CCA398-633A-454C-BFB1-29299E544304}" srcOrd="0" destOrd="0" parTransId="{7A766477-E802-4C63-A032-EE6292E1941F}" sibTransId="{C98E1D5C-DD2C-4BB1-A892-886249CA9856}"/>
+    <dgm:cxn modelId="{404CB80C-91F5-4D62-911B-1BA2D1CBD5EC}" type="presOf" srcId="{F3A04191-D404-487B-893D-D2DED7523AF0}" destId="{5C1B990F-84F2-4015-9570-5E38E07B19D8}" srcOrd="0" destOrd="0" presId="urn:microsoft.com/office/officeart/2005/8/layout/chevron2"/>
+    <dgm:cxn modelId="{926910CE-ACE4-4976-9BCD-BD6D9DD26B44}" srcId="{42ABC835-B8F3-4922-B484-C5AFB244F747}" destId="{00ECBB96-E0F1-466F-BEA7-32085291A496}" srcOrd="7" destOrd="0" parTransId="{5F8CE61B-E25C-4D71-B72C-2436B2FCD656}" sibTransId="{1273CDB8-8427-4189-8F6F-0C76F4179D76}"/>
+    <dgm:cxn modelId="{FA8031F2-7CBE-4BA4-AA57-10A071B92AAA}" type="presOf" srcId="{3A3B51B3-D778-41B5-838C-3E9F16B2DD62}" destId="{C1280A5D-26D7-448E-A3E1-E17FE1FAFECE}" srcOrd="0" destOrd="0" presId="urn:microsoft.com/office/officeart/2005/8/layout/chevron2"/>
+    <dgm:cxn modelId="{3E30991A-9741-4C76-B550-1E10522181FB}" type="presOf" srcId="{F6CCA398-633A-454C-BFB1-29299E544304}" destId="{36907F87-8D2E-4979-9AAE-2F674D150113}" srcOrd="0" destOrd="0" presId="urn:microsoft.com/office/officeart/2005/8/layout/chevron2"/>
+    <dgm:cxn modelId="{D6D47A69-99CB-4AAF-8DF1-FB1F0B98A52D}" srcId="{42ABC835-B8F3-4922-B484-C5AFB244F747}" destId="{74C85C0E-53AA-4D7E-BAD7-DE2CF865ED9B}" srcOrd="5" destOrd="0" parTransId="{FE86767F-5513-4790-949C-DD598A702A28}" sibTransId="{94333C3D-DC22-46B4-926B-141F3CCCEB9B}"/>
+    <dgm:cxn modelId="{562F0DE1-372B-44D1-9413-662C10FE507E}" srcId="{67097B12-815B-47C3-A620-4965B9EB26E1}" destId="{6EE599C1-E3EA-47FC-9C08-D93549B1017B}" srcOrd="0" destOrd="0" parTransId="{E5A6C7D4-84CB-4E07-8C61-46659597E302}" sibTransId="{25A7F475-5527-4E4C-82B9-2615B1AE3D2D}"/>
+    <dgm:cxn modelId="{98AD4CD1-8EC3-420B-8C2B-1E9E91ED53E1}" srcId="{42ABC835-B8F3-4922-B484-C5AFB244F747}" destId="{F3A04191-D404-487B-893D-D2DED7523AF0}" srcOrd="1" destOrd="0" parTransId="{B62A4C2C-3807-4281-84A1-4EEF97CBD55E}" sibTransId="{C9C29C4A-B08B-4B0F-BAE3-0329EFC627EA}"/>
+    <dgm:cxn modelId="{11BA5F3C-44AD-48EB-ADB7-226D4CF1550D}" type="presOf" srcId="{00ECBB96-E0F1-466F-BEA7-32085291A496}" destId="{5A5D9116-BA9D-443C-9123-D69478EA6B17}" srcOrd="0" destOrd="0" presId="urn:microsoft.com/office/officeart/2005/8/layout/chevron2"/>
+    <dgm:cxn modelId="{1C859F79-15AC-412A-B174-337216E12D5C}" srcId="{42ABC835-B8F3-4922-B484-C5AFB244F747}" destId="{83585ACD-07B4-462B-916A-715A714725E2}" srcOrd="3" destOrd="0" parTransId="{CEBEA70F-6D1C-49E3-B13D-93A32C1FD59B}" sibTransId="{6EC771CC-4BB9-4712-8B14-1745DE76C2E3}"/>
+    <dgm:cxn modelId="{07360CFB-55F3-4A3C-AF3C-33D3BB2E0197}" type="presOf" srcId="{4FF156BB-A109-479D-9550-FFFC93A18E14}" destId="{6BB0528B-EA12-4048-BC41-038054AD1460}" srcOrd="0" destOrd="0" presId="urn:microsoft.com/office/officeart/2005/8/layout/chevron2"/>
+    <dgm:cxn modelId="{6D58C5BF-64EB-4EC2-8375-3809CC66DB2F}" type="presOf" srcId="{B687FB7D-7055-41E3-9B94-9D6FA3D269D8}" destId="{92D76D7B-6323-4898-97B0-E8B408DF9DE6}" srcOrd="0" destOrd="0" presId="urn:microsoft.com/office/officeart/2005/8/layout/chevron2"/>
+    <dgm:cxn modelId="{FA580932-ADD8-4219-B366-E14CC772F503}" type="presOf" srcId="{B62D00D8-24AC-4914-A54C-98A47A7E5F5F}" destId="{56EAADC9-6A6B-4453-970B-F4950629D2F7}" srcOrd="0" destOrd="0" presId="urn:microsoft.com/office/officeart/2005/8/layout/chevron2"/>
+    <dgm:cxn modelId="{9EBA083B-8331-43A1-B535-9EA174AF61E6}" type="presOf" srcId="{42ABC835-B8F3-4922-B484-C5AFB244F747}" destId="{BBC6D8DE-68F7-4527-A181-F42312F8004D}" srcOrd="0" destOrd="0" presId="urn:microsoft.com/office/officeart/2005/8/layout/chevron2"/>
+    <dgm:cxn modelId="{C434F9E5-3EC8-490F-93D8-B39E06491D44}" type="presOf" srcId="{6EE599C1-E3EA-47FC-9C08-D93549B1017B}" destId="{6359ED9D-F310-46D6-9F22-9970B56BF87A}" srcOrd="0" destOrd="0" presId="urn:microsoft.com/office/officeart/2005/8/layout/chevron2"/>
+    <dgm:cxn modelId="{3906A3FC-9025-4BEF-B543-83960D02A8DC}" srcId="{42ABC835-B8F3-4922-B484-C5AFB244F747}" destId="{B2DD79F4-6E48-4F04-A4C8-7B773A8DDB5C}" srcOrd="4" destOrd="0" parTransId="{7A05325E-193A-4321-9D5A-0A5BD73C81F5}" sibTransId="{3E29CBB9-0910-4B64-A46B-A13AC9209571}"/>
+    <dgm:cxn modelId="{3ABA3EB1-448B-452E-A350-F59B9E11B5C2}" type="presOf" srcId="{67097B12-815B-47C3-A620-4965B9EB26E1}" destId="{2DE72F47-5DA2-4C49-8A1C-5AC5DD2146E5}" srcOrd="0" destOrd="0" presId="urn:microsoft.com/office/officeart/2005/8/layout/chevron2"/>
+    <dgm:cxn modelId="{48E73FE2-BCFA-4960-B25B-F156C183F79D}" srcId="{74C85C0E-53AA-4D7E-BAD7-DE2CF865ED9B}" destId="{C961F381-0CAA-46C7-8931-4795AC8E62C7}" srcOrd="0" destOrd="0" parTransId="{01A5C36B-5CFF-418A-B747-68422394CF70}" sibTransId="{66A49589-DDD7-4DAD-A13A-2CFBCDC4E416}"/>
+    <dgm:cxn modelId="{1AD91F21-9DDD-4619-BBE8-91DC07D5BDBC}" srcId="{83585ACD-07B4-462B-916A-715A714725E2}" destId="{4FF156BB-A109-479D-9550-FFFC93A18E14}" srcOrd="0" destOrd="0" parTransId="{C3A7579C-1371-4586-AF4C-3A1B9F11BB3B}" sibTransId="{80107276-72FD-4C5A-8DDF-C20E2626D9D4}"/>
+    <dgm:cxn modelId="{E35C6614-111B-40E5-88CF-D6C1C05DBE8C}" srcId="{42ABC835-B8F3-4922-B484-C5AFB244F747}" destId="{B62D00D8-24AC-4914-A54C-98A47A7E5F5F}" srcOrd="0" destOrd="0" parTransId="{429C750E-01A3-4D86-ACC2-46FDA11A3E6A}" sibTransId="{AA00C1A5-7EE2-4708-B9BE-2B2DC0A76911}"/>
     <dgm:cxn modelId="{B80A0B12-692B-46D7-9813-775ACD834540}" type="presOf" srcId="{E07649E1-6E3A-4E8D-8C26-3698BB25C33B}" destId="{15843F94-EBEB-47EA-86B1-0E28C41F8939}" srcOrd="0" destOrd="0" presId="urn:microsoft.com/office/officeart/2005/8/layout/chevron2"/>
-    <dgm:cxn modelId="{9EBA083B-8331-43A1-B535-9EA174AF61E6}" type="presOf" srcId="{42ABC835-B8F3-4922-B484-C5AFB244F747}" destId="{BBC6D8DE-68F7-4527-A181-F42312F8004D}" srcOrd="0" destOrd="0" presId="urn:microsoft.com/office/officeart/2005/8/layout/chevron2"/>
-    <dgm:cxn modelId="{5C6B065E-9853-40F1-94D9-B3DC275AF53A}" type="presOf" srcId="{B2DD79F4-6E48-4F04-A4C8-7B773A8DDB5C}" destId="{8C191B2E-3433-4B23-9E5A-8FFB9C776806}" srcOrd="0" destOrd="0" presId="urn:microsoft.com/office/officeart/2005/8/layout/chevron2"/>
-    <dgm:cxn modelId="{3E30991A-9741-4C76-B550-1E10522181FB}" type="presOf" srcId="{F6CCA398-633A-454C-BFB1-29299E544304}" destId="{36907F87-8D2E-4979-9AAE-2F674D150113}" srcOrd="0" destOrd="0" presId="urn:microsoft.com/office/officeart/2005/8/layout/chevron2"/>
     <dgm:cxn modelId="{47EABDDE-E7E2-48D7-BE01-09EDCBC79C5C}" srcId="{F3A04191-D404-487B-893D-D2DED7523AF0}" destId="{D56433E8-F220-46D7-8D7B-B1249030D936}" srcOrd="0" destOrd="0" parTransId="{363D6B2E-65A4-4D3A-A510-DA75F87F4677}" sibTransId="{1576B297-19EC-43BE-A869-17B82B750691}"/>
-    <dgm:cxn modelId="{07360CFB-55F3-4A3C-AF3C-33D3BB2E0197}" type="presOf" srcId="{4FF156BB-A109-479D-9550-FFFC93A18E14}" destId="{6BB0528B-EA12-4048-BC41-038054AD1460}" srcOrd="0" destOrd="0" presId="urn:microsoft.com/office/officeart/2005/8/layout/chevron2"/>
-    <dgm:cxn modelId="{11BA5F3C-44AD-48EB-ADB7-226D4CF1550D}" type="presOf" srcId="{00ECBB96-E0F1-466F-BEA7-32085291A496}" destId="{5A5D9116-BA9D-443C-9123-D69478EA6B17}" srcOrd="0" destOrd="0" presId="urn:microsoft.com/office/officeart/2005/8/layout/chevron2"/>
-    <dgm:cxn modelId="{3ABA3EB1-448B-452E-A350-F59B9E11B5C2}" type="presOf" srcId="{67097B12-815B-47C3-A620-4965B9EB26E1}" destId="{2DE72F47-5DA2-4C49-8A1C-5AC5DD2146E5}" srcOrd="0" destOrd="0" presId="urn:microsoft.com/office/officeart/2005/8/layout/chevron2"/>
-    <dgm:cxn modelId="{926910CE-ACE4-4976-9BCD-BD6D9DD26B44}" srcId="{42ABC835-B8F3-4922-B484-C5AFB244F747}" destId="{00ECBB96-E0F1-466F-BEA7-32085291A496}" srcOrd="7" destOrd="0" parTransId="{5F8CE61B-E25C-4D71-B72C-2436B2FCD656}" sibTransId="{1273CDB8-8427-4189-8F6F-0C76F4179D76}"/>
-    <dgm:cxn modelId="{B55E2C5F-0F81-4DBE-9E3F-F0AA39875C01}" srcId="{42ABC835-B8F3-4922-B484-C5AFB244F747}" destId="{67097B12-815B-47C3-A620-4965B9EB26E1}" srcOrd="2" destOrd="0" parTransId="{51686D3F-8397-46DF-9602-B40C2E042D5B}" sibTransId="{DEF6D10E-7B31-4234-B9D9-8400D4D0BAD8}"/>
-    <dgm:cxn modelId="{E35C6614-111B-40E5-88CF-D6C1C05DBE8C}" srcId="{42ABC835-B8F3-4922-B484-C5AFB244F747}" destId="{B62D00D8-24AC-4914-A54C-98A47A7E5F5F}" srcOrd="0" destOrd="0" parTransId="{429C750E-01A3-4D86-ACC2-46FDA11A3E6A}" sibTransId="{AA00C1A5-7EE2-4708-B9BE-2B2DC0A76911}"/>
-    <dgm:cxn modelId="{98AD4CD1-8EC3-420B-8C2B-1E9E91ED53E1}" srcId="{42ABC835-B8F3-4922-B484-C5AFB244F747}" destId="{F3A04191-D404-487B-893D-D2DED7523AF0}" srcOrd="1" destOrd="0" parTransId="{B62A4C2C-3807-4281-84A1-4EEF97CBD55E}" sibTransId="{C9C29C4A-B08B-4B0F-BAE3-0329EFC627EA}"/>
-    <dgm:cxn modelId="{562F0DE1-372B-44D1-9413-662C10FE507E}" srcId="{67097B12-815B-47C3-A620-4965B9EB26E1}" destId="{6EE599C1-E3EA-47FC-9C08-D93549B1017B}" srcOrd="0" destOrd="0" parTransId="{E5A6C7D4-84CB-4E07-8C61-46659597E302}" sibTransId="{25A7F475-5527-4E4C-82B9-2615B1AE3D2D}"/>
-    <dgm:cxn modelId="{5F9913A8-E367-4A2A-86C4-D603398BFAB8}" srcId="{B687FB7D-7055-41E3-9B94-9D6FA3D269D8}" destId="{3A3B51B3-D778-41B5-838C-3E9F16B2DD62}" srcOrd="0" destOrd="0" parTransId="{31B1742B-EE75-40B2-840C-47B833858E19}" sibTransId="{42A627C8-D82E-4B9B-B92F-3E9A68D794B4}"/>
-    <dgm:cxn modelId="{FA8031F2-7CBE-4BA4-AA57-10A071B92AAA}" type="presOf" srcId="{3A3B51B3-D778-41B5-838C-3E9F16B2DD62}" destId="{C1280A5D-26D7-448E-A3E1-E17FE1FAFECE}" srcOrd="0" destOrd="0" presId="urn:microsoft.com/office/officeart/2005/8/layout/chevron2"/>
-    <dgm:cxn modelId="{25F30157-8C8B-421B-BE5B-B891D189B02D}" type="presOf" srcId="{D56433E8-F220-46D7-8D7B-B1249030D936}" destId="{AD8E1CB4-76A5-4C73-93E7-AEEAD8CC5A28}" srcOrd="0" destOrd="0" presId="urn:microsoft.com/office/officeart/2005/8/layout/chevron2"/>
-    <dgm:cxn modelId="{FA580932-ADD8-4219-B366-E14CC772F503}" type="presOf" srcId="{B62D00D8-24AC-4914-A54C-98A47A7E5F5F}" destId="{56EAADC9-6A6B-4453-970B-F4950629D2F7}" srcOrd="0" destOrd="0" presId="urn:microsoft.com/office/officeart/2005/8/layout/chevron2"/>
-    <dgm:cxn modelId="{404CB80C-91F5-4D62-911B-1BA2D1CBD5EC}" type="presOf" srcId="{F3A04191-D404-487B-893D-D2DED7523AF0}" destId="{5C1B990F-84F2-4015-9570-5E38E07B19D8}" srcOrd="0" destOrd="0" presId="urn:microsoft.com/office/officeart/2005/8/layout/chevron2"/>
-    <dgm:cxn modelId="{10BE46EE-9DD1-48A1-B831-CED4863E9EA7}" type="presOf" srcId="{83585ACD-07B4-462B-916A-715A714725E2}" destId="{97AC5984-C2D5-4BEA-BC8D-F261E14D193D}" srcOrd="0" destOrd="0" presId="urn:microsoft.com/office/officeart/2005/8/layout/chevron2"/>
-    <dgm:cxn modelId="{1AD91F21-9DDD-4619-BBE8-91DC07D5BDBC}" srcId="{83585ACD-07B4-462B-916A-715A714725E2}" destId="{4FF156BB-A109-479D-9550-FFFC93A18E14}" srcOrd="0" destOrd="0" parTransId="{C3A7579C-1371-4586-AF4C-3A1B9F11BB3B}" sibTransId="{80107276-72FD-4C5A-8DDF-C20E2626D9D4}"/>
-    <dgm:cxn modelId="{3906A3FC-9025-4BEF-B543-83960D02A8DC}" srcId="{42ABC835-B8F3-4922-B484-C5AFB244F747}" destId="{B2DD79F4-6E48-4F04-A4C8-7B773A8DDB5C}" srcOrd="4" destOrd="0" parTransId="{7A05325E-193A-4321-9D5A-0A5BD73C81F5}" sibTransId="{3E29CBB9-0910-4B64-A46B-A13AC9209571}"/>
-    <dgm:cxn modelId="{66879AB5-8768-48C7-AF7E-788AFBA7F7DC}" type="presOf" srcId="{C961F381-0CAA-46C7-8931-4795AC8E62C7}" destId="{7B1CBA74-BE69-4BA0-9841-E471C4418616}" srcOrd="0" destOrd="0" presId="urn:microsoft.com/office/officeart/2005/8/layout/chevron2"/>
-    <dgm:cxn modelId="{1C859F79-15AC-412A-B174-337216E12D5C}" srcId="{42ABC835-B8F3-4922-B484-C5AFB244F747}" destId="{83585ACD-07B4-462B-916A-715A714725E2}" srcOrd="3" destOrd="0" parTransId="{CEBEA70F-6D1C-49E3-B13D-93A32C1FD59B}" sibTransId="{6EC771CC-4BB9-4712-8B14-1745DE76C2E3}"/>
-    <dgm:cxn modelId="{6D58C5BF-64EB-4EC2-8375-3809CC66DB2F}" type="presOf" srcId="{B687FB7D-7055-41E3-9B94-9D6FA3D269D8}" destId="{92D76D7B-6323-4898-97B0-E8B408DF9DE6}" srcOrd="0" destOrd="0" presId="urn:microsoft.com/office/officeart/2005/8/layout/chevron2"/>
-    <dgm:cxn modelId="{48E73FE2-BCFA-4960-B25B-F156C183F79D}" srcId="{74C85C0E-53AA-4D7E-BAD7-DE2CF865ED9B}" destId="{C961F381-0CAA-46C7-8931-4795AC8E62C7}" srcOrd="0" destOrd="0" parTransId="{01A5C36B-5CFF-418A-B747-68422394CF70}" sibTransId="{66A49589-DDD7-4DAD-A13A-2CFBCDC4E416}"/>
-    <dgm:cxn modelId="{C434F9E5-3EC8-490F-93D8-B39E06491D44}" type="presOf" srcId="{6EE599C1-E3EA-47FC-9C08-D93549B1017B}" destId="{6359ED9D-F310-46D6-9F22-9970B56BF87A}" srcOrd="0" destOrd="0" presId="urn:microsoft.com/office/officeart/2005/8/layout/chevron2"/>
-    <dgm:cxn modelId="{E5C51F4C-E204-4990-9FF4-BF61809EA8C2}" type="presOf" srcId="{74C85C0E-53AA-4D7E-BAD7-DE2CF865ED9B}" destId="{96233442-0F54-46C5-8268-D02A7E6398CC}" srcOrd="0" destOrd="0" presId="urn:microsoft.com/office/officeart/2005/8/layout/chevron2"/>
-    <dgm:cxn modelId="{059D2F69-997F-4057-A62A-0B9613845187}" srcId="{B62D00D8-24AC-4914-A54C-98A47A7E5F5F}" destId="{E07649E1-6E3A-4E8D-8C26-3698BB25C33B}" srcOrd="0" destOrd="0" parTransId="{E94CF1D3-AAFB-4363-B101-A2A8FE4CE8EE}" sibTransId="{0416036A-2467-477A-8263-77874901C21F}"/>
-    <dgm:cxn modelId="{8AB7A451-FBA3-4B7D-AB3C-A75C4F8F76BD}" type="presOf" srcId="{0500DEB6-480D-4C8C-8959-4D135DF663EE}" destId="{0B521773-2D00-4703-AF27-1A80B1EACE9F}" srcOrd="0" destOrd="0" presId="urn:microsoft.com/office/officeart/2005/8/layout/chevron2"/>
-    <dgm:cxn modelId="{D70939B4-C727-4CFA-BFEB-8238C9263B26}" srcId="{00ECBB96-E0F1-466F-BEA7-32085291A496}" destId="{0500DEB6-480D-4C8C-8959-4D135DF663EE}" srcOrd="0" destOrd="0" parTransId="{B2C12148-034D-4E96-BE8A-3A67A9DCDA8C}" sibTransId="{1CB5FBEE-4900-4716-8093-87240DC72008}"/>
-    <dgm:cxn modelId="{D6D47A69-99CB-4AAF-8DF1-FB1F0B98A52D}" srcId="{42ABC835-B8F3-4922-B484-C5AFB244F747}" destId="{74C85C0E-53AA-4D7E-BAD7-DE2CF865ED9B}" srcOrd="5" destOrd="0" parTransId="{FE86767F-5513-4790-949C-DD598A702A28}" sibTransId="{94333C3D-DC22-46B4-926B-141F3CCCEB9B}"/>
-    <dgm:cxn modelId="{7B7FD212-E281-446E-BA0A-647773349D56}" srcId="{B2DD79F4-6E48-4F04-A4C8-7B773A8DDB5C}" destId="{F6CCA398-633A-454C-BFB1-29299E544304}" srcOrd="0" destOrd="0" parTransId="{7A766477-E802-4C63-A032-EE6292E1941F}" sibTransId="{C98E1D5C-DD2C-4BB1-A892-886249CA9856}"/>
-    <dgm:cxn modelId="{3984FE4B-F445-44DA-9A4C-AB2B93FA1BE7}" srcId="{42ABC835-B8F3-4922-B484-C5AFB244F747}" destId="{B687FB7D-7055-41E3-9B94-9D6FA3D269D8}" srcOrd="6" destOrd="0" parTransId="{A98D80F3-5DE7-4A50-B52A-D1B94CF4BFA0}" sibTransId="{2DF51CEA-382C-49D5-98F1-CF6D71460B3B}"/>
     <dgm:cxn modelId="{05F3B658-B309-4F20-BA39-CA6B5F1E1963}" type="presParOf" srcId="{BBC6D8DE-68F7-4527-A181-F42312F8004D}" destId="{02300EC7-89AD-4EC2-AAD3-61533B1545ED}" srcOrd="0" destOrd="0" presId="urn:microsoft.com/office/officeart/2005/8/layout/chevron2"/>
     <dgm:cxn modelId="{8145023A-153A-43AC-864B-4B019B87BADE}" type="presParOf" srcId="{02300EC7-89AD-4EC2-AAD3-61533B1545ED}" destId="{56EAADC9-6A6B-4453-970B-F4950629D2F7}" srcOrd="0" destOrd="0" presId="urn:microsoft.com/office/officeart/2005/8/layout/chevron2"/>
     <dgm:cxn modelId="{5A3F70CA-C20A-4B76-9844-F49E0FC5DDD6}" type="presParOf" srcId="{02300EC7-89AD-4EC2-AAD3-61533B1545ED}" destId="{15843F94-EBEB-47EA-86B1-0E28C41F8939}" srcOrd="1" destOrd="0" presId="urn:microsoft.com/office/officeart/2005/8/layout/chevron2"/>
@@ -10896,6 +11374,13 @@
         </dgm:presLayoutVars>
       </dgm:prSet>
       <dgm:spPr/>
+      <dgm:t>
+        <a:bodyPr/>
+        <a:lstStyle/>
+        <a:p>
+          <a:endParaRPr lang="fr-FR"/>
+        </a:p>
+      </dgm:t>
     </dgm:pt>
     <dgm:pt modelId="{02300EC7-89AD-4EC2-AAD3-61533B1545ED}" type="pres">
       <dgm:prSet presAssocID="{B62D00D8-24AC-4914-A54C-98A47A7E5F5F}" presName="composite" presStyleCnt="0"/>
@@ -10909,6 +11394,13 @@
         </dgm:presLayoutVars>
       </dgm:prSet>
       <dgm:spPr/>
+      <dgm:t>
+        <a:bodyPr/>
+        <a:lstStyle/>
+        <a:p>
+          <a:endParaRPr lang="fr-FR"/>
+        </a:p>
+      </dgm:t>
     </dgm:pt>
     <dgm:pt modelId="{15843F94-EBEB-47EA-86B1-0E28C41F8939}" type="pres">
       <dgm:prSet presAssocID="{B62D00D8-24AC-4914-A54C-98A47A7E5F5F}" presName="descendantText" presStyleLbl="alignAcc1" presStyleIdx="0" presStyleCnt="8" custLinFactX="100000" custLinFactNeighborX="121477" custLinFactNeighborY="-40403">
@@ -10917,6 +11409,13 @@
         </dgm:presLayoutVars>
       </dgm:prSet>
       <dgm:spPr/>
+      <dgm:t>
+        <a:bodyPr/>
+        <a:lstStyle/>
+        <a:p>
+          <a:endParaRPr lang="fr-FR"/>
+        </a:p>
+      </dgm:t>
     </dgm:pt>
     <dgm:pt modelId="{D8AF216C-842A-45DF-AA17-782E65429C9B}" type="pres">
       <dgm:prSet presAssocID="{AA00C1A5-7EE2-4708-B9BE-2B2DC0A76911}" presName="sp" presStyleCnt="0"/>
@@ -10934,6 +11433,13 @@
         </dgm:presLayoutVars>
       </dgm:prSet>
       <dgm:spPr/>
+      <dgm:t>
+        <a:bodyPr/>
+        <a:lstStyle/>
+        <a:p>
+          <a:endParaRPr lang="fr-FR"/>
+        </a:p>
+      </dgm:t>
     </dgm:pt>
     <dgm:pt modelId="{AD8E1CB4-76A5-4C73-93E7-AEEAD8CC5A28}" type="pres">
       <dgm:prSet presAssocID="{F3A04191-D404-487B-893D-D2DED7523AF0}" presName="descendantText" presStyleLbl="alignAcc1" presStyleIdx="1" presStyleCnt="8">
@@ -10942,6 +11448,13 @@
         </dgm:presLayoutVars>
       </dgm:prSet>
       <dgm:spPr/>
+      <dgm:t>
+        <a:bodyPr/>
+        <a:lstStyle/>
+        <a:p>
+          <a:endParaRPr lang="fr-FR"/>
+        </a:p>
+      </dgm:t>
     </dgm:pt>
     <dgm:pt modelId="{F8F229A8-968D-4F79-92B8-F3FBEA8013CF}" type="pres">
       <dgm:prSet presAssocID="{C9C29C4A-B08B-4B0F-BAE3-0329EFC627EA}" presName="sp" presStyleCnt="0"/>
@@ -10959,6 +11472,13 @@
         </dgm:presLayoutVars>
       </dgm:prSet>
       <dgm:spPr/>
+      <dgm:t>
+        <a:bodyPr/>
+        <a:lstStyle/>
+        <a:p>
+          <a:endParaRPr lang="fr-FR"/>
+        </a:p>
+      </dgm:t>
     </dgm:pt>
     <dgm:pt modelId="{6359ED9D-F310-46D6-9F22-9970B56BF87A}" type="pres">
       <dgm:prSet presAssocID="{67097B12-815B-47C3-A620-4965B9EB26E1}" presName="descendantText" presStyleLbl="alignAcc1" presStyleIdx="2" presStyleCnt="8">
@@ -10967,6 +11487,13 @@
         </dgm:presLayoutVars>
       </dgm:prSet>
       <dgm:spPr/>
+      <dgm:t>
+        <a:bodyPr/>
+        <a:lstStyle/>
+        <a:p>
+          <a:endParaRPr lang="fr-FR"/>
+        </a:p>
+      </dgm:t>
     </dgm:pt>
     <dgm:pt modelId="{19BA2841-F1D6-4790-88D2-4C144E30232B}" type="pres">
       <dgm:prSet presAssocID="{DEF6D10E-7B31-4234-B9D9-8400D4D0BAD8}" presName="sp" presStyleCnt="0"/>
@@ -10984,6 +11511,13 @@
         </dgm:presLayoutVars>
       </dgm:prSet>
       <dgm:spPr/>
+      <dgm:t>
+        <a:bodyPr/>
+        <a:lstStyle/>
+        <a:p>
+          <a:endParaRPr lang="fr-FR"/>
+        </a:p>
+      </dgm:t>
     </dgm:pt>
     <dgm:pt modelId="{6BB0528B-EA12-4048-BC41-038054AD1460}" type="pres">
       <dgm:prSet presAssocID="{83585ACD-07B4-462B-916A-715A714725E2}" presName="descendantText" presStyleLbl="alignAcc1" presStyleIdx="3" presStyleCnt="8">
@@ -10992,6 +11526,13 @@
         </dgm:presLayoutVars>
       </dgm:prSet>
       <dgm:spPr/>
+      <dgm:t>
+        <a:bodyPr/>
+        <a:lstStyle/>
+        <a:p>
+          <a:endParaRPr lang="fr-FR"/>
+        </a:p>
+      </dgm:t>
     </dgm:pt>
     <dgm:pt modelId="{B6CB193D-EE0A-4938-9102-8B37F37ED9E5}" type="pres">
       <dgm:prSet presAssocID="{6EC771CC-4BB9-4712-8B14-1745DE76C2E3}" presName="sp" presStyleCnt="0"/>
@@ -11009,6 +11550,13 @@
         </dgm:presLayoutVars>
       </dgm:prSet>
       <dgm:spPr/>
+      <dgm:t>
+        <a:bodyPr/>
+        <a:lstStyle/>
+        <a:p>
+          <a:endParaRPr lang="fr-FR"/>
+        </a:p>
+      </dgm:t>
     </dgm:pt>
     <dgm:pt modelId="{36907F87-8D2E-4979-9AAE-2F674D150113}" type="pres">
       <dgm:prSet presAssocID="{B2DD79F4-6E48-4F04-A4C8-7B773A8DDB5C}" presName="descendantText" presStyleLbl="alignAcc1" presStyleIdx="4" presStyleCnt="8">
@@ -11017,6 +11565,13 @@
         </dgm:presLayoutVars>
       </dgm:prSet>
       <dgm:spPr/>
+      <dgm:t>
+        <a:bodyPr/>
+        <a:lstStyle/>
+        <a:p>
+          <a:endParaRPr lang="fr-FR"/>
+        </a:p>
+      </dgm:t>
     </dgm:pt>
     <dgm:pt modelId="{6063EB18-FEE1-4FA9-8731-2A60DB3B448E}" type="pres">
       <dgm:prSet presAssocID="{3E29CBB9-0910-4B64-A46B-A13AC9209571}" presName="sp" presStyleCnt="0"/>
@@ -11034,6 +11589,13 @@
         </dgm:presLayoutVars>
       </dgm:prSet>
       <dgm:spPr/>
+      <dgm:t>
+        <a:bodyPr/>
+        <a:lstStyle/>
+        <a:p>
+          <a:endParaRPr lang="fr-FR"/>
+        </a:p>
+      </dgm:t>
     </dgm:pt>
     <dgm:pt modelId="{7B1CBA74-BE69-4BA0-9841-E471C4418616}" type="pres">
       <dgm:prSet presAssocID="{74C85C0E-53AA-4D7E-BAD7-DE2CF865ED9B}" presName="descendantText" presStyleLbl="alignAcc1" presStyleIdx="5" presStyleCnt="8">
@@ -11042,6 +11604,13 @@
         </dgm:presLayoutVars>
       </dgm:prSet>
       <dgm:spPr/>
+      <dgm:t>
+        <a:bodyPr/>
+        <a:lstStyle/>
+        <a:p>
+          <a:endParaRPr lang="fr-FR"/>
+        </a:p>
+      </dgm:t>
     </dgm:pt>
     <dgm:pt modelId="{C33DFC28-BA21-4946-9E26-1F9B96915F9D}" type="pres">
       <dgm:prSet presAssocID="{94333C3D-DC22-46B4-926B-141F3CCCEB9B}" presName="sp" presStyleCnt="0"/>
@@ -11059,6 +11628,13 @@
         </dgm:presLayoutVars>
       </dgm:prSet>
       <dgm:spPr/>
+      <dgm:t>
+        <a:bodyPr/>
+        <a:lstStyle/>
+        <a:p>
+          <a:endParaRPr lang="fr-FR"/>
+        </a:p>
+      </dgm:t>
     </dgm:pt>
     <dgm:pt modelId="{C1280A5D-26D7-448E-A3E1-E17FE1FAFECE}" type="pres">
       <dgm:prSet presAssocID="{B687FB7D-7055-41E3-9B94-9D6FA3D269D8}" presName="descendantText" presStyleLbl="alignAcc1" presStyleIdx="6" presStyleCnt="8">
@@ -11067,6 +11643,13 @@
         </dgm:presLayoutVars>
       </dgm:prSet>
       <dgm:spPr/>
+      <dgm:t>
+        <a:bodyPr/>
+        <a:lstStyle/>
+        <a:p>
+          <a:endParaRPr lang="fr-FR"/>
+        </a:p>
+      </dgm:t>
     </dgm:pt>
     <dgm:pt modelId="{FABE24FC-56CC-402E-98E7-095C3D42498F}" type="pres">
       <dgm:prSet presAssocID="{2DF51CEA-382C-49D5-98F1-CF6D71460B3B}" presName="sp" presStyleCnt="0"/>
@@ -11084,6 +11667,13 @@
         </dgm:presLayoutVars>
       </dgm:prSet>
       <dgm:spPr/>
+      <dgm:t>
+        <a:bodyPr/>
+        <a:lstStyle/>
+        <a:p>
+          <a:endParaRPr lang="fr-FR"/>
+        </a:p>
+      </dgm:t>
     </dgm:pt>
     <dgm:pt modelId="{0B521773-2D00-4703-AF27-1A80B1EACE9F}" type="pres">
       <dgm:prSet presAssocID="{00ECBB96-E0F1-466F-BEA7-32085291A496}" presName="descendantText" presStyleLbl="alignAcc1" presStyleIdx="7" presStyleCnt="8">
@@ -11092,6 +11682,13 @@
         </dgm:presLayoutVars>
       </dgm:prSet>
       <dgm:spPr/>
+      <dgm:t>
+        <a:bodyPr/>
+        <a:lstStyle/>
+        <a:p>
+          <a:endParaRPr lang="fr-FR"/>
+        </a:p>
+      </dgm:t>
     </dgm:pt>
   </dgm:ptLst>
   <dgm:cxnLst>
@@ -11761,6 +12358,13 @@
         </dgm:presLayoutVars>
       </dgm:prSet>
       <dgm:spPr/>
+      <dgm:t>
+        <a:bodyPr/>
+        <a:lstStyle/>
+        <a:p>
+          <a:endParaRPr lang="fr-FR"/>
+        </a:p>
+      </dgm:t>
     </dgm:pt>
     <dgm:pt modelId="{02300EC7-89AD-4EC2-AAD3-61533B1545ED}" type="pres">
       <dgm:prSet presAssocID="{B62D00D8-24AC-4914-A54C-98A47A7E5F5F}" presName="composite" presStyleCnt="0"/>
@@ -11774,6 +12378,13 @@
         </dgm:presLayoutVars>
       </dgm:prSet>
       <dgm:spPr/>
+      <dgm:t>
+        <a:bodyPr/>
+        <a:lstStyle/>
+        <a:p>
+          <a:endParaRPr lang="fr-FR"/>
+        </a:p>
+      </dgm:t>
     </dgm:pt>
     <dgm:pt modelId="{15843F94-EBEB-47EA-86B1-0E28C41F8939}" type="pres">
       <dgm:prSet presAssocID="{B62D00D8-24AC-4914-A54C-98A47A7E5F5F}" presName="descendantText" presStyleLbl="alignAcc1" presStyleIdx="0" presStyleCnt="8" custLinFactX="100000" custLinFactNeighborX="121477" custLinFactNeighborY="-40403">
@@ -11782,6 +12393,13 @@
         </dgm:presLayoutVars>
       </dgm:prSet>
       <dgm:spPr/>
+      <dgm:t>
+        <a:bodyPr/>
+        <a:lstStyle/>
+        <a:p>
+          <a:endParaRPr lang="fr-FR"/>
+        </a:p>
+      </dgm:t>
     </dgm:pt>
     <dgm:pt modelId="{D8AF216C-842A-45DF-AA17-782E65429C9B}" type="pres">
       <dgm:prSet presAssocID="{AA00C1A5-7EE2-4708-B9BE-2B2DC0A76911}" presName="sp" presStyleCnt="0"/>
@@ -11799,6 +12417,13 @@
         </dgm:presLayoutVars>
       </dgm:prSet>
       <dgm:spPr/>
+      <dgm:t>
+        <a:bodyPr/>
+        <a:lstStyle/>
+        <a:p>
+          <a:endParaRPr lang="fr-FR"/>
+        </a:p>
+      </dgm:t>
     </dgm:pt>
     <dgm:pt modelId="{AD8E1CB4-76A5-4C73-93E7-AEEAD8CC5A28}" type="pres">
       <dgm:prSet presAssocID="{F3A04191-D404-487B-893D-D2DED7523AF0}" presName="descendantText" presStyleLbl="alignAcc1" presStyleIdx="1" presStyleCnt="8">
@@ -11807,6 +12432,13 @@
         </dgm:presLayoutVars>
       </dgm:prSet>
       <dgm:spPr/>
+      <dgm:t>
+        <a:bodyPr/>
+        <a:lstStyle/>
+        <a:p>
+          <a:endParaRPr lang="fr-FR"/>
+        </a:p>
+      </dgm:t>
     </dgm:pt>
     <dgm:pt modelId="{F8F229A8-968D-4F79-92B8-F3FBEA8013CF}" type="pres">
       <dgm:prSet presAssocID="{C9C29C4A-B08B-4B0F-BAE3-0329EFC627EA}" presName="sp" presStyleCnt="0"/>
@@ -11824,6 +12456,13 @@
         </dgm:presLayoutVars>
       </dgm:prSet>
       <dgm:spPr/>
+      <dgm:t>
+        <a:bodyPr/>
+        <a:lstStyle/>
+        <a:p>
+          <a:endParaRPr lang="fr-FR"/>
+        </a:p>
+      </dgm:t>
     </dgm:pt>
     <dgm:pt modelId="{6359ED9D-F310-46D6-9F22-9970B56BF87A}" type="pres">
       <dgm:prSet presAssocID="{67097B12-815B-47C3-A620-4965B9EB26E1}" presName="descendantText" presStyleLbl="alignAcc1" presStyleIdx="2" presStyleCnt="8">
@@ -11832,6 +12471,13 @@
         </dgm:presLayoutVars>
       </dgm:prSet>
       <dgm:spPr/>
+      <dgm:t>
+        <a:bodyPr/>
+        <a:lstStyle/>
+        <a:p>
+          <a:endParaRPr lang="fr-FR"/>
+        </a:p>
+      </dgm:t>
     </dgm:pt>
     <dgm:pt modelId="{19BA2841-F1D6-4790-88D2-4C144E30232B}" type="pres">
       <dgm:prSet presAssocID="{DEF6D10E-7B31-4234-B9D9-8400D4D0BAD8}" presName="sp" presStyleCnt="0"/>
@@ -11849,6 +12495,13 @@
         </dgm:presLayoutVars>
       </dgm:prSet>
       <dgm:spPr/>
+      <dgm:t>
+        <a:bodyPr/>
+        <a:lstStyle/>
+        <a:p>
+          <a:endParaRPr lang="fr-FR"/>
+        </a:p>
+      </dgm:t>
     </dgm:pt>
     <dgm:pt modelId="{6BB0528B-EA12-4048-BC41-038054AD1460}" type="pres">
       <dgm:prSet presAssocID="{83585ACD-07B4-462B-916A-715A714725E2}" presName="descendantText" presStyleLbl="alignAcc1" presStyleIdx="3" presStyleCnt="8">
@@ -11857,6 +12510,13 @@
         </dgm:presLayoutVars>
       </dgm:prSet>
       <dgm:spPr/>
+      <dgm:t>
+        <a:bodyPr/>
+        <a:lstStyle/>
+        <a:p>
+          <a:endParaRPr lang="fr-FR"/>
+        </a:p>
+      </dgm:t>
     </dgm:pt>
     <dgm:pt modelId="{B6CB193D-EE0A-4938-9102-8B37F37ED9E5}" type="pres">
       <dgm:prSet presAssocID="{6EC771CC-4BB9-4712-8B14-1745DE76C2E3}" presName="sp" presStyleCnt="0"/>
@@ -11874,6 +12534,13 @@
         </dgm:presLayoutVars>
       </dgm:prSet>
       <dgm:spPr/>
+      <dgm:t>
+        <a:bodyPr/>
+        <a:lstStyle/>
+        <a:p>
+          <a:endParaRPr lang="fr-FR"/>
+        </a:p>
+      </dgm:t>
     </dgm:pt>
     <dgm:pt modelId="{36907F87-8D2E-4979-9AAE-2F674D150113}" type="pres">
       <dgm:prSet presAssocID="{B2DD79F4-6E48-4F04-A4C8-7B773A8DDB5C}" presName="descendantText" presStyleLbl="alignAcc1" presStyleIdx="4" presStyleCnt="8">
@@ -11882,6 +12549,13 @@
         </dgm:presLayoutVars>
       </dgm:prSet>
       <dgm:spPr/>
+      <dgm:t>
+        <a:bodyPr/>
+        <a:lstStyle/>
+        <a:p>
+          <a:endParaRPr lang="fr-FR"/>
+        </a:p>
+      </dgm:t>
     </dgm:pt>
     <dgm:pt modelId="{6063EB18-FEE1-4FA9-8731-2A60DB3B448E}" type="pres">
       <dgm:prSet presAssocID="{3E29CBB9-0910-4B64-A46B-A13AC9209571}" presName="sp" presStyleCnt="0"/>
@@ -11899,6 +12573,13 @@
         </dgm:presLayoutVars>
       </dgm:prSet>
       <dgm:spPr/>
+      <dgm:t>
+        <a:bodyPr/>
+        <a:lstStyle/>
+        <a:p>
+          <a:endParaRPr lang="fr-FR"/>
+        </a:p>
+      </dgm:t>
     </dgm:pt>
     <dgm:pt modelId="{7B1CBA74-BE69-4BA0-9841-E471C4418616}" type="pres">
       <dgm:prSet presAssocID="{74C85C0E-53AA-4D7E-BAD7-DE2CF865ED9B}" presName="descendantText" presStyleLbl="alignAcc1" presStyleIdx="5" presStyleCnt="8">
@@ -11907,6 +12588,13 @@
         </dgm:presLayoutVars>
       </dgm:prSet>
       <dgm:spPr/>
+      <dgm:t>
+        <a:bodyPr/>
+        <a:lstStyle/>
+        <a:p>
+          <a:endParaRPr lang="fr-FR"/>
+        </a:p>
+      </dgm:t>
     </dgm:pt>
     <dgm:pt modelId="{C33DFC28-BA21-4946-9E26-1F9B96915F9D}" type="pres">
       <dgm:prSet presAssocID="{94333C3D-DC22-46B4-926B-141F3CCCEB9B}" presName="sp" presStyleCnt="0"/>
@@ -11924,6 +12612,13 @@
         </dgm:presLayoutVars>
       </dgm:prSet>
       <dgm:spPr/>
+      <dgm:t>
+        <a:bodyPr/>
+        <a:lstStyle/>
+        <a:p>
+          <a:endParaRPr lang="fr-FR"/>
+        </a:p>
+      </dgm:t>
     </dgm:pt>
     <dgm:pt modelId="{C1280A5D-26D7-448E-A3E1-E17FE1FAFECE}" type="pres">
       <dgm:prSet presAssocID="{B687FB7D-7055-41E3-9B94-9D6FA3D269D8}" presName="descendantText" presStyleLbl="alignAcc1" presStyleIdx="6" presStyleCnt="8">
@@ -11932,6 +12627,13 @@
         </dgm:presLayoutVars>
       </dgm:prSet>
       <dgm:spPr/>
+      <dgm:t>
+        <a:bodyPr/>
+        <a:lstStyle/>
+        <a:p>
+          <a:endParaRPr lang="fr-FR"/>
+        </a:p>
+      </dgm:t>
     </dgm:pt>
     <dgm:pt modelId="{FABE24FC-56CC-402E-98E7-095C3D42498F}" type="pres">
       <dgm:prSet presAssocID="{2DF51CEA-382C-49D5-98F1-CF6D71460B3B}" presName="sp" presStyleCnt="0"/>
@@ -11949,6 +12651,13 @@
         </dgm:presLayoutVars>
       </dgm:prSet>
       <dgm:spPr/>
+      <dgm:t>
+        <a:bodyPr/>
+        <a:lstStyle/>
+        <a:p>
+          <a:endParaRPr lang="fr-FR"/>
+        </a:p>
+      </dgm:t>
     </dgm:pt>
     <dgm:pt modelId="{0B521773-2D00-4703-AF27-1A80B1EACE9F}" type="pres">
       <dgm:prSet presAssocID="{00ECBB96-E0F1-466F-BEA7-32085291A496}" presName="descendantText" presStyleLbl="alignAcc1" presStyleIdx="7" presStyleCnt="8">
@@ -11957,6 +12666,13 @@
         </dgm:presLayoutVars>
       </dgm:prSet>
       <dgm:spPr/>
+      <dgm:t>
+        <a:bodyPr/>
+        <a:lstStyle/>
+        <a:p>
+          <a:endParaRPr lang="fr-FR"/>
+        </a:p>
+      </dgm:t>
     </dgm:pt>
   </dgm:ptLst>
   <dgm:cxnLst>
@@ -12630,6 +13346,13 @@
         </dgm:presLayoutVars>
       </dgm:prSet>
       <dgm:spPr/>
+      <dgm:t>
+        <a:bodyPr/>
+        <a:lstStyle/>
+        <a:p>
+          <a:endParaRPr lang="fr-FR"/>
+        </a:p>
+      </dgm:t>
     </dgm:pt>
     <dgm:pt modelId="{02300EC7-89AD-4EC2-AAD3-61533B1545ED}" type="pres">
       <dgm:prSet presAssocID="{B62D00D8-24AC-4914-A54C-98A47A7E5F5F}" presName="composite" presStyleCnt="0"/>
@@ -12643,6 +13366,13 @@
         </dgm:presLayoutVars>
       </dgm:prSet>
       <dgm:spPr/>
+      <dgm:t>
+        <a:bodyPr/>
+        <a:lstStyle/>
+        <a:p>
+          <a:endParaRPr lang="fr-FR"/>
+        </a:p>
+      </dgm:t>
     </dgm:pt>
     <dgm:pt modelId="{15843F94-EBEB-47EA-86B1-0E28C41F8939}" type="pres">
       <dgm:prSet presAssocID="{B62D00D8-24AC-4914-A54C-98A47A7E5F5F}" presName="descendantText" presStyleLbl="alignAcc1" presStyleIdx="0" presStyleCnt="8" custLinFactX="100000" custLinFactNeighborX="121477" custLinFactNeighborY="-40403">
@@ -12651,6 +13381,13 @@
         </dgm:presLayoutVars>
       </dgm:prSet>
       <dgm:spPr/>
+      <dgm:t>
+        <a:bodyPr/>
+        <a:lstStyle/>
+        <a:p>
+          <a:endParaRPr lang="fr-FR"/>
+        </a:p>
+      </dgm:t>
     </dgm:pt>
     <dgm:pt modelId="{D8AF216C-842A-45DF-AA17-782E65429C9B}" type="pres">
       <dgm:prSet presAssocID="{AA00C1A5-7EE2-4708-B9BE-2B2DC0A76911}" presName="sp" presStyleCnt="0"/>
@@ -12668,6 +13405,13 @@
         </dgm:presLayoutVars>
       </dgm:prSet>
       <dgm:spPr/>
+      <dgm:t>
+        <a:bodyPr/>
+        <a:lstStyle/>
+        <a:p>
+          <a:endParaRPr lang="fr-FR"/>
+        </a:p>
+      </dgm:t>
     </dgm:pt>
     <dgm:pt modelId="{AD8E1CB4-76A5-4C73-93E7-AEEAD8CC5A28}" type="pres">
       <dgm:prSet presAssocID="{F3A04191-D404-487B-893D-D2DED7523AF0}" presName="descendantText" presStyleLbl="alignAcc1" presStyleIdx="1" presStyleCnt="8">
@@ -12676,6 +13420,13 @@
         </dgm:presLayoutVars>
       </dgm:prSet>
       <dgm:spPr/>
+      <dgm:t>
+        <a:bodyPr/>
+        <a:lstStyle/>
+        <a:p>
+          <a:endParaRPr lang="fr-FR"/>
+        </a:p>
+      </dgm:t>
     </dgm:pt>
     <dgm:pt modelId="{F8F229A8-968D-4F79-92B8-F3FBEA8013CF}" type="pres">
       <dgm:prSet presAssocID="{C9C29C4A-B08B-4B0F-BAE3-0329EFC627EA}" presName="sp" presStyleCnt="0"/>
@@ -12693,6 +13444,13 @@
         </dgm:presLayoutVars>
       </dgm:prSet>
       <dgm:spPr/>
+      <dgm:t>
+        <a:bodyPr/>
+        <a:lstStyle/>
+        <a:p>
+          <a:endParaRPr lang="fr-FR"/>
+        </a:p>
+      </dgm:t>
     </dgm:pt>
     <dgm:pt modelId="{6359ED9D-F310-46D6-9F22-9970B56BF87A}" type="pres">
       <dgm:prSet presAssocID="{67097B12-815B-47C3-A620-4965B9EB26E1}" presName="descendantText" presStyleLbl="alignAcc1" presStyleIdx="2" presStyleCnt="8">
@@ -12701,6 +13459,13 @@
         </dgm:presLayoutVars>
       </dgm:prSet>
       <dgm:spPr/>
+      <dgm:t>
+        <a:bodyPr/>
+        <a:lstStyle/>
+        <a:p>
+          <a:endParaRPr lang="fr-FR"/>
+        </a:p>
+      </dgm:t>
     </dgm:pt>
     <dgm:pt modelId="{19BA2841-F1D6-4790-88D2-4C144E30232B}" type="pres">
       <dgm:prSet presAssocID="{DEF6D10E-7B31-4234-B9D9-8400D4D0BAD8}" presName="sp" presStyleCnt="0"/>
@@ -12718,6 +13483,13 @@
         </dgm:presLayoutVars>
       </dgm:prSet>
       <dgm:spPr/>
+      <dgm:t>
+        <a:bodyPr/>
+        <a:lstStyle/>
+        <a:p>
+          <a:endParaRPr lang="fr-FR"/>
+        </a:p>
+      </dgm:t>
     </dgm:pt>
     <dgm:pt modelId="{6BB0528B-EA12-4048-BC41-038054AD1460}" type="pres">
       <dgm:prSet presAssocID="{83585ACD-07B4-462B-916A-715A714725E2}" presName="descendantText" presStyleLbl="alignAcc1" presStyleIdx="3" presStyleCnt="8">
@@ -12726,6 +13498,13 @@
         </dgm:presLayoutVars>
       </dgm:prSet>
       <dgm:spPr/>
+      <dgm:t>
+        <a:bodyPr/>
+        <a:lstStyle/>
+        <a:p>
+          <a:endParaRPr lang="fr-FR"/>
+        </a:p>
+      </dgm:t>
     </dgm:pt>
     <dgm:pt modelId="{B6CB193D-EE0A-4938-9102-8B37F37ED9E5}" type="pres">
       <dgm:prSet presAssocID="{6EC771CC-4BB9-4712-8B14-1745DE76C2E3}" presName="sp" presStyleCnt="0"/>
@@ -12743,6 +13522,13 @@
         </dgm:presLayoutVars>
       </dgm:prSet>
       <dgm:spPr/>
+      <dgm:t>
+        <a:bodyPr/>
+        <a:lstStyle/>
+        <a:p>
+          <a:endParaRPr lang="fr-FR"/>
+        </a:p>
+      </dgm:t>
     </dgm:pt>
     <dgm:pt modelId="{36907F87-8D2E-4979-9AAE-2F674D150113}" type="pres">
       <dgm:prSet presAssocID="{B2DD79F4-6E48-4F04-A4C8-7B773A8DDB5C}" presName="descendantText" presStyleLbl="alignAcc1" presStyleIdx="4" presStyleCnt="8">
@@ -12751,6 +13537,13 @@
         </dgm:presLayoutVars>
       </dgm:prSet>
       <dgm:spPr/>
+      <dgm:t>
+        <a:bodyPr/>
+        <a:lstStyle/>
+        <a:p>
+          <a:endParaRPr lang="fr-FR"/>
+        </a:p>
+      </dgm:t>
     </dgm:pt>
     <dgm:pt modelId="{6063EB18-FEE1-4FA9-8731-2A60DB3B448E}" type="pres">
       <dgm:prSet presAssocID="{3E29CBB9-0910-4B64-A46B-A13AC9209571}" presName="sp" presStyleCnt="0"/>
@@ -12768,6 +13561,13 @@
         </dgm:presLayoutVars>
       </dgm:prSet>
       <dgm:spPr/>
+      <dgm:t>
+        <a:bodyPr/>
+        <a:lstStyle/>
+        <a:p>
+          <a:endParaRPr lang="fr-FR"/>
+        </a:p>
+      </dgm:t>
     </dgm:pt>
     <dgm:pt modelId="{7B1CBA74-BE69-4BA0-9841-E471C4418616}" type="pres">
       <dgm:prSet presAssocID="{74C85C0E-53AA-4D7E-BAD7-DE2CF865ED9B}" presName="descendantText" presStyleLbl="alignAcc1" presStyleIdx="5" presStyleCnt="8">
@@ -12776,6 +13576,13 @@
         </dgm:presLayoutVars>
       </dgm:prSet>
       <dgm:spPr/>
+      <dgm:t>
+        <a:bodyPr/>
+        <a:lstStyle/>
+        <a:p>
+          <a:endParaRPr lang="fr-FR"/>
+        </a:p>
+      </dgm:t>
     </dgm:pt>
     <dgm:pt modelId="{C33DFC28-BA21-4946-9E26-1F9B96915F9D}" type="pres">
       <dgm:prSet presAssocID="{94333C3D-DC22-46B4-926B-141F3CCCEB9B}" presName="sp" presStyleCnt="0"/>
@@ -12793,6 +13600,13 @@
         </dgm:presLayoutVars>
       </dgm:prSet>
       <dgm:spPr/>
+      <dgm:t>
+        <a:bodyPr/>
+        <a:lstStyle/>
+        <a:p>
+          <a:endParaRPr lang="fr-FR"/>
+        </a:p>
+      </dgm:t>
     </dgm:pt>
     <dgm:pt modelId="{C1280A5D-26D7-448E-A3E1-E17FE1FAFECE}" type="pres">
       <dgm:prSet presAssocID="{B687FB7D-7055-41E3-9B94-9D6FA3D269D8}" presName="descendantText" presStyleLbl="alignAcc1" presStyleIdx="6" presStyleCnt="8">
@@ -12801,6 +13615,13 @@
         </dgm:presLayoutVars>
       </dgm:prSet>
       <dgm:spPr/>
+      <dgm:t>
+        <a:bodyPr/>
+        <a:lstStyle/>
+        <a:p>
+          <a:endParaRPr lang="fr-FR"/>
+        </a:p>
+      </dgm:t>
     </dgm:pt>
     <dgm:pt modelId="{FABE24FC-56CC-402E-98E7-095C3D42498F}" type="pres">
       <dgm:prSet presAssocID="{2DF51CEA-382C-49D5-98F1-CF6D71460B3B}" presName="sp" presStyleCnt="0"/>
@@ -12818,6 +13639,13 @@
         </dgm:presLayoutVars>
       </dgm:prSet>
       <dgm:spPr/>
+      <dgm:t>
+        <a:bodyPr/>
+        <a:lstStyle/>
+        <a:p>
+          <a:endParaRPr lang="fr-FR"/>
+        </a:p>
+      </dgm:t>
     </dgm:pt>
     <dgm:pt modelId="{0B521773-2D00-4703-AF27-1A80B1EACE9F}" type="pres">
       <dgm:prSet presAssocID="{00ECBB96-E0F1-466F-BEA7-32085291A496}" presName="descendantText" presStyleLbl="alignAcc1" presStyleIdx="7" presStyleCnt="8">
@@ -12826,6 +13654,13 @@
         </dgm:presLayoutVars>
       </dgm:prSet>
       <dgm:spPr/>
+      <dgm:t>
+        <a:bodyPr/>
+        <a:lstStyle/>
+        <a:p>
+          <a:endParaRPr lang="fr-FR"/>
+        </a:p>
+      </dgm:t>
     </dgm:pt>
   </dgm:ptLst>
   <dgm:cxnLst>
@@ -13495,6 +14330,13 @@
         </dgm:presLayoutVars>
       </dgm:prSet>
       <dgm:spPr/>
+      <dgm:t>
+        <a:bodyPr/>
+        <a:lstStyle/>
+        <a:p>
+          <a:endParaRPr lang="fr-FR"/>
+        </a:p>
+      </dgm:t>
     </dgm:pt>
     <dgm:pt modelId="{02300EC7-89AD-4EC2-AAD3-61533B1545ED}" type="pres">
       <dgm:prSet presAssocID="{B62D00D8-24AC-4914-A54C-98A47A7E5F5F}" presName="composite" presStyleCnt="0"/>
@@ -13508,6 +14350,13 @@
         </dgm:presLayoutVars>
       </dgm:prSet>
       <dgm:spPr/>
+      <dgm:t>
+        <a:bodyPr/>
+        <a:lstStyle/>
+        <a:p>
+          <a:endParaRPr lang="fr-FR"/>
+        </a:p>
+      </dgm:t>
     </dgm:pt>
     <dgm:pt modelId="{15843F94-EBEB-47EA-86B1-0E28C41F8939}" type="pres">
       <dgm:prSet presAssocID="{B62D00D8-24AC-4914-A54C-98A47A7E5F5F}" presName="descendantText" presStyleLbl="alignAcc1" presStyleIdx="0" presStyleCnt="8" custLinFactX="100000" custLinFactNeighborX="121477" custLinFactNeighborY="-40403">
@@ -13516,6 +14365,13 @@
         </dgm:presLayoutVars>
       </dgm:prSet>
       <dgm:spPr/>
+      <dgm:t>
+        <a:bodyPr/>
+        <a:lstStyle/>
+        <a:p>
+          <a:endParaRPr lang="fr-FR"/>
+        </a:p>
+      </dgm:t>
     </dgm:pt>
     <dgm:pt modelId="{D8AF216C-842A-45DF-AA17-782E65429C9B}" type="pres">
       <dgm:prSet presAssocID="{AA00C1A5-7EE2-4708-B9BE-2B2DC0A76911}" presName="sp" presStyleCnt="0"/>
@@ -13533,6 +14389,13 @@
         </dgm:presLayoutVars>
       </dgm:prSet>
       <dgm:spPr/>
+      <dgm:t>
+        <a:bodyPr/>
+        <a:lstStyle/>
+        <a:p>
+          <a:endParaRPr lang="fr-FR"/>
+        </a:p>
+      </dgm:t>
     </dgm:pt>
     <dgm:pt modelId="{AD8E1CB4-76A5-4C73-93E7-AEEAD8CC5A28}" type="pres">
       <dgm:prSet presAssocID="{F3A04191-D404-487B-893D-D2DED7523AF0}" presName="descendantText" presStyleLbl="alignAcc1" presStyleIdx="1" presStyleCnt="8">
@@ -13541,6 +14404,13 @@
         </dgm:presLayoutVars>
       </dgm:prSet>
       <dgm:spPr/>
+      <dgm:t>
+        <a:bodyPr/>
+        <a:lstStyle/>
+        <a:p>
+          <a:endParaRPr lang="fr-FR"/>
+        </a:p>
+      </dgm:t>
     </dgm:pt>
     <dgm:pt modelId="{F8F229A8-968D-4F79-92B8-F3FBEA8013CF}" type="pres">
       <dgm:prSet presAssocID="{C9C29C4A-B08B-4B0F-BAE3-0329EFC627EA}" presName="sp" presStyleCnt="0"/>
@@ -13558,6 +14428,13 @@
         </dgm:presLayoutVars>
       </dgm:prSet>
       <dgm:spPr/>
+      <dgm:t>
+        <a:bodyPr/>
+        <a:lstStyle/>
+        <a:p>
+          <a:endParaRPr lang="fr-FR"/>
+        </a:p>
+      </dgm:t>
     </dgm:pt>
     <dgm:pt modelId="{6359ED9D-F310-46D6-9F22-9970B56BF87A}" type="pres">
       <dgm:prSet presAssocID="{67097B12-815B-47C3-A620-4965B9EB26E1}" presName="descendantText" presStyleLbl="alignAcc1" presStyleIdx="2" presStyleCnt="8">
@@ -13566,6 +14443,13 @@
         </dgm:presLayoutVars>
       </dgm:prSet>
       <dgm:spPr/>
+      <dgm:t>
+        <a:bodyPr/>
+        <a:lstStyle/>
+        <a:p>
+          <a:endParaRPr lang="fr-FR"/>
+        </a:p>
+      </dgm:t>
     </dgm:pt>
     <dgm:pt modelId="{19BA2841-F1D6-4790-88D2-4C144E30232B}" type="pres">
       <dgm:prSet presAssocID="{DEF6D10E-7B31-4234-B9D9-8400D4D0BAD8}" presName="sp" presStyleCnt="0"/>
@@ -13583,6 +14467,13 @@
         </dgm:presLayoutVars>
       </dgm:prSet>
       <dgm:spPr/>
+      <dgm:t>
+        <a:bodyPr/>
+        <a:lstStyle/>
+        <a:p>
+          <a:endParaRPr lang="fr-FR"/>
+        </a:p>
+      </dgm:t>
     </dgm:pt>
     <dgm:pt modelId="{6BB0528B-EA12-4048-BC41-038054AD1460}" type="pres">
       <dgm:prSet presAssocID="{83585ACD-07B4-462B-916A-715A714725E2}" presName="descendantText" presStyleLbl="alignAcc1" presStyleIdx="3" presStyleCnt="8">
@@ -13591,6 +14482,13 @@
         </dgm:presLayoutVars>
       </dgm:prSet>
       <dgm:spPr/>
+      <dgm:t>
+        <a:bodyPr/>
+        <a:lstStyle/>
+        <a:p>
+          <a:endParaRPr lang="fr-FR"/>
+        </a:p>
+      </dgm:t>
     </dgm:pt>
     <dgm:pt modelId="{B6CB193D-EE0A-4938-9102-8B37F37ED9E5}" type="pres">
       <dgm:prSet presAssocID="{6EC771CC-4BB9-4712-8B14-1745DE76C2E3}" presName="sp" presStyleCnt="0"/>
@@ -13608,6 +14506,13 @@
         </dgm:presLayoutVars>
       </dgm:prSet>
       <dgm:spPr/>
+      <dgm:t>
+        <a:bodyPr/>
+        <a:lstStyle/>
+        <a:p>
+          <a:endParaRPr lang="fr-FR"/>
+        </a:p>
+      </dgm:t>
     </dgm:pt>
     <dgm:pt modelId="{36907F87-8D2E-4979-9AAE-2F674D150113}" type="pres">
       <dgm:prSet presAssocID="{B2DD79F4-6E48-4F04-A4C8-7B773A8DDB5C}" presName="descendantText" presStyleLbl="alignAcc1" presStyleIdx="4" presStyleCnt="8">
@@ -13616,6 +14521,13 @@
         </dgm:presLayoutVars>
       </dgm:prSet>
       <dgm:spPr/>
+      <dgm:t>
+        <a:bodyPr/>
+        <a:lstStyle/>
+        <a:p>
+          <a:endParaRPr lang="fr-FR"/>
+        </a:p>
+      </dgm:t>
     </dgm:pt>
     <dgm:pt modelId="{6063EB18-FEE1-4FA9-8731-2A60DB3B448E}" type="pres">
       <dgm:prSet presAssocID="{3E29CBB9-0910-4B64-A46B-A13AC9209571}" presName="sp" presStyleCnt="0"/>
@@ -13633,6 +14545,13 @@
         </dgm:presLayoutVars>
       </dgm:prSet>
       <dgm:spPr/>
+      <dgm:t>
+        <a:bodyPr/>
+        <a:lstStyle/>
+        <a:p>
+          <a:endParaRPr lang="fr-FR"/>
+        </a:p>
+      </dgm:t>
     </dgm:pt>
     <dgm:pt modelId="{7B1CBA74-BE69-4BA0-9841-E471C4418616}" type="pres">
       <dgm:prSet presAssocID="{74C85C0E-53AA-4D7E-BAD7-DE2CF865ED9B}" presName="descendantText" presStyleLbl="alignAcc1" presStyleIdx="5" presStyleCnt="8">
@@ -13641,6 +14560,13 @@
         </dgm:presLayoutVars>
       </dgm:prSet>
       <dgm:spPr/>
+      <dgm:t>
+        <a:bodyPr/>
+        <a:lstStyle/>
+        <a:p>
+          <a:endParaRPr lang="fr-FR"/>
+        </a:p>
+      </dgm:t>
     </dgm:pt>
     <dgm:pt modelId="{C33DFC28-BA21-4946-9E26-1F9B96915F9D}" type="pres">
       <dgm:prSet presAssocID="{94333C3D-DC22-46B4-926B-141F3CCCEB9B}" presName="sp" presStyleCnt="0"/>
@@ -13658,6 +14584,13 @@
         </dgm:presLayoutVars>
       </dgm:prSet>
       <dgm:spPr/>
+      <dgm:t>
+        <a:bodyPr/>
+        <a:lstStyle/>
+        <a:p>
+          <a:endParaRPr lang="fr-FR"/>
+        </a:p>
+      </dgm:t>
     </dgm:pt>
     <dgm:pt modelId="{C1280A5D-26D7-448E-A3E1-E17FE1FAFECE}" type="pres">
       <dgm:prSet presAssocID="{B687FB7D-7055-41E3-9B94-9D6FA3D269D8}" presName="descendantText" presStyleLbl="alignAcc1" presStyleIdx="6" presStyleCnt="8">
@@ -13666,6 +14599,13 @@
         </dgm:presLayoutVars>
       </dgm:prSet>
       <dgm:spPr/>
+      <dgm:t>
+        <a:bodyPr/>
+        <a:lstStyle/>
+        <a:p>
+          <a:endParaRPr lang="fr-FR"/>
+        </a:p>
+      </dgm:t>
     </dgm:pt>
     <dgm:pt modelId="{FABE24FC-56CC-402E-98E7-095C3D42498F}" type="pres">
       <dgm:prSet presAssocID="{2DF51CEA-382C-49D5-98F1-CF6D71460B3B}" presName="sp" presStyleCnt="0"/>
@@ -13683,6 +14623,13 @@
         </dgm:presLayoutVars>
       </dgm:prSet>
       <dgm:spPr/>
+      <dgm:t>
+        <a:bodyPr/>
+        <a:lstStyle/>
+        <a:p>
+          <a:endParaRPr lang="fr-FR"/>
+        </a:p>
+      </dgm:t>
     </dgm:pt>
     <dgm:pt modelId="{0B521773-2D00-4703-AF27-1A80B1EACE9F}" type="pres">
       <dgm:prSet presAssocID="{00ECBB96-E0F1-466F-BEA7-32085291A496}" presName="descendantText" presStyleLbl="alignAcc1" presStyleIdx="7" presStyleCnt="8">
@@ -13691,6 +14638,13 @@
         </dgm:presLayoutVars>
       </dgm:prSet>
       <dgm:spPr/>
+      <dgm:t>
+        <a:bodyPr/>
+        <a:lstStyle/>
+        <a:p>
+          <a:endParaRPr lang="fr-FR"/>
+        </a:p>
+      </dgm:t>
     </dgm:pt>
   </dgm:ptLst>
   <dgm:cxnLst>
@@ -14360,6 +15314,13 @@
         </dgm:presLayoutVars>
       </dgm:prSet>
       <dgm:spPr/>
+      <dgm:t>
+        <a:bodyPr/>
+        <a:lstStyle/>
+        <a:p>
+          <a:endParaRPr lang="fr-FR"/>
+        </a:p>
+      </dgm:t>
     </dgm:pt>
     <dgm:pt modelId="{02300EC7-89AD-4EC2-AAD3-61533B1545ED}" type="pres">
       <dgm:prSet presAssocID="{B62D00D8-24AC-4914-A54C-98A47A7E5F5F}" presName="composite" presStyleCnt="0"/>
@@ -14373,6 +15334,13 @@
         </dgm:presLayoutVars>
       </dgm:prSet>
       <dgm:spPr/>
+      <dgm:t>
+        <a:bodyPr/>
+        <a:lstStyle/>
+        <a:p>
+          <a:endParaRPr lang="fr-FR"/>
+        </a:p>
+      </dgm:t>
     </dgm:pt>
     <dgm:pt modelId="{15843F94-EBEB-47EA-86B1-0E28C41F8939}" type="pres">
       <dgm:prSet presAssocID="{B62D00D8-24AC-4914-A54C-98A47A7E5F5F}" presName="descendantText" presStyleLbl="alignAcc1" presStyleIdx="0" presStyleCnt="8" custLinFactX="100000" custLinFactNeighborX="121477" custLinFactNeighborY="-40403">
@@ -14381,6 +15349,13 @@
         </dgm:presLayoutVars>
       </dgm:prSet>
       <dgm:spPr/>
+      <dgm:t>
+        <a:bodyPr/>
+        <a:lstStyle/>
+        <a:p>
+          <a:endParaRPr lang="fr-FR"/>
+        </a:p>
+      </dgm:t>
     </dgm:pt>
     <dgm:pt modelId="{D8AF216C-842A-45DF-AA17-782E65429C9B}" type="pres">
       <dgm:prSet presAssocID="{AA00C1A5-7EE2-4708-B9BE-2B2DC0A76911}" presName="sp" presStyleCnt="0"/>
@@ -14398,6 +15373,13 @@
         </dgm:presLayoutVars>
       </dgm:prSet>
       <dgm:spPr/>
+      <dgm:t>
+        <a:bodyPr/>
+        <a:lstStyle/>
+        <a:p>
+          <a:endParaRPr lang="fr-FR"/>
+        </a:p>
+      </dgm:t>
     </dgm:pt>
     <dgm:pt modelId="{AD8E1CB4-76A5-4C73-93E7-AEEAD8CC5A28}" type="pres">
       <dgm:prSet presAssocID="{F3A04191-D404-487B-893D-D2DED7523AF0}" presName="descendantText" presStyleLbl="alignAcc1" presStyleIdx="1" presStyleCnt="8">
@@ -14406,6 +15388,13 @@
         </dgm:presLayoutVars>
       </dgm:prSet>
       <dgm:spPr/>
+      <dgm:t>
+        <a:bodyPr/>
+        <a:lstStyle/>
+        <a:p>
+          <a:endParaRPr lang="fr-FR"/>
+        </a:p>
+      </dgm:t>
     </dgm:pt>
     <dgm:pt modelId="{F8F229A8-968D-4F79-92B8-F3FBEA8013CF}" type="pres">
       <dgm:prSet presAssocID="{C9C29C4A-B08B-4B0F-BAE3-0329EFC627EA}" presName="sp" presStyleCnt="0"/>
@@ -14423,6 +15412,13 @@
         </dgm:presLayoutVars>
       </dgm:prSet>
       <dgm:spPr/>
+      <dgm:t>
+        <a:bodyPr/>
+        <a:lstStyle/>
+        <a:p>
+          <a:endParaRPr lang="fr-FR"/>
+        </a:p>
+      </dgm:t>
     </dgm:pt>
     <dgm:pt modelId="{6359ED9D-F310-46D6-9F22-9970B56BF87A}" type="pres">
       <dgm:prSet presAssocID="{67097B12-815B-47C3-A620-4965B9EB26E1}" presName="descendantText" presStyleLbl="alignAcc1" presStyleIdx="2" presStyleCnt="8">
@@ -14431,6 +15427,13 @@
         </dgm:presLayoutVars>
       </dgm:prSet>
       <dgm:spPr/>
+      <dgm:t>
+        <a:bodyPr/>
+        <a:lstStyle/>
+        <a:p>
+          <a:endParaRPr lang="fr-FR"/>
+        </a:p>
+      </dgm:t>
     </dgm:pt>
     <dgm:pt modelId="{19BA2841-F1D6-4790-88D2-4C144E30232B}" type="pres">
       <dgm:prSet presAssocID="{DEF6D10E-7B31-4234-B9D9-8400D4D0BAD8}" presName="sp" presStyleCnt="0"/>
@@ -14448,6 +15451,13 @@
         </dgm:presLayoutVars>
       </dgm:prSet>
       <dgm:spPr/>
+      <dgm:t>
+        <a:bodyPr/>
+        <a:lstStyle/>
+        <a:p>
+          <a:endParaRPr lang="fr-FR"/>
+        </a:p>
+      </dgm:t>
     </dgm:pt>
     <dgm:pt modelId="{6BB0528B-EA12-4048-BC41-038054AD1460}" type="pres">
       <dgm:prSet presAssocID="{83585ACD-07B4-462B-916A-715A714725E2}" presName="descendantText" presStyleLbl="alignAcc1" presStyleIdx="3" presStyleCnt="8">
@@ -14456,6 +15466,13 @@
         </dgm:presLayoutVars>
       </dgm:prSet>
       <dgm:spPr/>
+      <dgm:t>
+        <a:bodyPr/>
+        <a:lstStyle/>
+        <a:p>
+          <a:endParaRPr lang="fr-FR"/>
+        </a:p>
+      </dgm:t>
     </dgm:pt>
     <dgm:pt modelId="{B6CB193D-EE0A-4938-9102-8B37F37ED9E5}" type="pres">
       <dgm:prSet presAssocID="{6EC771CC-4BB9-4712-8B14-1745DE76C2E3}" presName="sp" presStyleCnt="0"/>
@@ -14473,6 +15490,13 @@
         </dgm:presLayoutVars>
       </dgm:prSet>
       <dgm:spPr/>
+      <dgm:t>
+        <a:bodyPr/>
+        <a:lstStyle/>
+        <a:p>
+          <a:endParaRPr lang="fr-FR"/>
+        </a:p>
+      </dgm:t>
     </dgm:pt>
     <dgm:pt modelId="{36907F87-8D2E-4979-9AAE-2F674D150113}" type="pres">
       <dgm:prSet presAssocID="{B2DD79F4-6E48-4F04-A4C8-7B773A8DDB5C}" presName="descendantText" presStyleLbl="alignAcc1" presStyleIdx="4" presStyleCnt="8">
@@ -14481,6 +15505,13 @@
         </dgm:presLayoutVars>
       </dgm:prSet>
       <dgm:spPr/>
+      <dgm:t>
+        <a:bodyPr/>
+        <a:lstStyle/>
+        <a:p>
+          <a:endParaRPr lang="fr-FR"/>
+        </a:p>
+      </dgm:t>
     </dgm:pt>
     <dgm:pt modelId="{6063EB18-FEE1-4FA9-8731-2A60DB3B448E}" type="pres">
       <dgm:prSet presAssocID="{3E29CBB9-0910-4B64-A46B-A13AC9209571}" presName="sp" presStyleCnt="0"/>
@@ -14498,6 +15529,13 @@
         </dgm:presLayoutVars>
       </dgm:prSet>
       <dgm:spPr/>
+      <dgm:t>
+        <a:bodyPr/>
+        <a:lstStyle/>
+        <a:p>
+          <a:endParaRPr lang="fr-FR"/>
+        </a:p>
+      </dgm:t>
     </dgm:pt>
     <dgm:pt modelId="{7B1CBA74-BE69-4BA0-9841-E471C4418616}" type="pres">
       <dgm:prSet presAssocID="{74C85C0E-53AA-4D7E-BAD7-DE2CF865ED9B}" presName="descendantText" presStyleLbl="alignAcc1" presStyleIdx="5" presStyleCnt="8">
@@ -14506,6 +15544,13 @@
         </dgm:presLayoutVars>
       </dgm:prSet>
       <dgm:spPr/>
+      <dgm:t>
+        <a:bodyPr/>
+        <a:lstStyle/>
+        <a:p>
+          <a:endParaRPr lang="fr-FR"/>
+        </a:p>
+      </dgm:t>
     </dgm:pt>
     <dgm:pt modelId="{C33DFC28-BA21-4946-9E26-1F9B96915F9D}" type="pres">
       <dgm:prSet presAssocID="{94333C3D-DC22-46B4-926B-141F3CCCEB9B}" presName="sp" presStyleCnt="0"/>
@@ -14523,6 +15568,13 @@
         </dgm:presLayoutVars>
       </dgm:prSet>
       <dgm:spPr/>
+      <dgm:t>
+        <a:bodyPr/>
+        <a:lstStyle/>
+        <a:p>
+          <a:endParaRPr lang="fr-FR"/>
+        </a:p>
+      </dgm:t>
     </dgm:pt>
     <dgm:pt modelId="{C1280A5D-26D7-448E-A3E1-E17FE1FAFECE}" type="pres">
       <dgm:prSet presAssocID="{B687FB7D-7055-41E3-9B94-9D6FA3D269D8}" presName="descendantText" presStyleLbl="alignAcc1" presStyleIdx="6" presStyleCnt="8">
@@ -14531,6 +15583,13 @@
         </dgm:presLayoutVars>
       </dgm:prSet>
       <dgm:spPr/>
+      <dgm:t>
+        <a:bodyPr/>
+        <a:lstStyle/>
+        <a:p>
+          <a:endParaRPr lang="fr-FR"/>
+        </a:p>
+      </dgm:t>
     </dgm:pt>
     <dgm:pt modelId="{FABE24FC-56CC-402E-98E7-095C3D42498F}" type="pres">
       <dgm:prSet presAssocID="{2DF51CEA-382C-49D5-98F1-CF6D71460B3B}" presName="sp" presStyleCnt="0"/>
@@ -14548,6 +15607,13 @@
         </dgm:presLayoutVars>
       </dgm:prSet>
       <dgm:spPr/>
+      <dgm:t>
+        <a:bodyPr/>
+        <a:lstStyle/>
+        <a:p>
+          <a:endParaRPr lang="fr-FR"/>
+        </a:p>
+      </dgm:t>
     </dgm:pt>
     <dgm:pt modelId="{0B521773-2D00-4703-AF27-1A80B1EACE9F}" type="pres">
       <dgm:prSet presAssocID="{00ECBB96-E0F1-466F-BEA7-32085291A496}" presName="descendantText" presStyleLbl="alignAcc1" presStyleIdx="7" presStyleCnt="8">
@@ -14556,6 +15622,13 @@
         </dgm:presLayoutVars>
       </dgm:prSet>
       <dgm:spPr/>
+      <dgm:t>
+        <a:bodyPr/>
+        <a:lstStyle/>
+        <a:p>
+          <a:endParaRPr lang="fr-FR"/>
+        </a:p>
+      </dgm:t>
     </dgm:pt>
   </dgm:ptLst>
   <dgm:cxnLst>
@@ -14699,7 +15772,7 @@
         </a:bodyPr>
         <a:lstStyle/>
         <a:p>
-          <a:pPr marL="0" lvl="0" indent="0" algn="ctr" defTabSz="577850">
+          <a:pPr lvl="0" algn="ctr" defTabSz="577850">
             <a:lnSpc>
               <a:spcPct val="90000"/>
             </a:lnSpc>
@@ -14709,7 +15782,6 @@
             <a:spcAft>
               <a:spcPct val="35000"/>
             </a:spcAft>
-            <a:buNone/>
           </a:pPr>
           <a:r>
             <a:rPr lang="fr-FR" sz="1300" kern="1200" dirty="0"/>
@@ -14786,7 +15858,7 @@
             <a:spcAft>
               <a:spcPct val="15000"/>
             </a:spcAft>
-            <a:buChar char="•"/>
+            <a:buChar char="••"/>
           </a:pPr>
           <a:r>
             <a:rPr lang="fr-FR" sz="1400" kern="1200" dirty="0"/>
@@ -14858,7 +15930,7 @@
         </a:bodyPr>
         <a:lstStyle/>
         <a:p>
-          <a:pPr marL="0" lvl="0" indent="0" algn="ctr" defTabSz="577850">
+          <a:pPr lvl="0" algn="ctr" defTabSz="577850">
             <a:lnSpc>
               <a:spcPct val="90000"/>
             </a:lnSpc>
@@ -14868,7 +15940,6 @@
             <a:spcAft>
               <a:spcPct val="35000"/>
             </a:spcAft>
-            <a:buNone/>
           </a:pPr>
           <a:r>
             <a:rPr lang="fr-FR" sz="1300" kern="1200" dirty="0"/>
@@ -14945,7 +16016,7 @@
             <a:spcAft>
               <a:spcPct val="15000"/>
             </a:spcAft>
-            <a:buChar char="•"/>
+            <a:buChar char="••"/>
           </a:pPr>
           <a:r>
             <a:rPr lang="fr-FR" sz="1400" kern="1200" dirty="0"/>
@@ -15017,7 +16088,7 @@
         </a:bodyPr>
         <a:lstStyle/>
         <a:p>
-          <a:pPr marL="0" lvl="0" indent="0" algn="ctr" defTabSz="577850">
+          <a:pPr lvl="0" algn="ctr" defTabSz="577850">
             <a:lnSpc>
               <a:spcPct val="90000"/>
             </a:lnSpc>
@@ -15027,7 +16098,6 @@
             <a:spcAft>
               <a:spcPct val="35000"/>
             </a:spcAft>
-            <a:buNone/>
           </a:pPr>
           <a:r>
             <a:rPr lang="fr-FR" sz="1300" kern="1200" dirty="0"/>
@@ -15104,7 +16174,7 @@
             <a:spcAft>
               <a:spcPct val="15000"/>
             </a:spcAft>
-            <a:buChar char="•"/>
+            <a:buChar char="••"/>
           </a:pPr>
           <a:r>
             <a:rPr lang="fr-FR" sz="1400" kern="1200" dirty="0"/>
@@ -15176,7 +16246,7 @@
         </a:bodyPr>
         <a:lstStyle/>
         <a:p>
-          <a:pPr marL="0" lvl="0" indent="0" algn="ctr" defTabSz="577850">
+          <a:pPr lvl="0" algn="ctr" defTabSz="577850">
             <a:lnSpc>
               <a:spcPct val="90000"/>
             </a:lnSpc>
@@ -15186,7 +16256,6 @@
             <a:spcAft>
               <a:spcPct val="35000"/>
             </a:spcAft>
-            <a:buNone/>
           </a:pPr>
           <a:endParaRPr lang="fr-FR" sz="1300" kern="1200"/>
         </a:p>
@@ -15260,7 +16329,7 @@
             <a:spcAft>
               <a:spcPct val="15000"/>
             </a:spcAft>
-            <a:buChar char="•"/>
+            <a:buChar char="••"/>
           </a:pPr>
           <a:r>
             <a:rPr lang="fr-FR" sz="1400" kern="1200" dirty="0"/>
@@ -15332,7 +16401,7 @@
         </a:bodyPr>
         <a:lstStyle/>
         <a:p>
-          <a:pPr marL="0" lvl="0" indent="0" algn="ctr" defTabSz="577850">
+          <a:pPr lvl="0" algn="ctr" defTabSz="577850">
             <a:lnSpc>
               <a:spcPct val="90000"/>
             </a:lnSpc>
@@ -15342,7 +16411,6 @@
             <a:spcAft>
               <a:spcPct val="35000"/>
             </a:spcAft>
-            <a:buNone/>
           </a:pPr>
           <a:endParaRPr lang="fr-FR" sz="1300" kern="1200"/>
         </a:p>
@@ -15416,7 +16484,7 @@
             <a:spcAft>
               <a:spcPct val="15000"/>
             </a:spcAft>
-            <a:buChar char="•"/>
+            <a:buChar char="••"/>
           </a:pPr>
           <a:r>
             <a:rPr lang="fr-FR" sz="1400" kern="1200" dirty="0"/>
@@ -15488,7 +16556,7 @@
         </a:bodyPr>
         <a:lstStyle/>
         <a:p>
-          <a:pPr marL="0" lvl="0" indent="0" algn="ctr" defTabSz="577850">
+          <a:pPr lvl="0" algn="ctr" defTabSz="577850">
             <a:lnSpc>
               <a:spcPct val="90000"/>
             </a:lnSpc>
@@ -15498,7 +16566,6 @@
             <a:spcAft>
               <a:spcPct val="35000"/>
             </a:spcAft>
-            <a:buNone/>
           </a:pPr>
           <a:endParaRPr lang="fr-FR" sz="1300" kern="1200"/>
         </a:p>
@@ -15572,7 +16639,7 @@
             <a:spcAft>
               <a:spcPct val="15000"/>
             </a:spcAft>
-            <a:buChar char="•"/>
+            <a:buChar char="••"/>
           </a:pPr>
           <a:r>
             <a:rPr lang="fr-FR" sz="1400" kern="1200" dirty="0"/>
@@ -15644,7 +16711,7 @@
         </a:bodyPr>
         <a:lstStyle/>
         <a:p>
-          <a:pPr marL="0" lvl="0" indent="0" algn="ctr" defTabSz="577850">
+          <a:pPr lvl="0" algn="ctr" defTabSz="577850">
             <a:lnSpc>
               <a:spcPct val="90000"/>
             </a:lnSpc>
@@ -15654,7 +16721,6 @@
             <a:spcAft>
               <a:spcPct val="35000"/>
             </a:spcAft>
-            <a:buNone/>
           </a:pPr>
           <a:endParaRPr lang="fr-FR" sz="1300" kern="1200"/>
         </a:p>
@@ -15728,7 +16794,7 @@
             <a:spcAft>
               <a:spcPct val="15000"/>
             </a:spcAft>
-            <a:buChar char="•"/>
+            <a:buChar char="••"/>
           </a:pPr>
           <a:r>
             <a:rPr lang="fr-FR" sz="1400" kern="1200" dirty="0"/>
@@ -15800,7 +16866,7 @@
         </a:bodyPr>
         <a:lstStyle/>
         <a:p>
-          <a:pPr marL="0" lvl="0" indent="0" algn="ctr" defTabSz="577850">
+          <a:pPr lvl="0" algn="ctr" defTabSz="577850">
             <a:lnSpc>
               <a:spcPct val="90000"/>
             </a:lnSpc>
@@ -15810,7 +16876,6 @@
             <a:spcAft>
               <a:spcPct val="35000"/>
             </a:spcAft>
-            <a:buNone/>
           </a:pPr>
           <a:endParaRPr lang="fr-FR" sz="1300" kern="1200"/>
         </a:p>
@@ -15884,7 +16949,7 @@
             <a:spcAft>
               <a:spcPct val="15000"/>
             </a:spcAft>
-            <a:buChar char="•"/>
+            <a:buChar char="••"/>
           </a:pPr>
           <a:r>
             <a:rPr lang="fr-FR" sz="1400" kern="1200" dirty="0"/>
@@ -15968,7 +17033,7 @@
         </a:bodyPr>
         <a:lstStyle/>
         <a:p>
-          <a:pPr marL="0" lvl="0" indent="0" algn="ctr" defTabSz="577850">
+          <a:pPr lvl="0" algn="ctr" defTabSz="577850">
             <a:lnSpc>
               <a:spcPct val="90000"/>
             </a:lnSpc>
@@ -15978,7 +17043,6 @@
             <a:spcAft>
               <a:spcPct val="35000"/>
             </a:spcAft>
-            <a:buNone/>
           </a:pPr>
           <a:r>
             <a:rPr lang="fr-FR" sz="1300" kern="1200" dirty="0"/>
@@ -16055,7 +17119,7 @@
             <a:spcAft>
               <a:spcPct val="15000"/>
             </a:spcAft>
-            <a:buChar char="•"/>
+            <a:buChar char="••"/>
           </a:pPr>
           <a:r>
             <a:rPr lang="fr-FR" sz="1400" kern="1200" dirty="0"/>
@@ -16125,7 +17189,7 @@
         </a:bodyPr>
         <a:lstStyle/>
         <a:p>
-          <a:pPr marL="0" lvl="0" indent="0" algn="ctr" defTabSz="577850">
+          <a:pPr lvl="0" algn="ctr" defTabSz="577850">
             <a:lnSpc>
               <a:spcPct val="90000"/>
             </a:lnSpc>
@@ -16135,7 +17199,6 @@
             <a:spcAft>
               <a:spcPct val="35000"/>
             </a:spcAft>
-            <a:buNone/>
           </a:pPr>
           <a:r>
             <a:rPr lang="fr-FR" sz="1300" kern="1200" dirty="0"/>
@@ -16212,7 +17275,7 @@
             <a:spcAft>
               <a:spcPct val="15000"/>
             </a:spcAft>
-            <a:buChar char="•"/>
+            <a:buChar char="••"/>
           </a:pPr>
           <a:r>
             <a:rPr lang="fr-FR" sz="1400" kern="1200" dirty="0"/>
@@ -16284,7 +17347,7 @@
         </a:bodyPr>
         <a:lstStyle/>
         <a:p>
-          <a:pPr marL="0" lvl="0" indent="0" algn="ctr" defTabSz="577850">
+          <a:pPr lvl="0" algn="ctr" defTabSz="577850">
             <a:lnSpc>
               <a:spcPct val="90000"/>
             </a:lnSpc>
@@ -16294,7 +17357,6 @@
             <a:spcAft>
               <a:spcPct val="35000"/>
             </a:spcAft>
-            <a:buNone/>
           </a:pPr>
           <a:r>
             <a:rPr lang="fr-FR" sz="1300" kern="1200" dirty="0"/>
@@ -16371,7 +17433,7 @@
             <a:spcAft>
               <a:spcPct val="15000"/>
             </a:spcAft>
-            <a:buChar char="•"/>
+            <a:buChar char="••"/>
           </a:pPr>
           <a:r>
             <a:rPr lang="fr-FR" sz="1400" kern="1200" dirty="0"/>
@@ -16443,7 +17505,7 @@
         </a:bodyPr>
         <a:lstStyle/>
         <a:p>
-          <a:pPr marL="0" lvl="0" indent="0" algn="ctr" defTabSz="577850">
+          <a:pPr lvl="0" algn="ctr" defTabSz="577850">
             <a:lnSpc>
               <a:spcPct val="90000"/>
             </a:lnSpc>
@@ -16453,7 +17515,6 @@
             <a:spcAft>
               <a:spcPct val="35000"/>
             </a:spcAft>
-            <a:buNone/>
           </a:pPr>
           <a:endParaRPr lang="fr-FR" sz="1300" kern="1200"/>
         </a:p>
@@ -16527,7 +17588,7 @@
             <a:spcAft>
               <a:spcPct val="15000"/>
             </a:spcAft>
-            <a:buChar char="•"/>
+            <a:buChar char="••"/>
           </a:pPr>
           <a:r>
             <a:rPr lang="fr-FR" sz="1400" kern="1200" dirty="0"/>
@@ -16599,7 +17660,7 @@
         </a:bodyPr>
         <a:lstStyle/>
         <a:p>
-          <a:pPr marL="0" lvl="0" indent="0" algn="ctr" defTabSz="577850">
+          <a:pPr lvl="0" algn="ctr" defTabSz="577850">
             <a:lnSpc>
               <a:spcPct val="90000"/>
             </a:lnSpc>
@@ -16609,7 +17670,6 @@
             <a:spcAft>
               <a:spcPct val="35000"/>
             </a:spcAft>
-            <a:buNone/>
           </a:pPr>
           <a:endParaRPr lang="fr-FR" sz="1300" kern="1200"/>
         </a:p>
@@ -16683,7 +17743,7 @@
             <a:spcAft>
               <a:spcPct val="15000"/>
             </a:spcAft>
-            <a:buChar char="•"/>
+            <a:buChar char="••"/>
           </a:pPr>
           <a:r>
             <a:rPr lang="fr-FR" sz="1400" kern="1200" dirty="0"/>
@@ -16755,7 +17815,7 @@
         </a:bodyPr>
         <a:lstStyle/>
         <a:p>
-          <a:pPr marL="0" lvl="0" indent="0" algn="ctr" defTabSz="577850">
+          <a:pPr lvl="0" algn="ctr" defTabSz="577850">
             <a:lnSpc>
               <a:spcPct val="90000"/>
             </a:lnSpc>
@@ -16765,7 +17825,6 @@
             <a:spcAft>
               <a:spcPct val="35000"/>
             </a:spcAft>
-            <a:buNone/>
           </a:pPr>
           <a:endParaRPr lang="fr-FR" sz="1300" kern="1200"/>
         </a:p>
@@ -16839,7 +17898,7 @@
             <a:spcAft>
               <a:spcPct val="15000"/>
             </a:spcAft>
-            <a:buChar char="•"/>
+            <a:buChar char="••"/>
           </a:pPr>
           <a:r>
             <a:rPr lang="fr-FR" sz="1400" kern="1200" dirty="0"/>
@@ -16911,7 +17970,7 @@
         </a:bodyPr>
         <a:lstStyle/>
         <a:p>
-          <a:pPr marL="0" lvl="0" indent="0" algn="ctr" defTabSz="577850">
+          <a:pPr lvl="0" algn="ctr" defTabSz="577850">
             <a:lnSpc>
               <a:spcPct val="90000"/>
             </a:lnSpc>
@@ -16921,7 +17980,6 @@
             <a:spcAft>
               <a:spcPct val="35000"/>
             </a:spcAft>
-            <a:buNone/>
           </a:pPr>
           <a:endParaRPr lang="fr-FR" sz="1300" kern="1200"/>
         </a:p>
@@ -16995,7 +18053,7 @@
             <a:spcAft>
               <a:spcPct val="15000"/>
             </a:spcAft>
-            <a:buChar char="•"/>
+            <a:buChar char="••"/>
           </a:pPr>
           <a:r>
             <a:rPr lang="fr-FR" sz="1400" kern="1200" dirty="0"/>
@@ -17067,7 +18125,7 @@
         </a:bodyPr>
         <a:lstStyle/>
         <a:p>
-          <a:pPr marL="0" lvl="0" indent="0" algn="ctr" defTabSz="577850">
+          <a:pPr lvl="0" algn="ctr" defTabSz="577850">
             <a:lnSpc>
               <a:spcPct val="90000"/>
             </a:lnSpc>
@@ -17077,7 +18135,6 @@
             <a:spcAft>
               <a:spcPct val="35000"/>
             </a:spcAft>
-            <a:buNone/>
           </a:pPr>
           <a:endParaRPr lang="fr-FR" sz="1300" kern="1200"/>
         </a:p>
@@ -17151,7 +18208,7 @@
             <a:spcAft>
               <a:spcPct val="15000"/>
             </a:spcAft>
-            <a:buChar char="•"/>
+            <a:buChar char="••"/>
           </a:pPr>
           <a:r>
             <a:rPr lang="fr-FR" sz="1400" kern="1200" dirty="0"/>
@@ -17235,7 +18292,7 @@
         </a:bodyPr>
         <a:lstStyle/>
         <a:p>
-          <a:pPr marL="0" lvl="0" indent="0" algn="ctr" defTabSz="577850">
+          <a:pPr lvl="0" algn="ctr" defTabSz="577850">
             <a:lnSpc>
               <a:spcPct val="90000"/>
             </a:lnSpc>
@@ -17245,7 +18302,6 @@
             <a:spcAft>
               <a:spcPct val="35000"/>
             </a:spcAft>
-            <a:buNone/>
           </a:pPr>
           <a:r>
             <a:rPr lang="fr-FR" sz="1300" kern="1200" dirty="0"/>
@@ -17322,7 +18378,7 @@
             <a:spcAft>
               <a:spcPct val="15000"/>
             </a:spcAft>
-            <a:buChar char="•"/>
+            <a:buChar char="••"/>
           </a:pPr>
           <a:r>
             <a:rPr lang="fr-FR" sz="1400" kern="1200" dirty="0"/>
@@ -17394,7 +18450,7 @@
         </a:bodyPr>
         <a:lstStyle/>
         <a:p>
-          <a:pPr marL="0" lvl="0" indent="0" algn="ctr" defTabSz="577850">
+          <a:pPr lvl="0" algn="ctr" defTabSz="577850">
             <a:lnSpc>
               <a:spcPct val="90000"/>
             </a:lnSpc>
@@ -17404,7 +18460,6 @@
             <a:spcAft>
               <a:spcPct val="35000"/>
             </a:spcAft>
-            <a:buNone/>
           </a:pPr>
           <a:r>
             <a:rPr lang="fr-FR" sz="1300" kern="1200" dirty="0"/>
@@ -17481,7 +18536,7 @@
             <a:spcAft>
               <a:spcPct val="15000"/>
             </a:spcAft>
-            <a:buChar char="•"/>
+            <a:buChar char="••"/>
           </a:pPr>
           <a:r>
             <a:rPr lang="fr-FR" sz="1400" kern="1200" dirty="0"/>
@@ -17551,7 +18606,7 @@
         </a:bodyPr>
         <a:lstStyle/>
         <a:p>
-          <a:pPr marL="0" lvl="0" indent="0" algn="ctr" defTabSz="577850">
+          <a:pPr lvl="0" algn="ctr" defTabSz="577850">
             <a:lnSpc>
               <a:spcPct val="90000"/>
             </a:lnSpc>
@@ -17561,7 +18616,6 @@
             <a:spcAft>
               <a:spcPct val="35000"/>
             </a:spcAft>
-            <a:buNone/>
           </a:pPr>
           <a:r>
             <a:rPr lang="fr-FR" sz="1300" kern="1200" dirty="0"/>
@@ -17638,7 +18692,7 @@
             <a:spcAft>
               <a:spcPct val="15000"/>
             </a:spcAft>
-            <a:buChar char="•"/>
+            <a:buChar char="••"/>
           </a:pPr>
           <a:r>
             <a:rPr lang="fr-FR" sz="1400" kern="1200" dirty="0"/>
@@ -17710,7 +18764,7 @@
         </a:bodyPr>
         <a:lstStyle/>
         <a:p>
-          <a:pPr marL="0" lvl="0" indent="0" algn="ctr" defTabSz="577850">
+          <a:pPr lvl="0" algn="ctr" defTabSz="577850">
             <a:lnSpc>
               <a:spcPct val="90000"/>
             </a:lnSpc>
@@ -17720,7 +18774,6 @@
             <a:spcAft>
               <a:spcPct val="35000"/>
             </a:spcAft>
-            <a:buNone/>
           </a:pPr>
           <a:endParaRPr lang="fr-FR" sz="1300" kern="1200"/>
         </a:p>
@@ -17794,7 +18847,7 @@
             <a:spcAft>
               <a:spcPct val="15000"/>
             </a:spcAft>
-            <a:buChar char="•"/>
+            <a:buChar char="••"/>
           </a:pPr>
           <a:r>
             <a:rPr lang="fr-FR" sz="1400" kern="1200" dirty="0"/>
@@ -17866,7 +18919,7 @@
         </a:bodyPr>
         <a:lstStyle/>
         <a:p>
-          <a:pPr marL="0" lvl="0" indent="0" algn="ctr" defTabSz="577850">
+          <a:pPr lvl="0" algn="ctr" defTabSz="577850">
             <a:lnSpc>
               <a:spcPct val="90000"/>
             </a:lnSpc>
@@ -17876,7 +18929,6 @@
             <a:spcAft>
               <a:spcPct val="35000"/>
             </a:spcAft>
-            <a:buNone/>
           </a:pPr>
           <a:endParaRPr lang="fr-FR" sz="1300" kern="1200"/>
         </a:p>
@@ -17950,7 +19002,7 @@
             <a:spcAft>
               <a:spcPct val="15000"/>
             </a:spcAft>
-            <a:buChar char="•"/>
+            <a:buChar char="••"/>
           </a:pPr>
           <a:r>
             <a:rPr lang="fr-FR" sz="1400" kern="1200" dirty="0"/>
@@ -18022,7 +19074,7 @@
         </a:bodyPr>
         <a:lstStyle/>
         <a:p>
-          <a:pPr marL="0" lvl="0" indent="0" algn="ctr" defTabSz="577850">
+          <a:pPr lvl="0" algn="ctr" defTabSz="577850">
             <a:lnSpc>
               <a:spcPct val="90000"/>
             </a:lnSpc>
@@ -18032,7 +19084,6 @@
             <a:spcAft>
               <a:spcPct val="35000"/>
             </a:spcAft>
-            <a:buNone/>
           </a:pPr>
           <a:endParaRPr lang="fr-FR" sz="1300" kern="1200"/>
         </a:p>
@@ -18106,7 +19157,7 @@
             <a:spcAft>
               <a:spcPct val="15000"/>
             </a:spcAft>
-            <a:buChar char="•"/>
+            <a:buChar char="••"/>
           </a:pPr>
           <a:r>
             <a:rPr lang="fr-FR" sz="1400" kern="1200" dirty="0"/>
@@ -18178,7 +19229,7 @@
         </a:bodyPr>
         <a:lstStyle/>
         <a:p>
-          <a:pPr marL="0" lvl="0" indent="0" algn="ctr" defTabSz="577850">
+          <a:pPr lvl="0" algn="ctr" defTabSz="577850">
             <a:lnSpc>
               <a:spcPct val="90000"/>
             </a:lnSpc>
@@ -18188,7 +19239,6 @@
             <a:spcAft>
               <a:spcPct val="35000"/>
             </a:spcAft>
-            <a:buNone/>
           </a:pPr>
           <a:endParaRPr lang="fr-FR" sz="1300" kern="1200"/>
         </a:p>
@@ -18262,7 +19312,7 @@
             <a:spcAft>
               <a:spcPct val="15000"/>
             </a:spcAft>
-            <a:buChar char="•"/>
+            <a:buChar char="••"/>
           </a:pPr>
           <a:r>
             <a:rPr lang="fr-FR" sz="1400" kern="1200" dirty="0"/>
@@ -18334,7 +19384,7 @@
         </a:bodyPr>
         <a:lstStyle/>
         <a:p>
-          <a:pPr marL="0" lvl="0" indent="0" algn="ctr" defTabSz="577850">
+          <a:pPr lvl="0" algn="ctr" defTabSz="577850">
             <a:lnSpc>
               <a:spcPct val="90000"/>
             </a:lnSpc>
@@ -18344,7 +19394,6 @@
             <a:spcAft>
               <a:spcPct val="35000"/>
             </a:spcAft>
-            <a:buNone/>
           </a:pPr>
           <a:endParaRPr lang="fr-FR" sz="1300" kern="1200"/>
         </a:p>
@@ -18418,7 +19467,7 @@
             <a:spcAft>
               <a:spcPct val="15000"/>
             </a:spcAft>
-            <a:buChar char="•"/>
+            <a:buChar char="••"/>
           </a:pPr>
           <a:r>
             <a:rPr lang="fr-FR" sz="1400" kern="1200" dirty="0"/>
@@ -18502,7 +19551,7 @@
         </a:bodyPr>
         <a:lstStyle/>
         <a:p>
-          <a:pPr marL="0" lvl="0" indent="0" algn="ctr" defTabSz="577850">
+          <a:pPr lvl="0" algn="ctr" defTabSz="577850">
             <a:lnSpc>
               <a:spcPct val="90000"/>
             </a:lnSpc>
@@ -18512,7 +19561,6 @@
             <a:spcAft>
               <a:spcPct val="35000"/>
             </a:spcAft>
-            <a:buNone/>
           </a:pPr>
           <a:r>
             <a:rPr lang="fr-FR" sz="1300" kern="1200" dirty="0"/>
@@ -18589,7 +19637,7 @@
             <a:spcAft>
               <a:spcPct val="15000"/>
             </a:spcAft>
-            <a:buChar char="•"/>
+            <a:buChar char="••"/>
           </a:pPr>
           <a:r>
             <a:rPr lang="fr-FR" sz="1400" kern="1200" dirty="0"/>
@@ -18661,7 +19709,7 @@
         </a:bodyPr>
         <a:lstStyle/>
         <a:p>
-          <a:pPr marL="0" lvl="0" indent="0" algn="ctr" defTabSz="577850">
+          <a:pPr lvl="0" algn="ctr" defTabSz="577850">
             <a:lnSpc>
               <a:spcPct val="90000"/>
             </a:lnSpc>
@@ -18671,7 +19719,6 @@
             <a:spcAft>
               <a:spcPct val="35000"/>
             </a:spcAft>
-            <a:buNone/>
           </a:pPr>
           <a:r>
             <a:rPr lang="fr-FR" sz="1300" kern="1200" dirty="0"/>
@@ -18748,7 +19795,7 @@
             <a:spcAft>
               <a:spcPct val="15000"/>
             </a:spcAft>
-            <a:buChar char="•"/>
+            <a:buChar char="••"/>
           </a:pPr>
           <a:r>
             <a:rPr lang="fr-FR" sz="1400" kern="1200" dirty="0"/>
@@ -18820,7 +19867,7 @@
         </a:bodyPr>
         <a:lstStyle/>
         <a:p>
-          <a:pPr marL="0" lvl="0" indent="0" algn="ctr" defTabSz="577850">
+          <a:pPr lvl="0" algn="ctr" defTabSz="577850">
             <a:lnSpc>
               <a:spcPct val="90000"/>
             </a:lnSpc>
@@ -18830,7 +19877,6 @@
             <a:spcAft>
               <a:spcPct val="35000"/>
             </a:spcAft>
-            <a:buNone/>
           </a:pPr>
           <a:r>
             <a:rPr lang="fr-FR" sz="1300" kern="1200" dirty="0"/>
@@ -18907,7 +19953,7 @@
             <a:spcAft>
               <a:spcPct val="15000"/>
             </a:spcAft>
-            <a:buChar char="•"/>
+            <a:buChar char="••"/>
           </a:pPr>
           <a:r>
             <a:rPr lang="fr-FR" sz="1400" kern="1200" dirty="0"/>
@@ -18977,7 +20023,7 @@
         </a:bodyPr>
         <a:lstStyle/>
         <a:p>
-          <a:pPr marL="0" lvl="0" indent="0" algn="ctr" defTabSz="577850">
+          <a:pPr lvl="0" algn="ctr" defTabSz="577850">
             <a:lnSpc>
               <a:spcPct val="90000"/>
             </a:lnSpc>
@@ -18987,7 +20033,6 @@
             <a:spcAft>
               <a:spcPct val="35000"/>
             </a:spcAft>
-            <a:buNone/>
           </a:pPr>
           <a:endParaRPr lang="fr-FR" sz="1300" kern="1200"/>
         </a:p>
@@ -19061,7 +20106,7 @@
             <a:spcAft>
               <a:spcPct val="15000"/>
             </a:spcAft>
-            <a:buChar char="•"/>
+            <a:buChar char="••"/>
           </a:pPr>
           <a:r>
             <a:rPr lang="fr-FR" sz="1400" kern="1200" dirty="0"/>
@@ -19133,7 +20178,7 @@
         </a:bodyPr>
         <a:lstStyle/>
         <a:p>
-          <a:pPr marL="0" lvl="0" indent="0" algn="ctr" defTabSz="577850">
+          <a:pPr lvl="0" algn="ctr" defTabSz="577850">
             <a:lnSpc>
               <a:spcPct val="90000"/>
             </a:lnSpc>
@@ -19143,7 +20188,6 @@
             <a:spcAft>
               <a:spcPct val="35000"/>
             </a:spcAft>
-            <a:buNone/>
           </a:pPr>
           <a:endParaRPr lang="fr-FR" sz="1300" kern="1200"/>
         </a:p>
@@ -19217,7 +20261,7 @@
             <a:spcAft>
               <a:spcPct val="15000"/>
             </a:spcAft>
-            <a:buChar char="•"/>
+            <a:buChar char="••"/>
           </a:pPr>
           <a:r>
             <a:rPr lang="fr-FR" sz="1400" kern="1200" dirty="0"/>
@@ -19289,7 +20333,7 @@
         </a:bodyPr>
         <a:lstStyle/>
         <a:p>
-          <a:pPr marL="0" lvl="0" indent="0" algn="ctr" defTabSz="577850">
+          <a:pPr lvl="0" algn="ctr" defTabSz="577850">
             <a:lnSpc>
               <a:spcPct val="90000"/>
             </a:lnSpc>
@@ -19299,7 +20343,6 @@
             <a:spcAft>
               <a:spcPct val="35000"/>
             </a:spcAft>
-            <a:buNone/>
           </a:pPr>
           <a:endParaRPr lang="fr-FR" sz="1300" kern="1200"/>
         </a:p>
@@ -19373,7 +20416,7 @@
             <a:spcAft>
               <a:spcPct val="15000"/>
             </a:spcAft>
-            <a:buChar char="•"/>
+            <a:buChar char="••"/>
           </a:pPr>
           <a:r>
             <a:rPr lang="fr-FR" sz="1400" kern="1200" dirty="0"/>
@@ -19445,7 +20488,7 @@
         </a:bodyPr>
         <a:lstStyle/>
         <a:p>
-          <a:pPr marL="0" lvl="0" indent="0" algn="ctr" defTabSz="577850">
+          <a:pPr lvl="0" algn="ctr" defTabSz="577850">
             <a:lnSpc>
               <a:spcPct val="90000"/>
             </a:lnSpc>
@@ -19455,7 +20498,6 @@
             <a:spcAft>
               <a:spcPct val="35000"/>
             </a:spcAft>
-            <a:buNone/>
           </a:pPr>
           <a:endParaRPr lang="fr-FR" sz="1300" kern="1200"/>
         </a:p>
@@ -19529,7 +20571,7 @@
             <a:spcAft>
               <a:spcPct val="15000"/>
             </a:spcAft>
-            <a:buChar char="•"/>
+            <a:buChar char="••"/>
           </a:pPr>
           <a:r>
             <a:rPr lang="fr-FR" sz="1400" kern="1200" dirty="0"/>
@@ -19601,7 +20643,7 @@
         </a:bodyPr>
         <a:lstStyle/>
         <a:p>
-          <a:pPr marL="0" lvl="0" indent="0" algn="ctr" defTabSz="577850">
+          <a:pPr lvl="0" algn="ctr" defTabSz="577850">
             <a:lnSpc>
               <a:spcPct val="90000"/>
             </a:lnSpc>
@@ -19611,7 +20653,6 @@
             <a:spcAft>
               <a:spcPct val="35000"/>
             </a:spcAft>
-            <a:buNone/>
           </a:pPr>
           <a:endParaRPr lang="fr-FR" sz="1300" kern="1200"/>
         </a:p>
@@ -19685,7 +20726,7 @@
             <a:spcAft>
               <a:spcPct val="15000"/>
             </a:spcAft>
-            <a:buChar char="•"/>
+            <a:buChar char="••"/>
           </a:pPr>
           <a:r>
             <a:rPr lang="fr-FR" sz="1400" kern="1200" dirty="0"/>
@@ -19769,7 +20810,7 @@
         </a:bodyPr>
         <a:lstStyle/>
         <a:p>
-          <a:pPr marL="0" lvl="0" indent="0" algn="ctr" defTabSz="577850">
+          <a:pPr lvl="0" algn="ctr" defTabSz="577850">
             <a:lnSpc>
               <a:spcPct val="90000"/>
             </a:lnSpc>
@@ -19779,7 +20820,6 @@
             <a:spcAft>
               <a:spcPct val="35000"/>
             </a:spcAft>
-            <a:buNone/>
           </a:pPr>
           <a:r>
             <a:rPr lang="fr-FR" sz="1300" kern="1200" dirty="0"/>
@@ -19856,7 +20896,7 @@
             <a:spcAft>
               <a:spcPct val="15000"/>
             </a:spcAft>
-            <a:buChar char="•"/>
+            <a:buChar char="••"/>
           </a:pPr>
           <a:r>
             <a:rPr lang="fr-FR" sz="1400" kern="1200" dirty="0"/>
@@ -19928,7 +20968,7 @@
         </a:bodyPr>
         <a:lstStyle/>
         <a:p>
-          <a:pPr marL="0" lvl="0" indent="0" algn="ctr" defTabSz="577850">
+          <a:pPr lvl="0" algn="ctr" defTabSz="577850">
             <a:lnSpc>
               <a:spcPct val="90000"/>
             </a:lnSpc>
@@ -19938,7 +20978,6 @@
             <a:spcAft>
               <a:spcPct val="35000"/>
             </a:spcAft>
-            <a:buNone/>
           </a:pPr>
           <a:r>
             <a:rPr lang="fr-FR" sz="1300" kern="1200" dirty="0"/>
@@ -20015,7 +21054,7 @@
             <a:spcAft>
               <a:spcPct val="15000"/>
             </a:spcAft>
-            <a:buChar char="•"/>
+            <a:buChar char="••"/>
           </a:pPr>
           <a:r>
             <a:rPr lang="fr-FR" sz="1400" kern="1200" dirty="0"/>
@@ -20087,7 +21126,7 @@
         </a:bodyPr>
         <a:lstStyle/>
         <a:p>
-          <a:pPr marL="0" lvl="0" indent="0" algn="ctr" defTabSz="577850">
+          <a:pPr lvl="0" algn="ctr" defTabSz="577850">
             <a:lnSpc>
               <a:spcPct val="90000"/>
             </a:lnSpc>
@@ -20097,7 +21136,6 @@
             <a:spcAft>
               <a:spcPct val="35000"/>
             </a:spcAft>
-            <a:buNone/>
           </a:pPr>
           <a:r>
             <a:rPr lang="fr-FR" sz="1300" kern="1200" dirty="0"/>
@@ -20174,7 +21212,7 @@
             <a:spcAft>
               <a:spcPct val="15000"/>
             </a:spcAft>
-            <a:buChar char="•"/>
+            <a:buChar char="••"/>
           </a:pPr>
           <a:r>
             <a:rPr lang="fr-FR" sz="1400" kern="1200" dirty="0"/>
@@ -20246,7 +21284,7 @@
         </a:bodyPr>
         <a:lstStyle/>
         <a:p>
-          <a:pPr marL="0" lvl="0" indent="0" algn="ctr" defTabSz="577850">
+          <a:pPr lvl="0" algn="ctr" defTabSz="577850">
             <a:lnSpc>
               <a:spcPct val="90000"/>
             </a:lnSpc>
@@ -20256,7 +21294,6 @@
             <a:spcAft>
               <a:spcPct val="35000"/>
             </a:spcAft>
-            <a:buNone/>
           </a:pPr>
           <a:endParaRPr lang="fr-FR" sz="1300" kern="1200"/>
         </a:p>
@@ -20330,7 +21367,7 @@
             <a:spcAft>
               <a:spcPct val="15000"/>
             </a:spcAft>
-            <a:buChar char="•"/>
+            <a:buChar char="••"/>
           </a:pPr>
           <a:r>
             <a:rPr lang="fr-FR" sz="1400" kern="1200" dirty="0"/>
@@ -20400,7 +21437,7 @@
         </a:bodyPr>
         <a:lstStyle/>
         <a:p>
-          <a:pPr marL="0" lvl="0" indent="0" algn="ctr" defTabSz="577850">
+          <a:pPr lvl="0" algn="ctr" defTabSz="577850">
             <a:lnSpc>
               <a:spcPct val="90000"/>
             </a:lnSpc>
@@ -20410,7 +21447,6 @@
             <a:spcAft>
               <a:spcPct val="35000"/>
             </a:spcAft>
-            <a:buNone/>
           </a:pPr>
           <a:endParaRPr lang="fr-FR" sz="1300" kern="1200"/>
         </a:p>
@@ -20484,7 +21520,7 @@
             <a:spcAft>
               <a:spcPct val="15000"/>
             </a:spcAft>
-            <a:buChar char="•"/>
+            <a:buChar char="••"/>
           </a:pPr>
           <a:r>
             <a:rPr lang="fr-FR" sz="1400" kern="1200" dirty="0"/>
@@ -20556,7 +21592,7 @@
         </a:bodyPr>
         <a:lstStyle/>
         <a:p>
-          <a:pPr marL="0" lvl="0" indent="0" algn="ctr" defTabSz="577850">
+          <a:pPr lvl="0" algn="ctr" defTabSz="577850">
             <a:lnSpc>
               <a:spcPct val="90000"/>
             </a:lnSpc>
@@ -20566,7 +21602,6 @@
             <a:spcAft>
               <a:spcPct val="35000"/>
             </a:spcAft>
-            <a:buNone/>
           </a:pPr>
           <a:endParaRPr lang="fr-FR" sz="1300" kern="1200"/>
         </a:p>
@@ -20640,7 +21675,7 @@
             <a:spcAft>
               <a:spcPct val="15000"/>
             </a:spcAft>
-            <a:buChar char="•"/>
+            <a:buChar char="••"/>
           </a:pPr>
           <a:r>
             <a:rPr lang="fr-FR" sz="1400" kern="1200" dirty="0"/>
@@ -20712,7 +21747,7 @@
         </a:bodyPr>
         <a:lstStyle/>
         <a:p>
-          <a:pPr marL="0" lvl="0" indent="0" algn="ctr" defTabSz="577850">
+          <a:pPr lvl="0" algn="ctr" defTabSz="577850">
             <a:lnSpc>
               <a:spcPct val="90000"/>
             </a:lnSpc>
@@ -20722,7 +21757,6 @@
             <a:spcAft>
               <a:spcPct val="35000"/>
             </a:spcAft>
-            <a:buNone/>
           </a:pPr>
           <a:endParaRPr lang="fr-FR" sz="1300" kern="1200"/>
         </a:p>
@@ -20796,7 +21830,7 @@
             <a:spcAft>
               <a:spcPct val="15000"/>
             </a:spcAft>
-            <a:buChar char="•"/>
+            <a:buChar char="••"/>
           </a:pPr>
           <a:r>
             <a:rPr lang="fr-FR" sz="1400" kern="1200" dirty="0"/>
@@ -20868,7 +21902,7 @@
         </a:bodyPr>
         <a:lstStyle/>
         <a:p>
-          <a:pPr marL="0" lvl="0" indent="0" algn="ctr" defTabSz="577850">
+          <a:pPr lvl="0" algn="ctr" defTabSz="577850">
             <a:lnSpc>
               <a:spcPct val="90000"/>
             </a:lnSpc>
@@ -20878,7 +21912,6 @@
             <a:spcAft>
               <a:spcPct val="35000"/>
             </a:spcAft>
-            <a:buNone/>
           </a:pPr>
           <a:endParaRPr lang="fr-FR" sz="1300" kern="1200"/>
         </a:p>
@@ -20952,7 +21985,7 @@
             <a:spcAft>
               <a:spcPct val="15000"/>
             </a:spcAft>
-            <a:buChar char="•"/>
+            <a:buChar char="••"/>
           </a:pPr>
           <a:r>
             <a:rPr lang="fr-FR" sz="1400" kern="1200" dirty="0"/>
@@ -21036,7 +22069,7 @@
         </a:bodyPr>
         <a:lstStyle/>
         <a:p>
-          <a:pPr marL="0" lvl="0" indent="0" algn="ctr" defTabSz="577850">
+          <a:pPr lvl="0" algn="ctr" defTabSz="577850">
             <a:lnSpc>
               <a:spcPct val="90000"/>
             </a:lnSpc>
@@ -21046,7 +22079,6 @@
             <a:spcAft>
               <a:spcPct val="35000"/>
             </a:spcAft>
-            <a:buNone/>
           </a:pPr>
           <a:r>
             <a:rPr lang="fr-FR" sz="1300" kern="1200" dirty="0"/>
@@ -21123,7 +22155,7 @@
             <a:spcAft>
               <a:spcPct val="15000"/>
             </a:spcAft>
-            <a:buChar char="•"/>
+            <a:buChar char="••"/>
           </a:pPr>
           <a:r>
             <a:rPr lang="fr-FR" sz="1400" kern="1200" dirty="0"/>
@@ -21195,7 +22227,7 @@
         </a:bodyPr>
         <a:lstStyle/>
         <a:p>
-          <a:pPr marL="0" lvl="0" indent="0" algn="ctr" defTabSz="577850">
+          <a:pPr lvl="0" algn="ctr" defTabSz="577850">
             <a:lnSpc>
               <a:spcPct val="90000"/>
             </a:lnSpc>
@@ -21205,7 +22237,6 @@
             <a:spcAft>
               <a:spcPct val="35000"/>
             </a:spcAft>
-            <a:buNone/>
           </a:pPr>
           <a:r>
             <a:rPr lang="fr-FR" sz="1300" kern="1200" dirty="0"/>
@@ -21282,7 +22313,7 @@
             <a:spcAft>
               <a:spcPct val="15000"/>
             </a:spcAft>
-            <a:buChar char="•"/>
+            <a:buChar char="••"/>
           </a:pPr>
           <a:r>
             <a:rPr lang="fr-FR" sz="1400" kern="1200" dirty="0"/>
@@ -21354,7 +22385,7 @@
         </a:bodyPr>
         <a:lstStyle/>
         <a:p>
-          <a:pPr marL="0" lvl="0" indent="0" algn="ctr" defTabSz="577850">
+          <a:pPr lvl="0" algn="ctr" defTabSz="577850">
             <a:lnSpc>
               <a:spcPct val="90000"/>
             </a:lnSpc>
@@ -21364,7 +22395,6 @@
             <a:spcAft>
               <a:spcPct val="35000"/>
             </a:spcAft>
-            <a:buNone/>
           </a:pPr>
           <a:r>
             <a:rPr lang="fr-FR" sz="1300" kern="1200" dirty="0"/>
@@ -21441,7 +22471,7 @@
             <a:spcAft>
               <a:spcPct val="15000"/>
             </a:spcAft>
-            <a:buChar char="•"/>
+            <a:buChar char="••"/>
           </a:pPr>
           <a:r>
             <a:rPr lang="fr-FR" sz="1400" kern="1200" dirty="0"/>
@@ -21513,7 +22543,7 @@
         </a:bodyPr>
         <a:lstStyle/>
         <a:p>
-          <a:pPr marL="0" lvl="0" indent="0" algn="ctr" defTabSz="577850">
+          <a:pPr lvl="0" algn="ctr" defTabSz="577850">
             <a:lnSpc>
               <a:spcPct val="90000"/>
             </a:lnSpc>
@@ -21523,7 +22553,6 @@
             <a:spcAft>
               <a:spcPct val="35000"/>
             </a:spcAft>
-            <a:buNone/>
           </a:pPr>
           <a:endParaRPr lang="fr-FR" sz="1300" kern="1200"/>
         </a:p>
@@ -21597,7 +22626,7 @@
             <a:spcAft>
               <a:spcPct val="15000"/>
             </a:spcAft>
-            <a:buChar char="•"/>
+            <a:buChar char="••"/>
           </a:pPr>
           <a:r>
             <a:rPr lang="fr-FR" sz="1400" kern="1200" dirty="0"/>
@@ -21667,7 +22696,7 @@
         </a:bodyPr>
         <a:lstStyle/>
         <a:p>
-          <a:pPr marL="0" lvl="0" indent="0" algn="ctr" defTabSz="577850">
+          <a:pPr lvl="0" algn="ctr" defTabSz="577850">
             <a:lnSpc>
               <a:spcPct val="90000"/>
             </a:lnSpc>
@@ -21677,7 +22706,6 @@
             <a:spcAft>
               <a:spcPct val="35000"/>
             </a:spcAft>
-            <a:buNone/>
           </a:pPr>
           <a:endParaRPr lang="fr-FR" sz="1300" kern="1200"/>
         </a:p>
@@ -21751,7 +22779,7 @@
             <a:spcAft>
               <a:spcPct val="15000"/>
             </a:spcAft>
-            <a:buChar char="•"/>
+            <a:buChar char="••"/>
           </a:pPr>
           <a:r>
             <a:rPr lang="fr-FR" sz="1400" kern="1200" dirty="0"/>
@@ -21823,7 +22851,7 @@
         </a:bodyPr>
         <a:lstStyle/>
         <a:p>
-          <a:pPr marL="0" lvl="0" indent="0" algn="ctr" defTabSz="577850">
+          <a:pPr lvl="0" algn="ctr" defTabSz="577850">
             <a:lnSpc>
               <a:spcPct val="90000"/>
             </a:lnSpc>
@@ -21833,7 +22861,6 @@
             <a:spcAft>
               <a:spcPct val="35000"/>
             </a:spcAft>
-            <a:buNone/>
           </a:pPr>
           <a:endParaRPr lang="fr-FR" sz="1300" kern="1200"/>
         </a:p>
@@ -21907,7 +22934,7 @@
             <a:spcAft>
               <a:spcPct val="15000"/>
             </a:spcAft>
-            <a:buChar char="•"/>
+            <a:buChar char="••"/>
           </a:pPr>
           <a:r>
             <a:rPr lang="fr-FR" sz="1400" kern="1200" dirty="0"/>
@@ -21979,7 +23006,7 @@
         </a:bodyPr>
         <a:lstStyle/>
         <a:p>
-          <a:pPr marL="0" lvl="0" indent="0" algn="ctr" defTabSz="577850">
+          <a:pPr lvl="0" algn="ctr" defTabSz="577850">
             <a:lnSpc>
               <a:spcPct val="90000"/>
             </a:lnSpc>
@@ -21989,7 +23016,6 @@
             <a:spcAft>
               <a:spcPct val="35000"/>
             </a:spcAft>
-            <a:buNone/>
           </a:pPr>
           <a:endParaRPr lang="fr-FR" sz="1300" kern="1200"/>
         </a:p>
@@ -22063,7 +23089,7 @@
             <a:spcAft>
               <a:spcPct val="15000"/>
             </a:spcAft>
-            <a:buChar char="•"/>
+            <a:buChar char="••"/>
           </a:pPr>
           <a:r>
             <a:rPr lang="fr-FR" sz="1400" kern="1200" dirty="0"/>
@@ -22135,7 +23161,7 @@
         </a:bodyPr>
         <a:lstStyle/>
         <a:p>
-          <a:pPr marL="0" lvl="0" indent="0" algn="ctr" defTabSz="577850">
+          <a:pPr lvl="0" algn="ctr" defTabSz="577850">
             <a:lnSpc>
               <a:spcPct val="90000"/>
             </a:lnSpc>
@@ -22145,7 +23171,6 @@
             <a:spcAft>
               <a:spcPct val="35000"/>
             </a:spcAft>
-            <a:buNone/>
           </a:pPr>
           <a:endParaRPr lang="fr-FR" sz="1300" kern="1200"/>
         </a:p>
@@ -22219,7 +23244,7 @@
             <a:spcAft>
               <a:spcPct val="15000"/>
             </a:spcAft>
-            <a:buChar char="•"/>
+            <a:buChar char="••"/>
           </a:pPr>
           <a:r>
             <a:rPr lang="fr-FR" sz="1400" kern="1200" dirty="0"/>
@@ -22303,7 +23328,7 @@
         </a:bodyPr>
         <a:lstStyle/>
         <a:p>
-          <a:pPr marL="0" lvl="0" indent="0" algn="ctr" defTabSz="577850">
+          <a:pPr lvl="0" algn="ctr" defTabSz="577850">
             <a:lnSpc>
               <a:spcPct val="90000"/>
             </a:lnSpc>
@@ -22313,7 +23338,6 @@
             <a:spcAft>
               <a:spcPct val="35000"/>
             </a:spcAft>
-            <a:buNone/>
           </a:pPr>
           <a:r>
             <a:rPr lang="fr-FR" sz="1300" kern="1200" dirty="0"/>
@@ -22390,7 +23414,7 @@
             <a:spcAft>
               <a:spcPct val="15000"/>
             </a:spcAft>
-            <a:buChar char="•"/>
+            <a:buChar char="••"/>
           </a:pPr>
           <a:r>
             <a:rPr lang="fr-FR" sz="1400" kern="1200" dirty="0"/>
@@ -22462,7 +23486,7 @@
         </a:bodyPr>
         <a:lstStyle/>
         <a:p>
-          <a:pPr marL="0" lvl="0" indent="0" algn="ctr" defTabSz="577850">
+          <a:pPr lvl="0" algn="ctr" defTabSz="577850">
             <a:lnSpc>
               <a:spcPct val="90000"/>
             </a:lnSpc>
@@ -22472,7 +23496,6 @@
             <a:spcAft>
               <a:spcPct val="35000"/>
             </a:spcAft>
-            <a:buNone/>
           </a:pPr>
           <a:r>
             <a:rPr lang="fr-FR" sz="1300" kern="1200" dirty="0"/>
@@ -22549,7 +23572,7 @@
             <a:spcAft>
               <a:spcPct val="15000"/>
             </a:spcAft>
-            <a:buChar char="•"/>
+            <a:buChar char="••"/>
           </a:pPr>
           <a:r>
             <a:rPr lang="fr-FR" sz="1400" kern="1200" dirty="0"/>
@@ -22621,7 +23644,7 @@
         </a:bodyPr>
         <a:lstStyle/>
         <a:p>
-          <a:pPr marL="0" lvl="0" indent="0" algn="ctr" defTabSz="577850">
+          <a:pPr lvl="0" algn="ctr" defTabSz="577850">
             <a:lnSpc>
               <a:spcPct val="90000"/>
             </a:lnSpc>
@@ -22631,7 +23654,6 @@
             <a:spcAft>
               <a:spcPct val="35000"/>
             </a:spcAft>
-            <a:buNone/>
           </a:pPr>
           <a:r>
             <a:rPr lang="fr-FR" sz="1300" kern="1200" dirty="0"/>
@@ -22708,7 +23730,7 @@
             <a:spcAft>
               <a:spcPct val="15000"/>
             </a:spcAft>
-            <a:buChar char="•"/>
+            <a:buChar char="••"/>
           </a:pPr>
           <a:r>
             <a:rPr lang="fr-FR" sz="1400" kern="1200" dirty="0"/>
@@ -22780,7 +23802,7 @@
         </a:bodyPr>
         <a:lstStyle/>
         <a:p>
-          <a:pPr marL="0" lvl="0" indent="0" algn="ctr" defTabSz="577850">
+          <a:pPr lvl="0" algn="ctr" defTabSz="577850">
             <a:lnSpc>
               <a:spcPct val="90000"/>
             </a:lnSpc>
@@ -22790,7 +23812,6 @@
             <a:spcAft>
               <a:spcPct val="35000"/>
             </a:spcAft>
-            <a:buNone/>
           </a:pPr>
           <a:endParaRPr lang="fr-FR" sz="1300" kern="1200"/>
         </a:p>
@@ -22864,7 +23885,7 @@
             <a:spcAft>
               <a:spcPct val="15000"/>
             </a:spcAft>
-            <a:buChar char="•"/>
+            <a:buChar char="••"/>
           </a:pPr>
           <a:r>
             <a:rPr lang="fr-FR" sz="1400" kern="1200" dirty="0"/>
@@ -22936,7 +23957,7 @@
         </a:bodyPr>
         <a:lstStyle/>
         <a:p>
-          <a:pPr marL="0" lvl="0" indent="0" algn="ctr" defTabSz="577850">
+          <a:pPr lvl="0" algn="ctr" defTabSz="577850">
             <a:lnSpc>
               <a:spcPct val="90000"/>
             </a:lnSpc>
@@ -22946,7 +23967,6 @@
             <a:spcAft>
               <a:spcPct val="35000"/>
             </a:spcAft>
-            <a:buNone/>
           </a:pPr>
           <a:endParaRPr lang="fr-FR" sz="1300" kern="1200"/>
         </a:p>
@@ -23020,7 +24040,7 @@
             <a:spcAft>
               <a:spcPct val="15000"/>
             </a:spcAft>
-            <a:buChar char="•"/>
+            <a:buChar char="••"/>
           </a:pPr>
           <a:r>
             <a:rPr lang="fr-FR" sz="1400" kern="1200" dirty="0"/>
@@ -23090,7 +24110,7 @@
         </a:bodyPr>
         <a:lstStyle/>
         <a:p>
-          <a:pPr marL="0" lvl="0" indent="0" algn="ctr" defTabSz="577850">
+          <a:pPr lvl="0" algn="ctr" defTabSz="577850">
             <a:lnSpc>
               <a:spcPct val="90000"/>
             </a:lnSpc>
@@ -23100,7 +24120,6 @@
             <a:spcAft>
               <a:spcPct val="35000"/>
             </a:spcAft>
-            <a:buNone/>
           </a:pPr>
           <a:endParaRPr lang="fr-FR" sz="1300" kern="1200"/>
         </a:p>
@@ -23174,7 +24193,7 @@
             <a:spcAft>
               <a:spcPct val="15000"/>
             </a:spcAft>
-            <a:buChar char="•"/>
+            <a:buChar char="••"/>
           </a:pPr>
           <a:r>
             <a:rPr lang="fr-FR" sz="1400" kern="1200" dirty="0"/>
@@ -23241,7 +24260,7 @@
         </a:bodyPr>
         <a:lstStyle/>
         <a:p>
-          <a:pPr marL="0" lvl="0" indent="0" algn="ctr" defTabSz="577850">
+          <a:pPr lvl="0" algn="ctr" defTabSz="577850">
             <a:lnSpc>
               <a:spcPct val="90000"/>
             </a:lnSpc>
@@ -23251,7 +24270,6 @@
             <a:spcAft>
               <a:spcPct val="35000"/>
             </a:spcAft>
-            <a:buNone/>
           </a:pPr>
           <a:endParaRPr lang="fr-FR" sz="1300" kern="1200"/>
         </a:p>
@@ -23325,7 +24343,7 @@
             <a:spcAft>
               <a:spcPct val="15000"/>
             </a:spcAft>
-            <a:buChar char="•"/>
+            <a:buChar char="••"/>
           </a:pPr>
           <a:r>
             <a:rPr lang="fr-FR" sz="1400" kern="1200" dirty="0"/>
@@ -23397,7 +24415,7 @@
         </a:bodyPr>
         <a:lstStyle/>
         <a:p>
-          <a:pPr marL="0" lvl="0" indent="0" algn="ctr" defTabSz="577850">
+          <a:pPr lvl="0" algn="ctr" defTabSz="577850">
             <a:lnSpc>
               <a:spcPct val="90000"/>
             </a:lnSpc>
@@ -23407,7 +24425,6 @@
             <a:spcAft>
               <a:spcPct val="35000"/>
             </a:spcAft>
-            <a:buNone/>
           </a:pPr>
           <a:endParaRPr lang="fr-FR" sz="1300" kern="1200"/>
         </a:p>
@@ -23481,7 +24498,7 @@
             <a:spcAft>
               <a:spcPct val="15000"/>
             </a:spcAft>
-            <a:buChar char="•"/>
+            <a:buChar char="••"/>
           </a:pPr>
           <a:r>
             <a:rPr lang="fr-FR" sz="1400" kern="1200" dirty="0"/>
@@ -23565,7 +24582,7 @@
         </a:bodyPr>
         <a:lstStyle/>
         <a:p>
-          <a:pPr marL="0" lvl="0" indent="0" algn="ctr" defTabSz="577850">
+          <a:pPr lvl="0" algn="ctr" defTabSz="577850">
             <a:lnSpc>
               <a:spcPct val="90000"/>
             </a:lnSpc>
@@ -23575,7 +24592,6 @@
             <a:spcAft>
               <a:spcPct val="35000"/>
             </a:spcAft>
-            <a:buNone/>
           </a:pPr>
           <a:r>
             <a:rPr lang="fr-FR" sz="1300" kern="1200" dirty="0"/>
@@ -23652,7 +24668,7 @@
             <a:spcAft>
               <a:spcPct val="15000"/>
             </a:spcAft>
-            <a:buChar char="•"/>
+            <a:buChar char="••"/>
           </a:pPr>
           <a:r>
             <a:rPr lang="fr-FR" sz="1400" kern="1200" dirty="0"/>
@@ -23724,7 +24740,7 @@
         </a:bodyPr>
         <a:lstStyle/>
         <a:p>
-          <a:pPr marL="0" lvl="0" indent="0" algn="ctr" defTabSz="577850">
+          <a:pPr lvl="0" algn="ctr" defTabSz="577850">
             <a:lnSpc>
               <a:spcPct val="90000"/>
             </a:lnSpc>
@@ -23734,7 +24750,6 @@
             <a:spcAft>
               <a:spcPct val="35000"/>
             </a:spcAft>
-            <a:buNone/>
           </a:pPr>
           <a:r>
             <a:rPr lang="fr-FR" sz="1300" kern="1200" dirty="0"/>
@@ -23811,7 +24826,7 @@
             <a:spcAft>
               <a:spcPct val="15000"/>
             </a:spcAft>
-            <a:buChar char="•"/>
+            <a:buChar char="••"/>
           </a:pPr>
           <a:r>
             <a:rPr lang="fr-FR" sz="1400" kern="1200" dirty="0"/>
@@ -23883,7 +24898,7 @@
         </a:bodyPr>
         <a:lstStyle/>
         <a:p>
-          <a:pPr marL="0" lvl="0" indent="0" algn="ctr" defTabSz="577850">
+          <a:pPr lvl="0" algn="ctr" defTabSz="577850">
             <a:lnSpc>
               <a:spcPct val="90000"/>
             </a:lnSpc>
@@ -23893,7 +24908,6 @@
             <a:spcAft>
               <a:spcPct val="35000"/>
             </a:spcAft>
-            <a:buNone/>
           </a:pPr>
           <a:r>
             <a:rPr lang="fr-FR" sz="1300" kern="1200" dirty="0"/>
@@ -23970,7 +24984,7 @@
             <a:spcAft>
               <a:spcPct val="15000"/>
             </a:spcAft>
-            <a:buChar char="•"/>
+            <a:buChar char="••"/>
           </a:pPr>
           <a:r>
             <a:rPr lang="fr-FR" sz="1400" kern="1200" dirty="0"/>
@@ -24042,7 +25056,7 @@
         </a:bodyPr>
         <a:lstStyle/>
         <a:p>
-          <a:pPr marL="0" lvl="0" indent="0" algn="ctr" defTabSz="577850">
+          <a:pPr lvl="0" algn="ctr" defTabSz="577850">
             <a:lnSpc>
               <a:spcPct val="90000"/>
             </a:lnSpc>
@@ -24052,7 +25066,6 @@
             <a:spcAft>
               <a:spcPct val="35000"/>
             </a:spcAft>
-            <a:buNone/>
           </a:pPr>
           <a:endParaRPr lang="fr-FR" sz="1300" kern="1200"/>
         </a:p>
@@ -24126,7 +25139,7 @@
             <a:spcAft>
               <a:spcPct val="15000"/>
             </a:spcAft>
-            <a:buChar char="•"/>
+            <a:buChar char="••"/>
           </a:pPr>
           <a:r>
             <a:rPr lang="fr-FR" sz="1400" kern="1200" dirty="0"/>
@@ -24198,7 +25211,7 @@
         </a:bodyPr>
         <a:lstStyle/>
         <a:p>
-          <a:pPr marL="0" lvl="0" indent="0" algn="ctr" defTabSz="577850">
+          <a:pPr lvl="0" algn="ctr" defTabSz="577850">
             <a:lnSpc>
               <a:spcPct val="90000"/>
             </a:lnSpc>
@@ -24208,7 +25221,6 @@
             <a:spcAft>
               <a:spcPct val="35000"/>
             </a:spcAft>
-            <a:buNone/>
           </a:pPr>
           <a:endParaRPr lang="fr-FR" sz="1300" kern="1200"/>
         </a:p>
@@ -24282,7 +25294,7 @@
             <a:spcAft>
               <a:spcPct val="15000"/>
             </a:spcAft>
-            <a:buChar char="•"/>
+            <a:buChar char="••"/>
           </a:pPr>
           <a:r>
             <a:rPr lang="fr-FR" sz="1400" kern="1200" dirty="0"/>
@@ -24354,7 +25366,7 @@
         </a:bodyPr>
         <a:lstStyle/>
         <a:p>
-          <a:pPr marL="0" lvl="0" indent="0" algn="ctr" defTabSz="577850">
+          <a:pPr lvl="0" algn="ctr" defTabSz="577850">
             <a:lnSpc>
               <a:spcPct val="90000"/>
             </a:lnSpc>
@@ -24364,7 +25376,6 @@
             <a:spcAft>
               <a:spcPct val="35000"/>
             </a:spcAft>
-            <a:buNone/>
           </a:pPr>
           <a:endParaRPr lang="fr-FR" sz="1300" kern="1200"/>
         </a:p>
@@ -24438,7 +25449,7 @@
             <a:spcAft>
               <a:spcPct val="15000"/>
             </a:spcAft>
-            <a:buChar char="•"/>
+            <a:buChar char="••"/>
           </a:pPr>
           <a:r>
             <a:rPr lang="fr-FR" sz="1400" kern="1200" dirty="0"/>
@@ -24508,7 +25519,7 @@
         </a:bodyPr>
         <a:lstStyle/>
         <a:p>
-          <a:pPr marL="0" lvl="0" indent="0" algn="ctr" defTabSz="577850">
+          <a:pPr lvl="0" algn="ctr" defTabSz="577850">
             <a:lnSpc>
               <a:spcPct val="90000"/>
             </a:lnSpc>
@@ -24518,7 +25529,6 @@
             <a:spcAft>
               <a:spcPct val="35000"/>
             </a:spcAft>
-            <a:buNone/>
           </a:pPr>
           <a:endParaRPr lang="fr-FR" sz="1300" kern="1200"/>
         </a:p>
@@ -24592,7 +25602,7 @@
             <a:spcAft>
               <a:spcPct val="15000"/>
             </a:spcAft>
-            <a:buChar char="•"/>
+            <a:buChar char="••"/>
           </a:pPr>
           <a:r>
             <a:rPr lang="fr-FR" sz="1400" kern="1200" dirty="0"/>
@@ -24664,7 +25674,7 @@
         </a:bodyPr>
         <a:lstStyle/>
         <a:p>
-          <a:pPr marL="0" lvl="0" indent="0" algn="ctr" defTabSz="577850">
+          <a:pPr lvl="0" algn="ctr" defTabSz="577850">
             <a:lnSpc>
               <a:spcPct val="90000"/>
             </a:lnSpc>
@@ -24674,7 +25684,6 @@
             <a:spcAft>
               <a:spcPct val="35000"/>
             </a:spcAft>
-            <a:buNone/>
           </a:pPr>
           <a:endParaRPr lang="fr-FR" sz="1300" kern="1200"/>
         </a:p>
@@ -24748,7 +25757,7 @@
             <a:spcAft>
               <a:spcPct val="15000"/>
             </a:spcAft>
-            <a:buChar char="•"/>
+            <a:buChar char="••"/>
           </a:pPr>
           <a:r>
             <a:rPr lang="fr-FR" sz="1400" kern="1200" dirty="0"/>
@@ -24832,7 +25841,7 @@
         </a:bodyPr>
         <a:lstStyle/>
         <a:p>
-          <a:pPr marL="0" lvl="0" indent="0" algn="ctr" defTabSz="577850">
+          <a:pPr lvl="0" algn="ctr" defTabSz="577850">
             <a:lnSpc>
               <a:spcPct val="90000"/>
             </a:lnSpc>
@@ -24842,7 +25851,6 @@
             <a:spcAft>
               <a:spcPct val="35000"/>
             </a:spcAft>
-            <a:buNone/>
           </a:pPr>
           <a:r>
             <a:rPr lang="fr-FR" sz="1300" kern="1200" dirty="0"/>
@@ -24919,7 +25927,7 @@
             <a:spcAft>
               <a:spcPct val="15000"/>
             </a:spcAft>
-            <a:buChar char="•"/>
+            <a:buChar char="••"/>
           </a:pPr>
           <a:r>
             <a:rPr lang="fr-FR" sz="1400" kern="1200" dirty="0"/>
@@ -24991,7 +25999,7 @@
         </a:bodyPr>
         <a:lstStyle/>
         <a:p>
-          <a:pPr marL="0" lvl="0" indent="0" algn="ctr" defTabSz="577850">
+          <a:pPr lvl="0" algn="ctr" defTabSz="577850">
             <a:lnSpc>
               <a:spcPct val="90000"/>
             </a:lnSpc>
@@ -25001,7 +26009,6 @@
             <a:spcAft>
               <a:spcPct val="35000"/>
             </a:spcAft>
-            <a:buNone/>
           </a:pPr>
           <a:r>
             <a:rPr lang="fr-FR" sz="1300" kern="1200" dirty="0"/>
@@ -25078,7 +26085,7 @@
             <a:spcAft>
               <a:spcPct val="15000"/>
             </a:spcAft>
-            <a:buChar char="•"/>
+            <a:buChar char="••"/>
           </a:pPr>
           <a:r>
             <a:rPr lang="fr-FR" sz="1400" kern="1200" dirty="0"/>
@@ -25150,7 +26157,7 @@
         </a:bodyPr>
         <a:lstStyle/>
         <a:p>
-          <a:pPr marL="0" lvl="0" indent="0" algn="ctr" defTabSz="577850">
+          <a:pPr lvl="0" algn="ctr" defTabSz="577850">
             <a:lnSpc>
               <a:spcPct val="90000"/>
             </a:lnSpc>
@@ -25160,7 +26167,6 @@
             <a:spcAft>
               <a:spcPct val="35000"/>
             </a:spcAft>
-            <a:buNone/>
           </a:pPr>
           <a:r>
             <a:rPr lang="fr-FR" sz="1300" kern="1200" dirty="0"/>
@@ -25237,7 +26243,7 @@
             <a:spcAft>
               <a:spcPct val="15000"/>
             </a:spcAft>
-            <a:buChar char="•"/>
+            <a:buChar char="••"/>
           </a:pPr>
           <a:r>
             <a:rPr lang="fr-FR" sz="1400" kern="1200" dirty="0"/>
@@ -25309,7 +26315,7 @@
         </a:bodyPr>
         <a:lstStyle/>
         <a:p>
-          <a:pPr marL="0" lvl="0" indent="0" algn="ctr" defTabSz="577850">
+          <a:pPr lvl="0" algn="ctr" defTabSz="577850">
             <a:lnSpc>
               <a:spcPct val="90000"/>
             </a:lnSpc>
@@ -25319,7 +26325,6 @@
             <a:spcAft>
               <a:spcPct val="35000"/>
             </a:spcAft>
-            <a:buNone/>
           </a:pPr>
           <a:endParaRPr lang="fr-FR" sz="1300" kern="1200"/>
         </a:p>
@@ -25393,7 +26398,7 @@
             <a:spcAft>
               <a:spcPct val="15000"/>
             </a:spcAft>
-            <a:buChar char="•"/>
+            <a:buChar char="••"/>
           </a:pPr>
           <a:r>
             <a:rPr lang="fr-FR" sz="1400" kern="1200" dirty="0"/>
@@ -25465,7 +26470,7 @@
         </a:bodyPr>
         <a:lstStyle/>
         <a:p>
-          <a:pPr marL="0" lvl="0" indent="0" algn="ctr" defTabSz="577850">
+          <a:pPr lvl="0" algn="ctr" defTabSz="577850">
             <a:lnSpc>
               <a:spcPct val="90000"/>
             </a:lnSpc>
@@ -25475,7 +26480,6 @@
             <a:spcAft>
               <a:spcPct val="35000"/>
             </a:spcAft>
-            <a:buNone/>
           </a:pPr>
           <a:endParaRPr lang="fr-FR" sz="1300" kern="1200"/>
         </a:p>
@@ -25549,7 +26553,7 @@
             <a:spcAft>
               <a:spcPct val="15000"/>
             </a:spcAft>
-            <a:buChar char="•"/>
+            <a:buChar char="••"/>
           </a:pPr>
           <a:r>
             <a:rPr lang="fr-FR" sz="1400" kern="1200" dirty="0"/>
@@ -25621,7 +26625,7 @@
         </a:bodyPr>
         <a:lstStyle/>
         <a:p>
-          <a:pPr marL="0" lvl="0" indent="0" algn="ctr" defTabSz="577850">
+          <a:pPr lvl="0" algn="ctr" defTabSz="577850">
             <a:lnSpc>
               <a:spcPct val="90000"/>
             </a:lnSpc>
@@ -25631,7 +26635,6 @@
             <a:spcAft>
               <a:spcPct val="35000"/>
             </a:spcAft>
-            <a:buNone/>
           </a:pPr>
           <a:endParaRPr lang="fr-FR" sz="1300" kern="1200"/>
         </a:p>
@@ -25705,7 +26708,7 @@
             <a:spcAft>
               <a:spcPct val="15000"/>
             </a:spcAft>
-            <a:buChar char="•"/>
+            <a:buChar char="••"/>
           </a:pPr>
           <a:r>
             <a:rPr lang="fr-FR" sz="1400" kern="1200" dirty="0"/>
@@ -25777,7 +26780,7 @@
         </a:bodyPr>
         <a:lstStyle/>
         <a:p>
-          <a:pPr marL="0" lvl="0" indent="0" algn="ctr" defTabSz="577850">
+          <a:pPr lvl="0" algn="ctr" defTabSz="577850">
             <a:lnSpc>
               <a:spcPct val="90000"/>
             </a:lnSpc>
@@ -25787,7 +26790,6 @@
             <a:spcAft>
               <a:spcPct val="35000"/>
             </a:spcAft>
-            <a:buNone/>
           </a:pPr>
           <a:endParaRPr lang="fr-FR" sz="1300" kern="1200"/>
         </a:p>
@@ -25861,7 +26863,7 @@
             <a:spcAft>
               <a:spcPct val="15000"/>
             </a:spcAft>
-            <a:buChar char="•"/>
+            <a:buChar char="••"/>
           </a:pPr>
           <a:r>
             <a:rPr lang="fr-FR" sz="1400" kern="1200" dirty="0"/>
@@ -25931,7 +26933,7 @@
         </a:bodyPr>
         <a:lstStyle/>
         <a:p>
-          <a:pPr marL="0" lvl="0" indent="0" algn="ctr" defTabSz="577850">
+          <a:pPr lvl="0" algn="ctr" defTabSz="577850">
             <a:lnSpc>
               <a:spcPct val="90000"/>
             </a:lnSpc>
@@ -25941,7 +26943,6 @@
             <a:spcAft>
               <a:spcPct val="35000"/>
             </a:spcAft>
-            <a:buNone/>
           </a:pPr>
           <a:endParaRPr lang="fr-FR" sz="1300" kern="1200"/>
         </a:p>
@@ -26015,7 +27016,7 @@
             <a:spcAft>
               <a:spcPct val="15000"/>
             </a:spcAft>
-            <a:buChar char="•"/>
+            <a:buChar char="••"/>
           </a:pPr>
           <a:r>
             <a:rPr lang="fr-FR" sz="1400" kern="1200" dirty="0"/>
@@ -44490,10 +45491,466 @@
   <p:clrMapOvr>
     <a:masterClrMapping/>
   </p:clrMapOvr>
+  <p:timing>
+    <p:tnLst>
+      <p:par>
+        <p:cTn id="1" dur="indefinite" restart="never" nodeType="tmRoot"/>
+      </p:par>
+    </p:tnLst>
+  </p:timing>
 </p:sld>
 </file>
 
 <file path=ppt/slides/slide10.xml><?xml version="1.0" encoding="utf-8"?>
+<p:sld xmlns:a="http://schemas.openxmlformats.org/drawingml/2006/main" xmlns:r="http://schemas.openxmlformats.org/officeDocument/2006/relationships" xmlns:p="http://schemas.openxmlformats.org/presentationml/2006/main">
+  <p:cSld>
+    <p:spTree>
+      <p:nvGrpSpPr>
+        <p:cNvPr id="1" name=""/>
+        <p:cNvGrpSpPr/>
+        <p:nvPr/>
+      </p:nvGrpSpPr>
+      <p:grpSpPr>
+        <a:xfrm>
+          <a:off x="0" y="0"/>
+          <a:ext cx="0" cy="0"/>
+          <a:chOff x="0" y="0"/>
+          <a:chExt cx="0" cy="0"/>
+        </a:xfrm>
+      </p:grpSpPr>
+      <p:graphicFrame>
+        <p:nvGraphicFramePr>
+          <p:cNvPr id="8" name="Diagramme 7"/>
+          <p:cNvGraphicFramePr/>
+          <p:nvPr>
+            <p:extLst/>
+          </p:nvPr>
+        </p:nvGraphicFramePr>
+        <p:xfrm>
+          <a:off x="9152238" y="826759"/>
+          <a:ext cx="3097427" cy="4634928"/>
+        </p:xfrm>
+        <a:graphic>
+          <a:graphicData uri="http://schemas.openxmlformats.org/drawingml/2006/diagram">
+            <dgm:relIds xmlns:dgm="http://schemas.openxmlformats.org/drawingml/2006/diagram" xmlns:r="http://schemas.openxmlformats.org/officeDocument/2006/relationships" r:dm="rId2" r:lo="rId3" r:qs="rId4" r:cs="rId5"/>
+          </a:graphicData>
+        </a:graphic>
+      </p:graphicFrame>
+      <p:pic>
+        <p:nvPicPr>
+          <p:cNvPr id="5" name="Espace réservé du contenu 3" descr="Capture d’écran"/>
+          <p:cNvPicPr>
+            <a:picLocks noGrp="1" noChangeAspect="1"/>
+          </p:cNvPicPr>
+          <p:nvPr>
+            <p:ph idx="1"/>
+          </p:nvPr>
+        </p:nvPicPr>
+        <p:blipFill>
+          <a:blip r:embed="rId7">
+            <a:extLst>
+              <a:ext uri="{28A0092B-C50C-407E-A947-70E740481C1C}">
+                <a14:useLocalDpi xmlns:a14="http://schemas.microsoft.com/office/drawing/2010/main" val="0"/>
+              </a:ext>
+            </a:extLst>
+          </a:blip>
+          <a:stretch>
+            <a:fillRect/>
+          </a:stretch>
+        </p:blipFill>
+        <p:spPr>
+          <a:xfrm>
+            <a:off x="231300" y="90685"/>
+            <a:ext cx="2399605" cy="1037829"/>
+          </a:xfrm>
+        </p:spPr>
+      </p:pic>
+      <p:sp>
+        <p:nvSpPr>
+          <p:cNvPr id="4" name="ZoneTexte 3"/>
+          <p:cNvSpPr txBox="1"/>
+          <p:nvPr/>
+        </p:nvSpPr>
+        <p:spPr>
+          <a:xfrm>
+            <a:off x="2459944" y="432944"/>
+            <a:ext cx="6021860" cy="523220"/>
+          </a:xfrm>
+          <a:prstGeom prst="rect">
+            <a:avLst/>
+          </a:prstGeom>
+          <a:noFill/>
+        </p:spPr>
+        <p:txBody>
+          <a:bodyPr wrap="square" rtlCol="0">
+            <a:spAutoFit/>
+          </a:bodyPr>
+          <a:lstStyle/>
+          <a:p>
+            <a:pPr algn="ctr"/>
+            <a:r>
+              <a:rPr lang="fr-FR" sz="2800" dirty="0">
+                <a:solidFill>
+                  <a:schemeClr val="accent1"/>
+                </a:solidFill>
+              </a:rPr>
+              <a:t>Présentation de la solution </a:t>
+            </a:r>
+          </a:p>
+        </p:txBody>
+      </p:sp>
+      <p:pic>
+        <p:nvPicPr>
+          <p:cNvPr id="2" name="Image 1"/>
+          <p:cNvPicPr>
+            <a:picLocks noChangeAspect="1"/>
+          </p:cNvPicPr>
+          <p:nvPr/>
+        </p:nvPicPr>
+        <p:blipFill rotWithShape="1">
+          <a:blip r:embed="rId8">
+            <a:duotone>
+              <a:schemeClr val="accent2">
+                <a:shade val="45000"/>
+                <a:satMod val="135000"/>
+              </a:schemeClr>
+              <a:prstClr val="white"/>
+            </a:duotone>
+            <a:extLst>
+              <a:ext uri="{28A0092B-C50C-407E-A947-70E740481C1C}">
+                <a14:useLocalDpi xmlns:a14="http://schemas.microsoft.com/office/drawing/2010/main" val="0"/>
+              </a:ext>
+            </a:extLst>
+          </a:blip>
+          <a:srcRect l="3097"/>
+          <a:stretch/>
+        </p:blipFill>
+        <p:spPr>
+          <a:xfrm>
+            <a:off x="328248" y="1367692"/>
+            <a:ext cx="8941224" cy="4788601"/>
+          </a:xfrm>
+          <a:prstGeom prst="rect">
+            <a:avLst/>
+          </a:prstGeom>
+        </p:spPr>
+      </p:pic>
+    </p:spTree>
+    <p:extLst>
+      <p:ext uri="{BB962C8B-B14F-4D97-AF65-F5344CB8AC3E}">
+        <p14:creationId xmlns:p14="http://schemas.microsoft.com/office/powerpoint/2010/main" val="3727777155"/>
+      </p:ext>
+    </p:extLst>
+  </p:cSld>
+  <p:clrMapOvr>
+    <a:masterClrMapping/>
+  </p:clrMapOvr>
+  <p:timing>
+    <p:tnLst>
+      <p:par>
+        <p:cTn id="1" dur="indefinite" restart="never" nodeType="tmRoot"/>
+      </p:par>
+    </p:tnLst>
+  </p:timing>
+</p:sld>
+</file>
+
+<file path=ppt/slides/slide11.xml><?xml version="1.0" encoding="utf-8"?>
+<p:sld xmlns:a="http://schemas.openxmlformats.org/drawingml/2006/main" xmlns:r="http://schemas.openxmlformats.org/officeDocument/2006/relationships" xmlns:p="http://schemas.openxmlformats.org/presentationml/2006/main">
+  <p:cSld>
+    <p:spTree>
+      <p:nvGrpSpPr>
+        <p:cNvPr id="1" name=""/>
+        <p:cNvGrpSpPr/>
+        <p:nvPr/>
+      </p:nvGrpSpPr>
+      <p:grpSpPr>
+        <a:xfrm>
+          <a:off x="0" y="0"/>
+          <a:ext cx="0" cy="0"/>
+          <a:chOff x="0" y="0"/>
+          <a:chExt cx="0" cy="0"/>
+        </a:xfrm>
+      </p:grpSpPr>
+      <p:graphicFrame>
+        <p:nvGraphicFramePr>
+          <p:cNvPr id="8" name="Diagramme 7"/>
+          <p:cNvGraphicFramePr/>
+          <p:nvPr>
+            <p:extLst>
+              <p:ext uri="{D42A27DB-BD31-4B8C-83A1-F6EECF244321}">
+                <p14:modId xmlns:p14="http://schemas.microsoft.com/office/powerpoint/2010/main" val="2931075179"/>
+              </p:ext>
+            </p:extLst>
+          </p:nvPr>
+        </p:nvGraphicFramePr>
+        <p:xfrm>
+          <a:off x="9152238" y="826759"/>
+          <a:ext cx="3097427" cy="4634928"/>
+        </p:xfrm>
+        <a:graphic>
+          <a:graphicData uri="http://schemas.openxmlformats.org/drawingml/2006/diagram">
+            <dgm:relIds xmlns:dgm="http://schemas.openxmlformats.org/drawingml/2006/diagram" xmlns:r="http://schemas.openxmlformats.org/officeDocument/2006/relationships" r:dm="rId2" r:lo="rId3" r:qs="rId4" r:cs="rId5"/>
+          </a:graphicData>
+        </a:graphic>
+      </p:graphicFrame>
+      <p:pic>
+        <p:nvPicPr>
+          <p:cNvPr id="4" name="Espace réservé du contenu 3" descr="Capture d’écran"/>
+          <p:cNvPicPr>
+            <a:picLocks noGrp="1" noChangeAspect="1"/>
+          </p:cNvPicPr>
+          <p:nvPr>
+            <p:ph idx="1"/>
+          </p:nvPr>
+        </p:nvPicPr>
+        <p:blipFill>
+          <a:blip r:embed="rId7">
+            <a:extLst>
+              <a:ext uri="{28A0092B-C50C-407E-A947-70E740481C1C}">
+                <a14:useLocalDpi xmlns:a14="http://schemas.microsoft.com/office/drawing/2010/main" val="0"/>
+              </a:ext>
+            </a:extLst>
+          </a:blip>
+          <a:stretch>
+            <a:fillRect/>
+          </a:stretch>
+        </p:blipFill>
+        <p:spPr>
+          <a:xfrm>
+            <a:off x="231300" y="90685"/>
+            <a:ext cx="2399605" cy="1037829"/>
+          </a:xfrm>
+        </p:spPr>
+      </p:pic>
+      <p:sp>
+        <p:nvSpPr>
+          <p:cNvPr id="3" name="ZoneTexte 2"/>
+          <p:cNvSpPr txBox="1"/>
+          <p:nvPr/>
+        </p:nvSpPr>
+        <p:spPr>
+          <a:xfrm>
+            <a:off x="2290119" y="1128514"/>
+            <a:ext cx="5577016" cy="523220"/>
+          </a:xfrm>
+          <a:prstGeom prst="rect">
+            <a:avLst/>
+          </a:prstGeom>
+          <a:noFill/>
+        </p:spPr>
+        <p:txBody>
+          <a:bodyPr wrap="square" rtlCol="0">
+            <a:spAutoFit/>
+          </a:bodyPr>
+          <a:lstStyle/>
+          <a:p>
+            <a:pPr algn="ctr"/>
+            <a:r>
+              <a:rPr lang="fr-FR" sz="2800" dirty="0">
+                <a:solidFill>
+                  <a:schemeClr val="accent1"/>
+                </a:solidFill>
+              </a:rPr>
+              <a:t>Conclusion</a:t>
+            </a:r>
+          </a:p>
+        </p:txBody>
+      </p:sp>
+      <p:sp>
+        <p:nvSpPr>
+          <p:cNvPr id="5" name="ZoneTexte 4"/>
+          <p:cNvSpPr txBox="1"/>
+          <p:nvPr/>
+        </p:nvSpPr>
+        <p:spPr>
+          <a:xfrm>
+            <a:off x="2290119" y="2232454"/>
+            <a:ext cx="8847437" cy="2031325"/>
+          </a:xfrm>
+          <a:prstGeom prst="rect">
+            <a:avLst/>
+          </a:prstGeom>
+          <a:noFill/>
+        </p:spPr>
+        <p:txBody>
+          <a:bodyPr wrap="square" rtlCol="0">
+            <a:spAutoFit/>
+          </a:bodyPr>
+          <a:lstStyle/>
+          <a:p>
+            <a:r>
+              <a:rPr lang="fr-FR" dirty="0"/>
+              <a:t>Nous avons répondu à l’appel d’offre</a:t>
+            </a:r>
+          </a:p>
+          <a:p>
+            <a:endParaRPr lang="fr-FR" dirty="0"/>
+          </a:p>
+          <a:p>
+            <a:r>
+              <a:rPr lang="fr-FR" dirty="0"/>
+              <a:t>Nous avons rendu un projet fonctionnel </a:t>
+            </a:r>
+          </a:p>
+          <a:p>
+            <a:endParaRPr lang="fr-FR" dirty="0"/>
+          </a:p>
+          <a:p>
+            <a:r>
+              <a:rPr lang="fr-FR" dirty="0"/>
+              <a:t>Nous devons améliorer et perfectionner nos codes</a:t>
+            </a:r>
+          </a:p>
+          <a:p>
+            <a:endParaRPr lang="fr-FR" dirty="0"/>
+          </a:p>
+          <a:p>
+            <a:endParaRPr lang="fr-FR" dirty="0"/>
+          </a:p>
+        </p:txBody>
+      </p:sp>
+      <p:sp>
+        <p:nvSpPr>
+          <p:cNvPr id="7" name="Flèche droite 6"/>
+          <p:cNvSpPr/>
+          <p:nvPr/>
+        </p:nvSpPr>
+        <p:spPr>
+          <a:xfrm>
+            <a:off x="1912913" y="2345173"/>
+            <a:ext cx="377206" cy="189036"/>
+          </a:xfrm>
+          <a:prstGeom prst="rightArrow">
+            <a:avLst/>
+          </a:prstGeom>
+        </p:spPr>
+        <p:style>
+          <a:lnRef idx="2">
+            <a:schemeClr val="accent1">
+              <a:shade val="50000"/>
+            </a:schemeClr>
+          </a:lnRef>
+          <a:fillRef idx="1">
+            <a:schemeClr val="accent1"/>
+          </a:fillRef>
+          <a:effectRef idx="0">
+            <a:schemeClr val="accent1"/>
+          </a:effectRef>
+          <a:fontRef idx="minor">
+            <a:schemeClr val="lt1"/>
+          </a:fontRef>
+        </p:style>
+        <p:txBody>
+          <a:bodyPr rtlCol="0" anchor="ctr"/>
+          <a:lstStyle/>
+          <a:p>
+            <a:pPr algn="ctr"/>
+            <a:endParaRPr lang="fr-FR"/>
+          </a:p>
+        </p:txBody>
+      </p:sp>
+      <p:sp>
+        <p:nvSpPr>
+          <p:cNvPr id="9" name="Flèche droite 8"/>
+          <p:cNvSpPr/>
+          <p:nvPr/>
+        </p:nvSpPr>
+        <p:spPr>
+          <a:xfrm>
+            <a:off x="1912913" y="2900840"/>
+            <a:ext cx="377206" cy="189036"/>
+          </a:xfrm>
+          <a:prstGeom prst="rightArrow">
+            <a:avLst/>
+          </a:prstGeom>
+        </p:spPr>
+        <p:style>
+          <a:lnRef idx="2">
+            <a:schemeClr val="accent1">
+              <a:shade val="50000"/>
+            </a:schemeClr>
+          </a:lnRef>
+          <a:fillRef idx="1">
+            <a:schemeClr val="accent1"/>
+          </a:fillRef>
+          <a:effectRef idx="0">
+            <a:schemeClr val="accent1"/>
+          </a:effectRef>
+          <a:fontRef idx="minor">
+            <a:schemeClr val="lt1"/>
+          </a:fontRef>
+        </p:style>
+        <p:txBody>
+          <a:bodyPr rtlCol="0" anchor="ctr"/>
+          <a:lstStyle/>
+          <a:p>
+            <a:pPr algn="ctr"/>
+            <a:endParaRPr lang="fr-FR"/>
+          </a:p>
+        </p:txBody>
+      </p:sp>
+      <p:sp>
+        <p:nvSpPr>
+          <p:cNvPr id="10" name="Flèche droite 9"/>
+          <p:cNvSpPr/>
+          <p:nvPr/>
+        </p:nvSpPr>
+        <p:spPr>
+          <a:xfrm>
+            <a:off x="1912913" y="3474754"/>
+            <a:ext cx="377206" cy="189036"/>
+          </a:xfrm>
+          <a:prstGeom prst="rightArrow">
+            <a:avLst/>
+          </a:prstGeom>
+        </p:spPr>
+        <p:style>
+          <a:lnRef idx="2">
+            <a:schemeClr val="accent1">
+              <a:shade val="50000"/>
+            </a:schemeClr>
+          </a:lnRef>
+          <a:fillRef idx="1">
+            <a:schemeClr val="accent1"/>
+          </a:fillRef>
+          <a:effectRef idx="0">
+            <a:schemeClr val="accent1"/>
+          </a:effectRef>
+          <a:fontRef idx="minor">
+            <a:schemeClr val="lt1"/>
+          </a:fontRef>
+        </p:style>
+        <p:txBody>
+          <a:bodyPr rtlCol="0" anchor="ctr"/>
+          <a:lstStyle/>
+          <a:p>
+            <a:pPr algn="ctr"/>
+            <a:endParaRPr lang="fr-FR"/>
+          </a:p>
+        </p:txBody>
+      </p:sp>
+    </p:spTree>
+    <p:extLst>
+      <p:ext uri="{BB962C8B-B14F-4D97-AF65-F5344CB8AC3E}">
+        <p14:creationId xmlns:p14="http://schemas.microsoft.com/office/powerpoint/2010/main" val="1298815656"/>
+      </p:ext>
+    </p:extLst>
+  </p:cSld>
+  <p:clrMapOvr>
+    <a:masterClrMapping/>
+  </p:clrMapOvr>
+  <p:timing>
+    <p:tnLst>
+      <p:par>
+        <p:cTn id="1" dur="indefinite" restart="never" nodeType="tmRoot"/>
+      </p:par>
+    </p:tnLst>
+  </p:timing>
+</p:sld>
+</file>
+
+<file path=ppt/slides/slide12.xml><?xml version="1.0" encoding="utf-8"?>
 <p:sld xmlns:a="http://schemas.openxmlformats.org/drawingml/2006/main" xmlns:r="http://schemas.openxmlformats.org/officeDocument/2006/relationships" xmlns:p="http://schemas.openxmlformats.org/presentationml/2006/main">
   <p:cSld>
     <p:spTree>
@@ -44821,10 +46278,17 @@
   <p:clrMapOvr>
     <a:masterClrMapping/>
   </p:clrMapOvr>
+  <p:timing>
+    <p:tnLst>
+      <p:par>
+        <p:cTn id="1" dur="indefinite" restart="never" nodeType="tmRoot"/>
+      </p:par>
+    </p:tnLst>
+  </p:timing>
 </p:sld>
 </file>
 
-<file path=ppt/slides/slide11.xml><?xml version="1.0" encoding="utf-8"?>
+<file path=ppt/slides/slide13.xml><?xml version="1.0" encoding="utf-8"?>
 <p:sld xmlns:a="http://schemas.openxmlformats.org/drawingml/2006/main" xmlns:r="http://schemas.openxmlformats.org/officeDocument/2006/relationships" xmlns:p="http://schemas.openxmlformats.org/presentationml/2006/main">
   <p:cSld>
     <p:spTree>
@@ -44977,6 +46441,13 @@
   <p:clrMapOvr>
     <a:masterClrMapping/>
   </p:clrMapOvr>
+  <p:timing>
+    <p:tnLst>
+      <p:par>
+        <p:cTn id="1" dur="indefinite" restart="never" nodeType="tmRoot"/>
+      </p:par>
+    </p:tnLst>
+  </p:timing>
 </p:sld>
 </file>
 
@@ -45044,6 +46515,19 @@
                 </a:effectLst>
               </a:rPr>
             </a:br>
+            <a:r>
+              <a:rPr lang="fr-FR" dirty="0">
+                <a:ln w="0"/>
+                <a:effectLst>
+                  <a:outerShdw blurRad="38100" dist="25400" dir="5400000" algn="ctr" rotWithShape="0">
+                    <a:srgbClr val="6E747A">
+                      <a:alpha val="43000"/>
+                    </a:srgbClr>
+                  </a:outerShdw>
+                </a:effectLst>
+              </a:rPr>
+              <a:t/>
+            </a:r>
             <a:br>
               <a:rPr lang="fr-FR" dirty="0">
                 <a:ln w="0"/>
@@ -45073,6 +46557,24 @@
                 </a:effectLst>
               </a:rPr>
               <a:t>Présentation du groupe</a:t>
+            </a:r>
+            <a:r>
+              <a:rPr lang="fr-FR" sz="1600" dirty="0">
+                <a:ln w="0"/>
+                <a:solidFill>
+                  <a:schemeClr val="bg1">
+                    <a:lumMod val="50000"/>
+                  </a:schemeClr>
+                </a:solidFill>
+                <a:effectLst>
+                  <a:outerShdw blurRad="38100" dist="25400" dir="5400000" algn="ctr" rotWithShape="0">
+                    <a:srgbClr val="6E747A">
+                      <a:alpha val="43000"/>
+                    </a:srgbClr>
+                  </a:outerShdw>
+                </a:effectLst>
+              </a:rPr>
+              <a:t/>
             </a:r>
             <a:br>
               <a:rPr lang="fr-FR" sz="1600" dirty="0">
@@ -45161,6 +46663,24 @@
                 </a:effectLst>
               </a:rPr>
             </a:br>
+            <a:r>
+              <a:rPr lang="fr-FR" sz="1800" dirty="0">
+                <a:ln w="0"/>
+                <a:solidFill>
+                  <a:schemeClr val="bg1">
+                    <a:lumMod val="50000"/>
+                  </a:schemeClr>
+                </a:solidFill>
+                <a:effectLst>
+                  <a:outerShdw blurRad="38100" dist="25400" dir="5400000" algn="ctr" rotWithShape="0">
+                    <a:srgbClr val="6E747A">
+                      <a:alpha val="43000"/>
+                    </a:srgbClr>
+                  </a:outerShdw>
+                </a:effectLst>
+              </a:rPr>
+              <a:t/>
+            </a:r>
             <a:br>
               <a:rPr lang="fr-FR" sz="1800" dirty="0">
                 <a:ln w="0"/>
@@ -45213,6 +46733,24 @@
                 </a:effectLst>
               </a:rPr>
             </a:br>
+            <a:r>
+              <a:rPr lang="fr-FR" sz="1800" dirty="0">
+                <a:ln w="0"/>
+                <a:solidFill>
+                  <a:schemeClr val="bg1">
+                    <a:lumMod val="50000"/>
+                  </a:schemeClr>
+                </a:solidFill>
+                <a:effectLst>
+                  <a:outerShdw blurRad="38100" dist="25400" dir="5400000" algn="ctr" rotWithShape="0">
+                    <a:srgbClr val="6E747A">
+                      <a:alpha val="43000"/>
+                    </a:srgbClr>
+                  </a:outerShdw>
+                </a:effectLst>
+              </a:rPr>
+              <a:t/>
+            </a:r>
             <a:br>
               <a:rPr lang="fr-FR" sz="1800" dirty="0">
                 <a:ln w="0"/>
@@ -45265,6 +46803,24 @@
                 </a:effectLst>
               </a:rPr>
             </a:br>
+            <a:r>
+              <a:rPr lang="fr-FR" sz="1800" dirty="0">
+                <a:ln w="0"/>
+                <a:solidFill>
+                  <a:schemeClr val="bg1">
+                    <a:lumMod val="50000"/>
+                  </a:schemeClr>
+                </a:solidFill>
+                <a:effectLst>
+                  <a:outerShdw blurRad="38100" dist="25400" dir="5400000" algn="ctr" rotWithShape="0">
+                    <a:srgbClr val="6E747A">
+                      <a:alpha val="43000"/>
+                    </a:srgbClr>
+                  </a:outerShdw>
+                </a:effectLst>
+              </a:rPr>
+              <a:t/>
+            </a:r>
             <a:br>
               <a:rPr lang="fr-FR" sz="1800" dirty="0">
                 <a:ln w="0"/>
@@ -45317,6 +46873,24 @@
                 </a:effectLst>
               </a:rPr>
             </a:br>
+            <a:r>
+              <a:rPr lang="fr-FR" sz="1800" dirty="0">
+                <a:ln w="0"/>
+                <a:solidFill>
+                  <a:schemeClr val="bg1">
+                    <a:lumMod val="50000"/>
+                  </a:schemeClr>
+                </a:solidFill>
+                <a:effectLst>
+                  <a:outerShdw blurRad="38100" dist="25400" dir="5400000" algn="ctr" rotWithShape="0">
+                    <a:srgbClr val="6E747A">
+                      <a:alpha val="43000"/>
+                    </a:srgbClr>
+                  </a:outerShdw>
+                </a:effectLst>
+              </a:rPr>
+              <a:t/>
+            </a:r>
             <a:br>
               <a:rPr lang="fr-FR" sz="1800" dirty="0">
                 <a:ln w="0"/>
@@ -45369,6 +46943,24 @@
                 </a:effectLst>
               </a:rPr>
             </a:br>
+            <a:r>
+              <a:rPr lang="fr-FR" sz="1800" dirty="0">
+                <a:ln w="0"/>
+                <a:solidFill>
+                  <a:schemeClr val="bg1">
+                    <a:lumMod val="50000"/>
+                  </a:schemeClr>
+                </a:solidFill>
+                <a:effectLst>
+                  <a:outerShdw blurRad="38100" dist="25400" dir="5400000" algn="ctr" rotWithShape="0">
+                    <a:srgbClr val="6E747A">
+                      <a:alpha val="43000"/>
+                    </a:srgbClr>
+                  </a:outerShdw>
+                </a:effectLst>
+              </a:rPr>
+              <a:t/>
+            </a:r>
             <a:br>
               <a:rPr lang="fr-FR" sz="1800" dirty="0">
                 <a:ln w="0"/>
@@ -45421,6 +47013,24 @@
                 </a:effectLst>
               </a:rPr>
             </a:br>
+            <a:r>
+              <a:rPr lang="fr-FR" sz="1800" dirty="0">
+                <a:ln w="0"/>
+                <a:solidFill>
+                  <a:schemeClr val="bg1">
+                    <a:lumMod val="50000"/>
+                  </a:schemeClr>
+                </a:solidFill>
+                <a:effectLst>
+                  <a:outerShdw blurRad="38100" dist="25400" dir="5400000" algn="ctr" rotWithShape="0">
+                    <a:srgbClr val="6E747A">
+                      <a:alpha val="43000"/>
+                    </a:srgbClr>
+                  </a:outerShdw>
+                </a:effectLst>
+              </a:rPr>
+              <a:t/>
+            </a:r>
             <a:br>
               <a:rPr lang="fr-FR" sz="1800" dirty="0">
                 <a:ln w="0"/>
@@ -45525,6 +47135,24 @@
                 </a:effectLst>
               </a:rPr>
               <a:t>   </a:t>
+            </a:r>
+            <a:r>
+              <a:rPr lang="fr-FR" sz="1600" dirty="0">
+                <a:ln w="0"/>
+                <a:solidFill>
+                  <a:schemeClr val="bg1">
+                    <a:lumMod val="50000"/>
+                  </a:schemeClr>
+                </a:solidFill>
+                <a:effectLst>
+                  <a:outerShdw blurRad="38100" dist="25400" dir="5400000" algn="ctr" rotWithShape="0">
+                    <a:srgbClr val="6E747A">
+                      <a:alpha val="43000"/>
+                    </a:srgbClr>
+                  </a:outerShdw>
+                </a:effectLst>
+              </a:rPr>
+              <a:t/>
             </a:r>
             <a:br>
               <a:rPr lang="fr-FR" sz="1600" dirty="0">
@@ -45968,6 +47596,13 @@
   <p:clrMapOvr>
     <a:masterClrMapping/>
   </p:clrMapOvr>
+  <p:timing>
+    <p:tnLst>
+      <p:par>
+        <p:cTn id="1" dur="indefinite" restart="never" nodeType="tmRoot"/>
+      </p:par>
+    </p:tnLst>
+  </p:timing>
 </p:sld>
 </file>
 
@@ -46301,6 +47936,13 @@
   <p:clrMapOvr>
     <a:masterClrMapping/>
   </p:clrMapOvr>
+  <p:timing>
+    <p:tnLst>
+      <p:par>
+        <p:cTn id="1" dur="indefinite" restart="never" nodeType="tmRoot"/>
+      </p:par>
+    </p:tnLst>
+  </p:timing>
 </p:sld>
 </file>
 
@@ -46558,6 +48200,13 @@
   <p:clrMapOvr>
     <a:masterClrMapping/>
   </p:clrMapOvr>
+  <p:timing>
+    <p:tnLst>
+      <p:par>
+        <p:cTn id="1" dur="indefinite" restart="never" nodeType="tmRoot"/>
+      </p:par>
+    </p:tnLst>
+  </p:timing>
 </p:sld>
 </file>
 
@@ -46826,6 +48475,13 @@
   <p:clrMapOvr>
     <a:masterClrMapping/>
   </p:clrMapOvr>
+  <p:timing>
+    <p:tnLst>
+      <p:par>
+        <p:cTn id="1" dur="indefinite" restart="never" nodeType="tmRoot"/>
+      </p:par>
+    </p:tnLst>
+  </p:timing>
 </p:sld>
 </file>
 
@@ -47279,6 +48935,13 @@
   <p:clrMapOvr>
     <a:masterClrMapping/>
   </p:clrMapOvr>
+  <p:timing>
+    <p:tnLst>
+      <p:par>
+        <p:cTn id="1" dur="indefinite" restart="never" nodeType="tmRoot"/>
+      </p:par>
+    </p:tnLst>
+  </p:timing>
 </p:sld>
 </file>
 
@@ -47482,6 +49145,13 @@
   <p:clrMapOvr>
     <a:masterClrMapping/>
   </p:clrMapOvr>
+  <p:timing>
+    <p:tnLst>
+      <p:par>
+        <p:cTn id="1" dur="indefinite" restart="never" nodeType="tmRoot"/>
+      </p:par>
+    </p:tnLst>
+  </p:timing>
 </p:sld>
 </file>
 
@@ -47502,27 +49172,28 @@
           <a:chExt cx="0" cy="0"/>
         </a:xfrm>
       </p:grpSpPr>
-      <p:graphicFrame>
-        <p:nvGraphicFramePr>
-          <p:cNvPr id="8" name="Diagramme 7"/>
-          <p:cNvGraphicFramePr/>
+      <p:sp>
+        <p:nvSpPr>
+          <p:cNvPr id="2" name="Titre 1"/>
+          <p:cNvSpPr>
+            <a:spLocks noGrp="1"/>
+          </p:cNvSpPr>
           <p:nvPr>
-            <p:extLst/>
+            <p:ph type="title"/>
           </p:nvPr>
-        </p:nvGraphicFramePr>
-        <p:xfrm>
-          <a:off x="9152238" y="826759"/>
-          <a:ext cx="3097427" cy="4634928"/>
-        </p:xfrm>
-        <a:graphic>
-          <a:graphicData uri="http://schemas.openxmlformats.org/drawingml/2006/diagram">
-            <dgm:relIds xmlns:dgm="http://schemas.openxmlformats.org/drawingml/2006/diagram" xmlns:r="http://schemas.openxmlformats.org/officeDocument/2006/relationships" r:dm="rId2" r:lo="rId3" r:qs="rId4" r:cs="rId5"/>
-          </a:graphicData>
-        </a:graphic>
-      </p:graphicFrame>
+        </p:nvSpPr>
+        <p:spPr/>
+        <p:txBody>
+          <a:bodyPr/>
+          <a:lstStyle/>
+          <a:p>
+            <a:endParaRPr lang="fr-FR"/>
+          </a:p>
+        </p:txBody>
+      </p:sp>
       <p:pic>
         <p:nvPicPr>
-          <p:cNvPr id="5" name="Espace réservé du contenu 3" descr="Capture d’écran"/>
+          <p:cNvPr id="4" name="Espace réservé du contenu 3"/>
           <p:cNvPicPr>
             <a:picLocks noGrp="1" noChangeAspect="1"/>
           </p:cNvPicPr>
@@ -47530,89 +49201,15 @@
             <p:ph idx="1"/>
           </p:nvPr>
         </p:nvPicPr>
-        <p:blipFill>
-          <a:blip r:embed="rId7">
-            <a:extLst>
-              <a:ext uri="{28A0092B-C50C-407E-A947-70E740481C1C}">
-                <a14:useLocalDpi xmlns:a14="http://schemas.microsoft.com/office/drawing/2010/main" val="0"/>
-              </a:ext>
-            </a:extLst>
-          </a:blip>
-          <a:stretch>
-            <a:fillRect/>
-          </a:stretch>
-        </p:blipFill>
-        <p:spPr>
-          <a:xfrm>
-            <a:off x="231300" y="90685"/>
-            <a:ext cx="2399605" cy="1037829"/>
-          </a:xfrm>
-        </p:spPr>
-      </p:pic>
-      <p:sp>
-        <p:nvSpPr>
-          <p:cNvPr id="4" name="ZoneTexte 3"/>
-          <p:cNvSpPr txBox="1"/>
-          <p:nvPr/>
-        </p:nvSpPr>
-        <p:spPr>
-          <a:xfrm>
-            <a:off x="2459944" y="432944"/>
-            <a:ext cx="6021860" cy="523220"/>
-          </a:xfrm>
-          <a:prstGeom prst="rect">
-            <a:avLst/>
-          </a:prstGeom>
-          <a:noFill/>
-        </p:spPr>
-        <p:txBody>
-          <a:bodyPr wrap="square" rtlCol="0">
-            <a:spAutoFit/>
-          </a:bodyPr>
-          <a:lstStyle/>
-          <a:p>
-            <a:pPr algn="ctr"/>
-            <a:r>
-              <a:rPr lang="fr-FR" sz="2800" dirty="0">
-                <a:solidFill>
-                  <a:schemeClr val="accent1"/>
-                </a:solidFill>
-              </a:rPr>
-              <a:t>Présentation de la solution </a:t>
-            </a:r>
-          </a:p>
-        </p:txBody>
-      </p:sp>
-      <p:pic>
-        <p:nvPicPr>
-          <p:cNvPr id="2" name="Image 1"/>
-          <p:cNvPicPr>
-            <a:picLocks noChangeAspect="1"/>
-          </p:cNvPicPr>
-          <p:nvPr/>
-        </p:nvPicPr>
         <p:blipFill rotWithShape="1">
-          <a:blip r:embed="rId8">
-            <a:duotone>
-              <a:schemeClr val="accent2">
-                <a:shade val="45000"/>
-                <a:satMod val="135000"/>
-              </a:schemeClr>
-              <a:prstClr val="white"/>
-            </a:duotone>
-            <a:extLst>
-              <a:ext uri="{28A0092B-C50C-407E-A947-70E740481C1C}">
-                <a14:useLocalDpi xmlns:a14="http://schemas.microsoft.com/office/drawing/2010/main" val="0"/>
-              </a:ext>
-            </a:extLst>
-          </a:blip>
-          <a:srcRect l="3097"/>
+          <a:blip r:embed="rId2"/>
+          <a:srcRect l="16741"/>
           <a:stretch/>
         </p:blipFill>
         <p:spPr>
           <a:xfrm>
-            <a:off x="328248" y="1367692"/>
-            <a:ext cx="8941224" cy="4788601"/>
+            <a:off x="-3842" y="524475"/>
+            <a:ext cx="12195842" cy="3768125"/>
           </a:xfrm>
           <a:prstGeom prst="rect">
             <a:avLst/>
@@ -47622,13 +49219,20 @@
     </p:spTree>
     <p:extLst>
       <p:ext uri="{BB962C8B-B14F-4D97-AF65-F5344CB8AC3E}">
-        <p14:creationId xmlns:p14="http://schemas.microsoft.com/office/powerpoint/2010/main" val="3727777155"/>
+        <p14:creationId xmlns:p14="http://schemas.microsoft.com/office/powerpoint/2010/main" val="2515592318"/>
       </p:ext>
     </p:extLst>
   </p:cSld>
   <p:clrMapOvr>
     <a:masterClrMapping/>
   </p:clrMapOvr>
+  <p:timing>
+    <p:tnLst>
+      <p:par>
+        <p:cTn id="1" dur="indefinite" restart="never" nodeType="tmRoot"/>
+      </p:par>
+    </p:tnLst>
+  </p:timing>
 </p:sld>
 </file>
 
@@ -47649,40 +49253,37 @@
           <a:chExt cx="0" cy="0"/>
         </a:xfrm>
       </p:grpSpPr>
-      <p:graphicFrame>
-        <p:nvGraphicFramePr>
-          <p:cNvPr id="8" name="Diagramme 7"/>
-          <p:cNvGraphicFramePr/>
+      <p:sp>
+        <p:nvSpPr>
+          <p:cNvPr id="2" name="Titre 1"/>
+          <p:cNvSpPr>
+            <a:spLocks noGrp="1"/>
+          </p:cNvSpPr>
           <p:nvPr>
-            <p:extLst>
-              <p:ext uri="{D42A27DB-BD31-4B8C-83A1-F6EECF244321}">
-                <p14:modId xmlns:p14="http://schemas.microsoft.com/office/powerpoint/2010/main" val="2931075179"/>
-              </p:ext>
-            </p:extLst>
+            <p:ph type="title"/>
           </p:nvPr>
-        </p:nvGraphicFramePr>
-        <p:xfrm>
-          <a:off x="9152238" y="826759"/>
-          <a:ext cx="3097427" cy="4634928"/>
-        </p:xfrm>
-        <a:graphic>
-          <a:graphicData uri="http://schemas.openxmlformats.org/drawingml/2006/diagram">
-            <dgm:relIds xmlns:dgm="http://schemas.openxmlformats.org/drawingml/2006/diagram" xmlns:r="http://schemas.openxmlformats.org/officeDocument/2006/relationships" r:dm="rId2" r:lo="rId3" r:qs="rId4" r:cs="rId5"/>
-          </a:graphicData>
-        </a:graphic>
-      </p:graphicFrame>
+        </p:nvSpPr>
+        <p:spPr/>
+        <p:txBody>
+          <a:bodyPr/>
+          <a:lstStyle/>
+          <a:p>
+            <a:endParaRPr lang="fr-FR"/>
+          </a:p>
+        </p:txBody>
+      </p:sp>
       <p:pic>
         <p:nvPicPr>
-          <p:cNvPr id="4" name="Espace réservé du contenu 3" descr="Capture d’écran"/>
+          <p:cNvPr id="4" name="Espace réservé du contenu 3"/>
           <p:cNvPicPr>
-            <a:picLocks noGrp="1" noChangeAspect="1"/>
+            <a:picLocks noGrp="1"/>
           </p:cNvPicPr>
           <p:nvPr>
             <p:ph idx="1"/>
           </p:nvPr>
         </p:nvPicPr>
         <p:blipFill>
-          <a:blip r:embed="rId7">
+          <a:blip r:embed="rId2">
             <a:extLst>
               <a:ext uri="{28A0092B-C50C-407E-A947-70E740481C1C}">
                 <a14:useLocalDpi xmlns:a14="http://schemas.microsoft.com/office/drawing/2010/main" val="0"/>
@@ -47695,228 +49296,31 @@
         </p:blipFill>
         <p:spPr>
           <a:xfrm>
-            <a:off x="231300" y="90685"/>
-            <a:ext cx="2399605" cy="1037829"/>
-          </a:xfrm>
-        </p:spPr>
-      </p:pic>
-      <p:sp>
-        <p:nvSpPr>
-          <p:cNvPr id="3" name="ZoneTexte 2"/>
-          <p:cNvSpPr txBox="1"/>
-          <p:nvPr/>
-        </p:nvSpPr>
-        <p:spPr>
-          <a:xfrm>
-            <a:off x="2290119" y="1128514"/>
-            <a:ext cx="5577016" cy="523220"/>
+            <a:off x="0" y="0"/>
+            <a:ext cx="12191999" cy="6858000"/>
           </a:xfrm>
           <a:prstGeom prst="rect">
             <a:avLst/>
           </a:prstGeom>
-          <a:noFill/>
         </p:spPr>
-        <p:txBody>
-          <a:bodyPr wrap="square" rtlCol="0">
-            <a:spAutoFit/>
-          </a:bodyPr>
-          <a:lstStyle/>
-          <a:p>
-            <a:pPr algn="ctr"/>
-            <a:r>
-              <a:rPr lang="fr-FR" sz="2800" dirty="0">
-                <a:solidFill>
-                  <a:schemeClr val="accent1"/>
-                </a:solidFill>
-              </a:rPr>
-              <a:t>Conclusion</a:t>
-            </a:r>
-          </a:p>
-        </p:txBody>
-      </p:sp>
-      <p:sp>
-        <p:nvSpPr>
-          <p:cNvPr id="5" name="ZoneTexte 4"/>
-          <p:cNvSpPr txBox="1"/>
-          <p:nvPr/>
-        </p:nvSpPr>
-        <p:spPr>
-          <a:xfrm>
-            <a:off x="2290119" y="2232454"/>
-            <a:ext cx="8847437" cy="2031325"/>
-          </a:xfrm>
-          <a:prstGeom prst="rect">
-            <a:avLst/>
-          </a:prstGeom>
-          <a:noFill/>
-        </p:spPr>
-        <p:txBody>
-          <a:bodyPr wrap="square" rtlCol="0">
-            <a:spAutoFit/>
-          </a:bodyPr>
-          <a:lstStyle/>
-          <a:p>
-            <a:r>
-              <a:rPr lang="fr-FR" dirty="0"/>
-              <a:t>Nous avons répondu à l’appel d’offre</a:t>
-            </a:r>
-          </a:p>
-          <a:p>
-            <a:endParaRPr lang="fr-FR" dirty="0"/>
-          </a:p>
-          <a:p>
-            <a:r>
-              <a:rPr lang="fr-FR" dirty="0"/>
-              <a:t>Nous avons rendu un projet fonctionnel </a:t>
-            </a:r>
-          </a:p>
-          <a:p>
-            <a:endParaRPr lang="fr-FR" dirty="0"/>
-          </a:p>
-          <a:p>
-            <a:r>
-              <a:rPr lang="fr-FR" dirty="0"/>
-              <a:t>Nous devons améliorer et perfectionner nos codes</a:t>
-            </a:r>
-          </a:p>
-          <a:p>
-            <a:endParaRPr lang="fr-FR" dirty="0"/>
-          </a:p>
-          <a:p>
-            <a:endParaRPr lang="fr-FR" dirty="0"/>
-          </a:p>
-        </p:txBody>
-      </p:sp>
-      <p:sp>
-        <p:nvSpPr>
-          <p:cNvPr id="7" name="Flèche droite 6"/>
-          <p:cNvSpPr/>
-          <p:nvPr/>
-        </p:nvSpPr>
-        <p:spPr>
-          <a:xfrm>
-            <a:off x="1912913" y="2345173"/>
-            <a:ext cx="377206" cy="189036"/>
-          </a:xfrm>
-          <a:prstGeom prst="rightArrow">
-            <a:avLst/>
-          </a:prstGeom>
-        </p:spPr>
-        <p:style>
-          <a:lnRef idx="2">
-            <a:schemeClr val="accent1">
-              <a:shade val="50000"/>
-            </a:schemeClr>
-          </a:lnRef>
-          <a:fillRef idx="1">
-            <a:schemeClr val="accent1"/>
-          </a:fillRef>
-          <a:effectRef idx="0">
-            <a:schemeClr val="accent1"/>
-          </a:effectRef>
-          <a:fontRef idx="minor">
-            <a:schemeClr val="lt1"/>
-          </a:fontRef>
-        </p:style>
-        <p:txBody>
-          <a:bodyPr rtlCol="0" anchor="ctr"/>
-          <a:lstStyle/>
-          <a:p>
-            <a:pPr algn="ctr"/>
-            <a:endParaRPr lang="fr-FR"/>
-          </a:p>
-        </p:txBody>
-      </p:sp>
-      <p:sp>
-        <p:nvSpPr>
-          <p:cNvPr id="9" name="Flèche droite 8"/>
-          <p:cNvSpPr/>
-          <p:nvPr/>
-        </p:nvSpPr>
-        <p:spPr>
-          <a:xfrm>
-            <a:off x="1912913" y="2900840"/>
-            <a:ext cx="377206" cy="189036"/>
-          </a:xfrm>
-          <a:prstGeom prst="rightArrow">
-            <a:avLst/>
-          </a:prstGeom>
-        </p:spPr>
-        <p:style>
-          <a:lnRef idx="2">
-            <a:schemeClr val="accent1">
-              <a:shade val="50000"/>
-            </a:schemeClr>
-          </a:lnRef>
-          <a:fillRef idx="1">
-            <a:schemeClr val="accent1"/>
-          </a:fillRef>
-          <a:effectRef idx="0">
-            <a:schemeClr val="accent1"/>
-          </a:effectRef>
-          <a:fontRef idx="minor">
-            <a:schemeClr val="lt1"/>
-          </a:fontRef>
-        </p:style>
-        <p:txBody>
-          <a:bodyPr rtlCol="0" anchor="ctr"/>
-          <a:lstStyle/>
-          <a:p>
-            <a:pPr algn="ctr"/>
-            <a:endParaRPr lang="fr-FR"/>
-          </a:p>
-        </p:txBody>
-      </p:sp>
-      <p:sp>
-        <p:nvSpPr>
-          <p:cNvPr id="10" name="Flèche droite 9"/>
-          <p:cNvSpPr/>
-          <p:nvPr/>
-        </p:nvSpPr>
-        <p:spPr>
-          <a:xfrm>
-            <a:off x="1912913" y="3474754"/>
-            <a:ext cx="377206" cy="189036"/>
-          </a:xfrm>
-          <a:prstGeom prst="rightArrow">
-            <a:avLst/>
-          </a:prstGeom>
-        </p:spPr>
-        <p:style>
-          <a:lnRef idx="2">
-            <a:schemeClr val="accent1">
-              <a:shade val="50000"/>
-            </a:schemeClr>
-          </a:lnRef>
-          <a:fillRef idx="1">
-            <a:schemeClr val="accent1"/>
-          </a:fillRef>
-          <a:effectRef idx="0">
-            <a:schemeClr val="accent1"/>
-          </a:effectRef>
-          <a:fontRef idx="minor">
-            <a:schemeClr val="lt1"/>
-          </a:fontRef>
-        </p:style>
-        <p:txBody>
-          <a:bodyPr rtlCol="0" anchor="ctr"/>
-          <a:lstStyle/>
-          <a:p>
-            <a:pPr algn="ctr"/>
-            <a:endParaRPr lang="fr-FR"/>
-          </a:p>
-        </p:txBody>
-      </p:sp>
+      </p:pic>
     </p:spTree>
     <p:extLst>
       <p:ext uri="{BB962C8B-B14F-4D97-AF65-F5344CB8AC3E}">
-        <p14:creationId xmlns:p14="http://schemas.microsoft.com/office/powerpoint/2010/main" val="1298815656"/>
+        <p14:creationId xmlns:p14="http://schemas.microsoft.com/office/powerpoint/2010/main" val="1197641499"/>
       </p:ext>
     </p:extLst>
   </p:cSld>
   <p:clrMapOvr>
     <a:masterClrMapping/>
   </p:clrMapOvr>
+  <p:timing>
+    <p:tnLst>
+      <p:par>
+        <p:cTn id="1" dur="indefinite" restart="never" nodeType="tmRoot"/>
+      </p:par>
+    </p:tnLst>
+  </p:timing>
 </p:sld>
 </file>
 
